--- a/Offline/BusinessManagement/AnodiamManagmentMasterPlan.pptx
+++ b/Offline/BusinessManagement/AnodiamManagmentMasterPlan.pptx
@@ -245,7 +245,7 @@
           <a:p>
             <a:fld id="{EB5091F5-313C-4A81-ACA1-94ED5D4B25D8}" type="datetimeFigureOut">
               <a:rPr lang="en-AU" smtClean="0"/>
-              <a:t>15/06/2023</a:t>
+              <a:t>16/06/2023</a:t>
             </a:fld>
             <a:endParaRPr lang="en-AU"/>
           </a:p>
@@ -415,7 +415,7 @@
           <a:p>
             <a:fld id="{EB5091F5-313C-4A81-ACA1-94ED5D4B25D8}" type="datetimeFigureOut">
               <a:rPr lang="en-AU" smtClean="0"/>
-              <a:t>15/06/2023</a:t>
+              <a:t>16/06/2023</a:t>
             </a:fld>
             <a:endParaRPr lang="en-AU"/>
           </a:p>
@@ -595,7 +595,7 @@
           <a:p>
             <a:fld id="{EB5091F5-313C-4A81-ACA1-94ED5D4B25D8}" type="datetimeFigureOut">
               <a:rPr lang="en-AU" smtClean="0"/>
-              <a:t>15/06/2023</a:t>
+              <a:t>16/06/2023</a:t>
             </a:fld>
             <a:endParaRPr lang="en-AU"/>
           </a:p>
@@ -765,7 +765,7 @@
           <a:p>
             <a:fld id="{EB5091F5-313C-4A81-ACA1-94ED5D4B25D8}" type="datetimeFigureOut">
               <a:rPr lang="en-AU" smtClean="0"/>
-              <a:t>15/06/2023</a:t>
+              <a:t>16/06/2023</a:t>
             </a:fld>
             <a:endParaRPr lang="en-AU"/>
           </a:p>
@@ -1011,7 +1011,7 @@
           <a:p>
             <a:fld id="{EB5091F5-313C-4A81-ACA1-94ED5D4B25D8}" type="datetimeFigureOut">
               <a:rPr lang="en-AU" smtClean="0"/>
-              <a:t>15/06/2023</a:t>
+              <a:t>16/06/2023</a:t>
             </a:fld>
             <a:endParaRPr lang="en-AU"/>
           </a:p>
@@ -1243,7 +1243,7 @@
           <a:p>
             <a:fld id="{EB5091F5-313C-4A81-ACA1-94ED5D4B25D8}" type="datetimeFigureOut">
               <a:rPr lang="en-AU" smtClean="0"/>
-              <a:t>15/06/2023</a:t>
+              <a:t>16/06/2023</a:t>
             </a:fld>
             <a:endParaRPr lang="en-AU"/>
           </a:p>
@@ -1610,7 +1610,7 @@
           <a:p>
             <a:fld id="{EB5091F5-313C-4A81-ACA1-94ED5D4B25D8}" type="datetimeFigureOut">
               <a:rPr lang="en-AU" smtClean="0"/>
-              <a:t>15/06/2023</a:t>
+              <a:t>16/06/2023</a:t>
             </a:fld>
             <a:endParaRPr lang="en-AU"/>
           </a:p>
@@ -1728,7 +1728,7 @@
           <a:p>
             <a:fld id="{EB5091F5-313C-4A81-ACA1-94ED5D4B25D8}" type="datetimeFigureOut">
               <a:rPr lang="en-AU" smtClean="0"/>
-              <a:t>15/06/2023</a:t>
+              <a:t>16/06/2023</a:t>
             </a:fld>
             <a:endParaRPr lang="en-AU"/>
           </a:p>
@@ -1823,7 +1823,7 @@
           <a:p>
             <a:fld id="{EB5091F5-313C-4A81-ACA1-94ED5D4B25D8}" type="datetimeFigureOut">
               <a:rPr lang="en-AU" smtClean="0"/>
-              <a:t>15/06/2023</a:t>
+              <a:t>16/06/2023</a:t>
             </a:fld>
             <a:endParaRPr lang="en-AU"/>
           </a:p>
@@ -2100,7 +2100,7 @@
           <a:p>
             <a:fld id="{EB5091F5-313C-4A81-ACA1-94ED5D4B25D8}" type="datetimeFigureOut">
               <a:rPr lang="en-AU" smtClean="0"/>
-              <a:t>15/06/2023</a:t>
+              <a:t>16/06/2023</a:t>
             </a:fld>
             <a:endParaRPr lang="en-AU"/>
           </a:p>
@@ -2353,7 +2353,7 @@
           <a:p>
             <a:fld id="{EB5091F5-313C-4A81-ACA1-94ED5D4B25D8}" type="datetimeFigureOut">
               <a:rPr lang="en-AU" smtClean="0"/>
-              <a:t>15/06/2023</a:t>
+              <a:t>16/06/2023</a:t>
             </a:fld>
             <a:endParaRPr lang="en-AU"/>
           </a:p>
@@ -2566,7 +2566,7 @@
           <a:p>
             <a:fld id="{EB5091F5-313C-4A81-ACA1-94ED5D4B25D8}" type="datetimeFigureOut">
               <a:rPr lang="en-AU" smtClean="0"/>
-              <a:t>15/06/2023</a:t>
+              <a:t>16/06/2023</a:t>
             </a:fld>
             <a:endParaRPr lang="en-AU"/>
           </a:p>
@@ -3179,13 +3179,7 @@
               <a:rPr lang="en-US" dirty="0" smtClean="0">
                 <a:latin typeface="Oxygen" panose="02000503000000000000" pitchFamily="2" charset="0"/>
               </a:rPr>
-              <a:t>IIT JEE &amp; </a:t>
-            </a:r>
-            <a:r>
-              <a:rPr lang="en-US" dirty="0" smtClean="0">
-                <a:latin typeface="Oxygen" panose="02000503000000000000" pitchFamily="2" charset="0"/>
-              </a:rPr>
-              <a:t>NEET</a:t>
+              <a:t>IIT JEE &amp; NEET</a:t>
             </a:r>
           </a:p>
           <a:p>
@@ -3214,9 +3208,6 @@
               </a:rPr>
               <a:t>)</a:t>
             </a:r>
-            <a:endParaRPr lang="en-US" dirty="0" smtClean="0">
-              <a:latin typeface="Oxygen" panose="02000503000000000000" pitchFamily="2" charset="0"/>
-            </a:endParaRPr>
           </a:p>
           <a:p>
             <a:pPr marL="342900" indent="-342900">
@@ -3232,9 +3223,6 @@
               </a:rPr>
               <a:t>Professional Courses &amp; Grooming</a:t>
             </a:r>
-            <a:endParaRPr lang="en-US" dirty="0" smtClean="0">
-              <a:latin typeface="Oxygen" panose="02000503000000000000" pitchFamily="2" charset="0"/>
-            </a:endParaRPr>
           </a:p>
           <a:p>
             <a:pPr marL="342900" indent="-342900">
@@ -3250,9 +3238,6 @@
               </a:rPr>
               <a:t>Co Curricular</a:t>
             </a:r>
-            <a:endParaRPr lang="en-US" dirty="0" smtClean="0">
-              <a:latin typeface="Oxygen" panose="02000503000000000000" pitchFamily="2" charset="0"/>
-            </a:endParaRPr>
           </a:p>
         </p:txBody>
       </p:sp>
@@ -3285,7 +3270,7 @@
           <p:cNvPr id="19" name="Rectangle 18">
             <a:extLst>
               <a:ext uri="{FF2B5EF4-FFF2-40B4-BE49-F238E27FC236}">
-                <a16:creationId xmlns="" xmlns:a16="http://schemas.microsoft.com/office/drawing/2014/main" id="{907BEB2A-D93E-46CB-95DF-04E16F0D1C0C}"/>
+                <a16:creationId xmlns:a16="http://schemas.microsoft.com/office/drawing/2014/main" xmlns="" id="{907BEB2A-D93E-46CB-95DF-04E16F0D1C0C}"/>
               </a:ext>
             </a:extLst>
           </p:cNvPr>
@@ -3365,6 +3350,13 @@
   <p:clrMapOvr>
     <a:masterClrMapping/>
   </p:clrMapOvr>
+  <p:timing>
+    <p:tnLst>
+      <p:par>
+        <p:cTn id="1" dur="indefinite" restart="never" nodeType="tmRoot"/>
+      </p:par>
+    </p:tnLst>
+  </p:timing>
 </p:sld>
 </file>
 
@@ -3617,17 +3609,8 @@
               <a:rPr lang="en-US" dirty="0" smtClean="0">
                 <a:latin typeface="Oxygen" panose="02000503000000000000" pitchFamily="2" charset="0"/>
               </a:rPr>
-              <a:t>Enroll Students &amp; </a:t>
-            </a:r>
-            <a:r>
-              <a:rPr lang="en-US" dirty="0" smtClean="0">
-                <a:latin typeface="Oxygen" panose="02000503000000000000" pitchFamily="2" charset="0"/>
-              </a:rPr>
-              <a:t>Teach</a:t>
-            </a:r>
-            <a:endParaRPr lang="en-US" dirty="0" smtClean="0">
-              <a:latin typeface="Oxygen" panose="02000503000000000000" pitchFamily="2" charset="0"/>
-            </a:endParaRPr>
+              <a:t>Enroll Students &amp; Teach</a:t>
+            </a:r>
           </a:p>
           <a:p>
             <a:pPr marL="342900" indent="-342900">
@@ -3678,7 +3661,7 @@
           <p:cNvPr id="12" name="Rectangle 11">
             <a:extLst>
               <a:ext uri="{FF2B5EF4-FFF2-40B4-BE49-F238E27FC236}">
-                <a16:creationId xmlns="" xmlns:a16="http://schemas.microsoft.com/office/drawing/2014/main" id="{907BEB2A-D93E-46CB-95DF-04E16F0D1C0C}"/>
+                <a16:creationId xmlns:a16="http://schemas.microsoft.com/office/drawing/2014/main" xmlns="" id="{907BEB2A-D93E-46CB-95DF-04E16F0D1C0C}"/>
               </a:ext>
             </a:extLst>
           </p:cNvPr>
@@ -3758,6 +3741,13 @@
   <p:clrMapOvr>
     <a:masterClrMapping/>
   </p:clrMapOvr>
+  <p:timing>
+    <p:tnLst>
+      <p:par>
+        <p:cTn id="1" dur="indefinite" restart="never" nodeType="tmRoot"/>
+      </p:par>
+    </p:tnLst>
+  </p:timing>
 </p:sld>
 </file>
 
@@ -3888,97 +3878,8 @@
                 </a:solidFill>
                 <a:latin typeface="Oxygen" panose="02000503000000000000" pitchFamily="2" charset="0"/>
               </a:rPr>
-              <a:t>, IoT &amp; </a:t>
-            </a:r>
-            <a:r>
-              <a:rPr lang="en-US" sz="3200" b="1" dirty="0">
-                <a:solidFill>
-                  <a:srgbClr val="FF8C52"/>
-                </a:solidFill>
-                <a:latin typeface="Oxygen" panose="02000503000000000000" pitchFamily="2" charset="0"/>
-              </a:rPr>
-              <a:t>AI</a:t>
-            </a:r>
-            <a:endParaRPr lang="en-US" sz="3200" b="1" dirty="0">
-              <a:solidFill>
-                <a:srgbClr val="FF8C52"/>
-              </a:solidFill>
-              <a:latin typeface="Oxygen" panose="02000503000000000000" pitchFamily="2" charset="0"/>
-            </a:endParaRPr>
-          </a:p>
-        </p:txBody>
-      </p:sp>
-      <p:sp>
-        <p:nvSpPr>
-          <p:cNvPr id="7" name="TextBox 6"/>
-          <p:cNvSpPr txBox="1"/>
-          <p:nvPr/>
-        </p:nvSpPr>
-        <p:spPr>
-          <a:xfrm>
-            <a:off x="5695707" y="1400909"/>
-            <a:ext cx="5323391" cy="1113575"/>
-          </a:xfrm>
-          <a:prstGeom prst="rect">
-            <a:avLst/>
-          </a:prstGeom>
-          <a:noFill/>
-        </p:spPr>
-        <p:txBody>
-          <a:bodyPr wrap="square" rtlCol="0">
-            <a:spAutoFit/>
-          </a:bodyPr>
-          <a:lstStyle/>
-          <a:p>
-            <a:pPr marL="342900" indent="-342900">
-              <a:lnSpc>
-                <a:spcPct val="200000"/>
-              </a:lnSpc>
-              <a:buFont typeface="Wingdings" panose="05000000000000000000" pitchFamily="2" charset="2"/>
-              <a:buChar char="v"/>
-            </a:pPr>
-            <a:r>
-              <a:rPr lang="en-US" dirty="0" smtClean="0">
-                <a:latin typeface="Oxygen" panose="02000503000000000000" pitchFamily="2" charset="0"/>
-              </a:rPr>
-              <a:t> </a:t>
-            </a:r>
-            <a:r>
-              <a:rPr lang="en-US" dirty="0" err="1" smtClean="0">
-                <a:latin typeface="Oxygen" panose="02000503000000000000" pitchFamily="2" charset="0"/>
-              </a:rPr>
-              <a:t>dfv</a:t>
-            </a:r>
-            <a:r>
-              <a:rPr lang="en-US" dirty="0" smtClean="0">
-                <a:latin typeface="Oxygen" panose="02000503000000000000" pitchFamily="2" charset="0"/>
-              </a:rPr>
-              <a:t> </a:t>
-            </a:r>
-            <a:r>
-              <a:rPr lang="en-US" dirty="0" err="1" smtClean="0">
-                <a:latin typeface="Oxygen" panose="02000503000000000000" pitchFamily="2" charset="0"/>
-              </a:rPr>
-              <a:t>dfv</a:t>
-            </a:r>
-            <a:r>
-              <a:rPr lang="en-US" dirty="0" smtClean="0">
-                <a:latin typeface="Oxygen" panose="02000503000000000000" pitchFamily="2" charset="0"/>
-              </a:rPr>
-              <a:t> co curricular</a:t>
-            </a:r>
-          </a:p>
-          <a:p>
-            <a:pPr marL="342900" indent="-342900">
-              <a:lnSpc>
-                <a:spcPct val="200000"/>
-              </a:lnSpc>
-              <a:buFont typeface="Wingdings" panose="05000000000000000000" pitchFamily="2" charset="2"/>
-              <a:buChar char="v"/>
-            </a:pPr>
-            <a:endParaRPr lang="en-AU" dirty="0">
-              <a:latin typeface="Oxygen" panose="02000503000000000000" pitchFamily="2" charset="0"/>
-            </a:endParaRPr>
+              <a:t>, IoT &amp; AI</a:t>
+            </a:r>
           </a:p>
         </p:txBody>
       </p:sp>
@@ -4011,7 +3912,7 @@
           <p:cNvPr id="10" name="Rectangle 9">
             <a:extLst>
               <a:ext uri="{FF2B5EF4-FFF2-40B4-BE49-F238E27FC236}">
-                <a16:creationId xmlns="" xmlns:a16="http://schemas.microsoft.com/office/drawing/2014/main" id="{907BEB2A-D93E-46CB-95DF-04E16F0D1C0C}"/>
+                <a16:creationId xmlns:a16="http://schemas.microsoft.com/office/drawing/2014/main" xmlns="" id="{907BEB2A-D93E-46CB-95DF-04E16F0D1C0C}"/>
               </a:ext>
             </a:extLst>
           </p:cNvPr>
@@ -4091,6 +3992,13 @@
   <p:clrMapOvr>
     <a:masterClrMapping/>
   </p:clrMapOvr>
+  <p:timing>
+    <p:tnLst>
+      <p:par>
+        <p:cTn id="1" dur="indefinite" restart="never" nodeType="tmRoot"/>
+      </p:par>
+    </p:tnLst>
+  </p:timing>
 </p:sld>
 </file>
 

--- a/Offline/BusinessManagement/AnodiamManagmentMasterPlan.pptx
+++ b/Offline/BusinessManagement/AnodiamManagmentMasterPlan.pptx
@@ -245,7 +245,7 @@
           <a:p>
             <a:fld id="{EB5091F5-313C-4A81-ACA1-94ED5D4B25D8}" type="datetimeFigureOut">
               <a:rPr lang="en-AU" smtClean="0"/>
-              <a:t>16/06/2023</a:t>
+              <a:t>20/06/2023</a:t>
             </a:fld>
             <a:endParaRPr lang="en-AU"/>
           </a:p>
@@ -415,7 +415,7 @@
           <a:p>
             <a:fld id="{EB5091F5-313C-4A81-ACA1-94ED5D4B25D8}" type="datetimeFigureOut">
               <a:rPr lang="en-AU" smtClean="0"/>
-              <a:t>16/06/2023</a:t>
+              <a:t>20/06/2023</a:t>
             </a:fld>
             <a:endParaRPr lang="en-AU"/>
           </a:p>
@@ -595,7 +595,7 @@
           <a:p>
             <a:fld id="{EB5091F5-313C-4A81-ACA1-94ED5D4B25D8}" type="datetimeFigureOut">
               <a:rPr lang="en-AU" smtClean="0"/>
-              <a:t>16/06/2023</a:t>
+              <a:t>20/06/2023</a:t>
             </a:fld>
             <a:endParaRPr lang="en-AU"/>
           </a:p>
@@ -765,7 +765,7 @@
           <a:p>
             <a:fld id="{EB5091F5-313C-4A81-ACA1-94ED5D4B25D8}" type="datetimeFigureOut">
               <a:rPr lang="en-AU" smtClean="0"/>
-              <a:t>16/06/2023</a:t>
+              <a:t>20/06/2023</a:t>
             </a:fld>
             <a:endParaRPr lang="en-AU"/>
           </a:p>
@@ -1011,7 +1011,7 @@
           <a:p>
             <a:fld id="{EB5091F5-313C-4A81-ACA1-94ED5D4B25D8}" type="datetimeFigureOut">
               <a:rPr lang="en-AU" smtClean="0"/>
-              <a:t>16/06/2023</a:t>
+              <a:t>20/06/2023</a:t>
             </a:fld>
             <a:endParaRPr lang="en-AU"/>
           </a:p>
@@ -1243,7 +1243,7 @@
           <a:p>
             <a:fld id="{EB5091F5-313C-4A81-ACA1-94ED5D4B25D8}" type="datetimeFigureOut">
               <a:rPr lang="en-AU" smtClean="0"/>
-              <a:t>16/06/2023</a:t>
+              <a:t>20/06/2023</a:t>
             </a:fld>
             <a:endParaRPr lang="en-AU"/>
           </a:p>
@@ -1610,7 +1610,7 @@
           <a:p>
             <a:fld id="{EB5091F5-313C-4A81-ACA1-94ED5D4B25D8}" type="datetimeFigureOut">
               <a:rPr lang="en-AU" smtClean="0"/>
-              <a:t>16/06/2023</a:t>
+              <a:t>20/06/2023</a:t>
             </a:fld>
             <a:endParaRPr lang="en-AU"/>
           </a:p>
@@ -1728,7 +1728,7 @@
           <a:p>
             <a:fld id="{EB5091F5-313C-4A81-ACA1-94ED5D4B25D8}" type="datetimeFigureOut">
               <a:rPr lang="en-AU" smtClean="0"/>
-              <a:t>16/06/2023</a:t>
+              <a:t>20/06/2023</a:t>
             </a:fld>
             <a:endParaRPr lang="en-AU"/>
           </a:p>
@@ -1823,7 +1823,7 @@
           <a:p>
             <a:fld id="{EB5091F5-313C-4A81-ACA1-94ED5D4B25D8}" type="datetimeFigureOut">
               <a:rPr lang="en-AU" smtClean="0"/>
-              <a:t>16/06/2023</a:t>
+              <a:t>20/06/2023</a:t>
             </a:fld>
             <a:endParaRPr lang="en-AU"/>
           </a:p>
@@ -2100,7 +2100,7 @@
           <a:p>
             <a:fld id="{EB5091F5-313C-4A81-ACA1-94ED5D4B25D8}" type="datetimeFigureOut">
               <a:rPr lang="en-AU" smtClean="0"/>
-              <a:t>16/06/2023</a:t>
+              <a:t>20/06/2023</a:t>
             </a:fld>
             <a:endParaRPr lang="en-AU"/>
           </a:p>
@@ -2353,7 +2353,7 @@
           <a:p>
             <a:fld id="{EB5091F5-313C-4A81-ACA1-94ED5D4B25D8}" type="datetimeFigureOut">
               <a:rPr lang="en-AU" smtClean="0"/>
-              <a:t>16/06/2023</a:t>
+              <a:t>20/06/2023</a:t>
             </a:fld>
             <a:endParaRPr lang="en-AU"/>
           </a:p>
@@ -2566,7 +2566,7 @@
           <a:p>
             <a:fld id="{EB5091F5-313C-4A81-ACA1-94ED5D4B25D8}" type="datetimeFigureOut">
               <a:rPr lang="en-AU" smtClean="0"/>
-              <a:t>16/06/2023</a:t>
+              <a:t>20/06/2023</a:t>
             </a:fld>
             <a:endParaRPr lang="en-AU"/>
           </a:p>
@@ -3092,7 +3092,7 @@
         <p:spPr>
           <a:xfrm>
             <a:off x="5742006" y="1317325"/>
-            <a:ext cx="4443716" cy="4524315"/>
+            <a:ext cx="5450250" cy="4524315"/>
           </a:xfrm>
           <a:prstGeom prst="rect">
             <a:avLst/>
@@ -3114,6 +3114,9 @@
             </a:pPr>
             <a:r>
               <a:rPr lang="en-US" dirty="0" smtClean="0">
+                <a:solidFill>
+                  <a:srgbClr val="C00000"/>
+                </a:solidFill>
                 <a:latin typeface="Oxygen" panose="02000503000000000000" pitchFamily="2" charset="0"/>
               </a:rPr>
               <a:t>IT, IoT &amp; AI</a:t>
@@ -3129,6 +3132,9 @@
             </a:pPr>
             <a:r>
               <a:rPr lang="en-US" dirty="0" smtClean="0">
+                <a:solidFill>
+                  <a:srgbClr val="C00000"/>
+                </a:solidFill>
                 <a:latin typeface="Oxygen" panose="02000503000000000000" pitchFamily="2" charset="0"/>
               </a:rPr>
               <a:t>Commerce Stream</a:t>
@@ -3144,11 +3150,35 @@
             </a:pPr>
             <a:r>
               <a:rPr lang="en-US" dirty="0" smtClean="0">
+                <a:solidFill>
+                  <a:srgbClr val="C00000"/>
+                </a:solidFill>
                 <a:latin typeface="Oxygen" panose="02000503000000000000" pitchFamily="2" charset="0"/>
               </a:rPr>
-              <a:t>Job Ready (Marketing and Sales)</a:t>
+              <a:t>Job Ready </a:t>
+            </a:r>
+            <a:r>
+              <a:rPr lang="en-US" dirty="0">
+                <a:solidFill>
+                  <a:srgbClr val="C00000"/>
+                </a:solidFill>
+                <a:latin typeface="Oxygen" panose="02000503000000000000" pitchFamily="2" charset="0"/>
+              </a:rPr>
+              <a:t>(</a:t>
+            </a:r>
+            <a:r>
+              <a:rPr lang="en-US" dirty="0" smtClean="0">
+                <a:solidFill>
+                  <a:srgbClr val="C00000"/>
+                </a:solidFill>
+                <a:latin typeface="Oxygen" panose="02000503000000000000" pitchFamily="2" charset="0"/>
+              </a:rPr>
+              <a:t>Sales, English, Tally, MS Office)</a:t>
             </a:r>
             <a:endParaRPr lang="en-AU" dirty="0" smtClean="0">
+              <a:solidFill>
+                <a:srgbClr val="C00000"/>
+              </a:solidFill>
               <a:latin typeface="Oxygen" panose="02000503000000000000" pitchFamily="2" charset="0"/>
             </a:endParaRPr>
           </a:p>
@@ -3162,9 +3192,14 @@
             </a:pPr>
             <a:r>
               <a:rPr lang="en-US" dirty="0" smtClean="0">
+                <a:solidFill>
+                  <a:schemeClr val="accent2">
+                    <a:lumMod val="75000"/>
+                  </a:schemeClr>
+                </a:solidFill>
                 <a:latin typeface="Oxygen" panose="02000503000000000000" pitchFamily="2" charset="0"/>
               </a:rPr>
-              <a:t>VIII to XII Science &amp; Arts</a:t>
+              <a:t>IIT JEE &amp; NEET</a:t>
             </a:r>
           </a:p>
           <a:p>
@@ -3176,10 +3211,15 @@
               <a:buChar char="v"/>
             </a:pPr>
             <a:r>
-              <a:rPr lang="en-US" dirty="0" smtClean="0">
+              <a:rPr lang="en-US" dirty="0">
+                <a:solidFill>
+                  <a:schemeClr val="accent2">
+                    <a:lumMod val="75000"/>
+                  </a:schemeClr>
+                </a:solidFill>
                 <a:latin typeface="Oxygen" panose="02000503000000000000" pitchFamily="2" charset="0"/>
               </a:rPr>
-              <a:t>IIT JEE &amp; NEET</a:t>
+              <a:t>VIII to XII Science &amp; Arts</a:t>
             </a:r>
           </a:p>
           <a:p>
@@ -3192,21 +3232,14 @@
             </a:pPr>
             <a:r>
               <a:rPr lang="en-US" dirty="0" smtClean="0">
+                <a:solidFill>
+                  <a:schemeClr val="bg1">
+                    <a:lumMod val="50000"/>
+                  </a:schemeClr>
+                </a:solidFill>
                 <a:latin typeface="Oxygen" panose="02000503000000000000" pitchFamily="2" charset="0"/>
               </a:rPr>
-              <a:t>Competitive Exams (IAS, WBCS </a:t>
-            </a:r>
-            <a:r>
-              <a:rPr lang="en-US" dirty="0" err="1" smtClean="0">
-                <a:latin typeface="Oxygen" panose="02000503000000000000" pitchFamily="2" charset="0"/>
-              </a:rPr>
-              <a:t>etc</a:t>
-            </a:r>
-            <a:r>
-              <a:rPr lang="en-US" dirty="0" smtClean="0">
-                <a:latin typeface="Oxygen" panose="02000503000000000000" pitchFamily="2" charset="0"/>
-              </a:rPr>
-              <a:t>)</a:t>
+              <a:t>Competitive (Banking, IAS, WBCS etc.)</a:t>
             </a:r>
           </a:p>
           <a:p>
@@ -3219,6 +3252,11 @@
             </a:pPr>
             <a:r>
               <a:rPr lang="en-US" dirty="0" smtClean="0">
+                <a:solidFill>
+                  <a:schemeClr val="bg1">
+                    <a:lumMod val="50000"/>
+                  </a:schemeClr>
+                </a:solidFill>
                 <a:latin typeface="Oxygen" panose="02000503000000000000" pitchFamily="2" charset="0"/>
               </a:rPr>
               <a:t>Professional Courses &amp; Grooming</a:t>
@@ -3234,6 +3272,11 @@
             </a:pPr>
             <a:r>
               <a:rPr lang="en-US" dirty="0" smtClean="0">
+                <a:solidFill>
+                  <a:schemeClr val="bg1">
+                    <a:lumMod val="50000"/>
+                  </a:schemeClr>
+                </a:solidFill>
                 <a:latin typeface="Oxygen" panose="02000503000000000000" pitchFamily="2" charset="0"/>
               </a:rPr>
               <a:t>Co Curricular</a:t>

--- a/Offline/BusinessManagement/AnodiamManagmentMasterPlan.pptx
+++ b/Offline/BusinessManagement/AnodiamManagmentMasterPlan.pptx
@@ -7,7 +7,6 @@
   <p:sldIdLst>
     <p:sldId id="256" r:id="rId2"/>
     <p:sldId id="257" r:id="rId3"/>
-    <p:sldId id="258" r:id="rId4"/>
   </p:sldIdLst>
   <p:sldSz cx="12192000" cy="6858000"/>
   <p:notesSz cx="6858000" cy="9144000"/>
@@ -245,7 +244,7 @@
           <a:p>
             <a:fld id="{EB5091F5-313C-4A81-ACA1-94ED5D4B25D8}" type="datetimeFigureOut">
               <a:rPr lang="en-AU" smtClean="0"/>
-              <a:t>20/06/2023</a:t>
+              <a:t>21/06/2023</a:t>
             </a:fld>
             <a:endParaRPr lang="en-AU"/>
           </a:p>
@@ -415,7 +414,7 @@
           <a:p>
             <a:fld id="{EB5091F5-313C-4A81-ACA1-94ED5D4B25D8}" type="datetimeFigureOut">
               <a:rPr lang="en-AU" smtClean="0"/>
-              <a:t>20/06/2023</a:t>
+              <a:t>21/06/2023</a:t>
             </a:fld>
             <a:endParaRPr lang="en-AU"/>
           </a:p>
@@ -595,7 +594,7 @@
           <a:p>
             <a:fld id="{EB5091F5-313C-4A81-ACA1-94ED5D4B25D8}" type="datetimeFigureOut">
               <a:rPr lang="en-AU" smtClean="0"/>
-              <a:t>20/06/2023</a:t>
+              <a:t>21/06/2023</a:t>
             </a:fld>
             <a:endParaRPr lang="en-AU"/>
           </a:p>
@@ -765,7 +764,7 @@
           <a:p>
             <a:fld id="{EB5091F5-313C-4A81-ACA1-94ED5D4B25D8}" type="datetimeFigureOut">
               <a:rPr lang="en-AU" smtClean="0"/>
-              <a:t>20/06/2023</a:t>
+              <a:t>21/06/2023</a:t>
             </a:fld>
             <a:endParaRPr lang="en-AU"/>
           </a:p>
@@ -1011,7 +1010,7 @@
           <a:p>
             <a:fld id="{EB5091F5-313C-4A81-ACA1-94ED5D4B25D8}" type="datetimeFigureOut">
               <a:rPr lang="en-AU" smtClean="0"/>
-              <a:t>20/06/2023</a:t>
+              <a:t>21/06/2023</a:t>
             </a:fld>
             <a:endParaRPr lang="en-AU"/>
           </a:p>
@@ -1243,7 +1242,7 @@
           <a:p>
             <a:fld id="{EB5091F5-313C-4A81-ACA1-94ED5D4B25D8}" type="datetimeFigureOut">
               <a:rPr lang="en-AU" smtClean="0"/>
-              <a:t>20/06/2023</a:t>
+              <a:t>21/06/2023</a:t>
             </a:fld>
             <a:endParaRPr lang="en-AU"/>
           </a:p>
@@ -1610,7 +1609,7 @@
           <a:p>
             <a:fld id="{EB5091F5-313C-4A81-ACA1-94ED5D4B25D8}" type="datetimeFigureOut">
               <a:rPr lang="en-AU" smtClean="0"/>
-              <a:t>20/06/2023</a:t>
+              <a:t>21/06/2023</a:t>
             </a:fld>
             <a:endParaRPr lang="en-AU"/>
           </a:p>
@@ -1728,7 +1727,7 @@
           <a:p>
             <a:fld id="{EB5091F5-313C-4A81-ACA1-94ED5D4B25D8}" type="datetimeFigureOut">
               <a:rPr lang="en-AU" smtClean="0"/>
-              <a:t>20/06/2023</a:t>
+              <a:t>21/06/2023</a:t>
             </a:fld>
             <a:endParaRPr lang="en-AU"/>
           </a:p>
@@ -1823,7 +1822,7 @@
           <a:p>
             <a:fld id="{EB5091F5-313C-4A81-ACA1-94ED5D4B25D8}" type="datetimeFigureOut">
               <a:rPr lang="en-AU" smtClean="0"/>
-              <a:t>20/06/2023</a:t>
+              <a:t>21/06/2023</a:t>
             </a:fld>
             <a:endParaRPr lang="en-AU"/>
           </a:p>
@@ -2100,7 +2099,7 @@
           <a:p>
             <a:fld id="{EB5091F5-313C-4A81-ACA1-94ED5D4B25D8}" type="datetimeFigureOut">
               <a:rPr lang="en-AU" smtClean="0"/>
-              <a:t>20/06/2023</a:t>
+              <a:t>21/06/2023</a:t>
             </a:fld>
             <a:endParaRPr lang="en-AU"/>
           </a:p>
@@ -2353,7 +2352,7 @@
           <a:p>
             <a:fld id="{EB5091F5-313C-4A81-ACA1-94ED5D4B25D8}" type="datetimeFigureOut">
               <a:rPr lang="en-AU" smtClean="0"/>
-              <a:t>20/06/2023</a:t>
+              <a:t>21/06/2023</a:t>
             </a:fld>
             <a:endParaRPr lang="en-AU"/>
           </a:p>
@@ -2566,7 +2565,7 @@
           <a:p>
             <a:fld id="{EB5091F5-313C-4A81-ACA1-94ED5D4B25D8}" type="datetimeFigureOut">
               <a:rPr lang="en-AU" smtClean="0"/>
-              <a:t>20/06/2023</a:t>
+              <a:t>21/06/2023</a:t>
             </a:fld>
             <a:endParaRPr lang="en-AU"/>
           </a:p>
@@ -3119,8 +3118,23 @@
                 </a:solidFill>
                 <a:latin typeface="Oxygen" panose="02000503000000000000" pitchFamily="2" charset="0"/>
               </a:rPr>
-              <a:t>IT, IoT &amp; AI</a:t>
-            </a:r>
+              <a:t>IT, IoT &amp; </a:t>
+            </a:r>
+            <a:r>
+              <a:rPr lang="en-US" dirty="0" smtClean="0">
+                <a:solidFill>
+                  <a:srgbClr val="C00000"/>
+                </a:solidFill>
+                <a:latin typeface="Oxygen" panose="02000503000000000000" pitchFamily="2" charset="0"/>
+              </a:rPr>
+              <a:t>AI</a:t>
+            </a:r>
+            <a:endParaRPr lang="en-US" dirty="0" smtClean="0">
+              <a:solidFill>
+                <a:srgbClr val="C00000"/>
+              </a:solidFill>
+              <a:latin typeface="Oxygen" panose="02000503000000000000" pitchFamily="2" charset="0"/>
+            </a:endParaRPr>
           </a:p>
           <a:p>
             <a:pPr marL="342900" indent="-342900">
@@ -3231,6 +3245,26 @@
               <a:buChar char="v"/>
             </a:pPr>
             <a:r>
+              <a:rPr lang="en-US" dirty="0">
+                <a:solidFill>
+                  <a:schemeClr val="bg1">
+                    <a:lumMod val="50000"/>
+                  </a:schemeClr>
+                </a:solidFill>
+                <a:latin typeface="Oxygen" panose="02000503000000000000" pitchFamily="2" charset="0"/>
+              </a:rPr>
+              <a:t>Professional Courses &amp; Grooming</a:t>
+            </a:r>
+          </a:p>
+          <a:p>
+            <a:pPr marL="342900" indent="-342900">
+              <a:lnSpc>
+                <a:spcPct val="200000"/>
+              </a:lnSpc>
+              <a:buFont typeface="Wingdings" panose="05000000000000000000" pitchFamily="2" charset="2"/>
+              <a:buChar char="v"/>
+            </a:pPr>
+            <a:r>
               <a:rPr lang="en-US" dirty="0" smtClean="0">
                 <a:solidFill>
                   <a:schemeClr val="bg1">
@@ -3239,17 +3273,8 @@
                 </a:solidFill>
                 <a:latin typeface="Oxygen" panose="02000503000000000000" pitchFamily="2" charset="0"/>
               </a:rPr>
-              <a:t>Competitive (Banking, IAS, WBCS etc.)</a:t>
-            </a:r>
-          </a:p>
-          <a:p>
-            <a:pPr marL="342900" indent="-342900">
-              <a:lnSpc>
-                <a:spcPct val="200000"/>
-              </a:lnSpc>
-              <a:buFont typeface="Wingdings" panose="05000000000000000000" pitchFamily="2" charset="2"/>
-              <a:buChar char="v"/>
-            </a:pPr>
+              <a:t>Competitive </a:t>
+            </a:r>
             <a:r>
               <a:rPr lang="en-US" dirty="0" smtClean="0">
                 <a:solidFill>
@@ -3259,7 +3284,7 @@
                 </a:solidFill>
                 <a:latin typeface="Oxygen" panose="02000503000000000000" pitchFamily="2" charset="0"/>
               </a:rPr>
-              <a:t>Professional Courses &amp; Grooming</a:t>
+              <a:t>(Banking, IAS, WBCS etc.)</a:t>
             </a:r>
           </a:p>
           <a:p>
@@ -3279,7 +3304,18 @@
                 </a:solidFill>
                 <a:latin typeface="Oxygen" panose="02000503000000000000" pitchFamily="2" charset="0"/>
               </a:rPr>
-              <a:t>Co Curricular</a:t>
+              <a:t>Co </a:t>
+            </a:r>
+            <a:r>
+              <a:rPr lang="en-US" dirty="0" smtClean="0">
+                <a:solidFill>
+                  <a:schemeClr val="bg1">
+                    <a:lumMod val="50000"/>
+                  </a:schemeClr>
+                </a:solidFill>
+                <a:latin typeface="Oxygen" panose="02000503000000000000" pitchFamily="2" charset="0"/>
+              </a:rPr>
+              <a:t>Curricular</a:t>
             </a:r>
           </a:p>
         </p:txBody>
@@ -3580,8 +3616,17 @@
               <a:rPr lang="en-US" dirty="0" smtClean="0">
                 <a:latin typeface="Oxygen" panose="02000503000000000000" pitchFamily="2" charset="0"/>
               </a:rPr>
-              <a:t>Ensure Core Faculty is Ready</a:t>
-            </a:r>
+              <a:t>Ensure Core Faculty is </a:t>
+            </a:r>
+            <a:r>
+              <a:rPr lang="en-US" dirty="0" smtClean="0">
+                <a:latin typeface="Oxygen" panose="02000503000000000000" pitchFamily="2" charset="0"/>
+              </a:rPr>
+              <a:t>Ready</a:t>
+            </a:r>
+            <a:endParaRPr lang="en-US" dirty="0" smtClean="0">
+              <a:latin typeface="Oxygen" panose="02000503000000000000" pitchFamily="2" charset="0"/>
+            </a:endParaRPr>
           </a:p>
           <a:p>
             <a:pPr marL="342900" indent="-342900">
@@ -3778,257 +3823,6 @@
     <p:extLst>
       <p:ext uri="{BB962C8B-B14F-4D97-AF65-F5344CB8AC3E}">
         <p14:creationId xmlns:p14="http://schemas.microsoft.com/office/powerpoint/2010/main" val="2867139335"/>
-      </p:ext>
-    </p:extLst>
-  </p:cSld>
-  <p:clrMapOvr>
-    <a:masterClrMapping/>
-  </p:clrMapOvr>
-  <p:timing>
-    <p:tnLst>
-      <p:par>
-        <p:cTn id="1" dur="indefinite" restart="never" nodeType="tmRoot"/>
-      </p:par>
-    </p:tnLst>
-  </p:timing>
-</p:sld>
-</file>
-
-<file path=ppt/slides/slide3.xml><?xml version="1.0" encoding="utf-8"?>
-<p:sld xmlns:a="http://schemas.openxmlformats.org/drawingml/2006/main" xmlns:r="http://schemas.openxmlformats.org/officeDocument/2006/relationships" xmlns:p="http://schemas.openxmlformats.org/presentationml/2006/main">
-  <p:cSld>
-    <p:spTree>
-      <p:nvGrpSpPr>
-        <p:cNvPr id="1" name=""/>
-        <p:cNvGrpSpPr/>
-        <p:nvPr/>
-      </p:nvGrpSpPr>
-      <p:grpSpPr>
-        <a:xfrm>
-          <a:off x="0" y="0"/>
-          <a:ext cx="0" cy="0"/>
-          <a:chOff x="0" y="0"/>
-          <a:chExt cx="0" cy="0"/>
-        </a:xfrm>
-      </p:grpSpPr>
-      <p:pic>
-        <p:nvPicPr>
-          <p:cNvPr id="4" name="Picture 3"/>
-          <p:cNvPicPr>
-            <a:picLocks noChangeAspect="1"/>
-          </p:cNvPicPr>
-          <p:nvPr/>
-        </p:nvPicPr>
-        <p:blipFill>
-          <a:blip r:embed="rId2" cstate="print">
-            <a:extLst>
-              <a:ext uri="{28A0092B-C50C-407E-A947-70E740481C1C}">
-                <a14:useLocalDpi xmlns:a14="http://schemas.microsoft.com/office/drawing/2010/main" val="0"/>
-              </a:ext>
-            </a:extLst>
-          </a:blip>
-          <a:stretch>
-            <a:fillRect/>
-          </a:stretch>
-        </p:blipFill>
-        <p:spPr>
-          <a:xfrm>
-            <a:off x="225079" y="6001336"/>
-            <a:ext cx="1486675" cy="703262"/>
-          </a:xfrm>
-          <a:prstGeom prst="rect">
-            <a:avLst/>
-          </a:prstGeom>
-        </p:spPr>
-      </p:pic>
-      <p:sp>
-        <p:nvSpPr>
-          <p:cNvPr id="5" name="TextBox 4"/>
-          <p:cNvSpPr txBox="1"/>
-          <p:nvPr/>
-        </p:nvSpPr>
-        <p:spPr>
-          <a:xfrm>
-            <a:off x="5312779" y="6503438"/>
-            <a:ext cx="2928395" cy="261610"/>
-          </a:xfrm>
-          <a:prstGeom prst="rect">
-            <a:avLst/>
-          </a:prstGeom>
-          <a:noFill/>
-        </p:spPr>
-        <p:txBody>
-          <a:bodyPr wrap="square" rtlCol="0">
-            <a:spAutoFit/>
-          </a:bodyPr>
-          <a:lstStyle/>
-          <a:p>
-            <a:pPr algn="ctr"/>
-            <a:r>
-              <a:rPr lang="en-US" sz="1100" b="1" dirty="0" smtClean="0">
-                <a:solidFill>
-                  <a:srgbClr val="FF8C52"/>
-                </a:solidFill>
-                <a:latin typeface="Oxygen" panose="02000503000000000000" pitchFamily="2" charset="0"/>
-              </a:rPr>
-              <a:t>Private and Confidential ® © 2023</a:t>
-            </a:r>
-            <a:endParaRPr lang="en-AU" sz="1100" b="1" dirty="0">
-              <a:solidFill>
-                <a:srgbClr val="FF8C52"/>
-              </a:solidFill>
-              <a:latin typeface="Oxygen" panose="02000503000000000000" pitchFamily="2" charset="0"/>
-            </a:endParaRPr>
-          </a:p>
-        </p:txBody>
-      </p:sp>
-      <p:sp>
-        <p:nvSpPr>
-          <p:cNvPr id="6" name="TextBox 5"/>
-          <p:cNvSpPr txBox="1"/>
-          <p:nvPr/>
-        </p:nvSpPr>
-        <p:spPr>
-          <a:xfrm>
-            <a:off x="2733553" y="220314"/>
-            <a:ext cx="6966031" cy="584775"/>
-          </a:xfrm>
-          <a:prstGeom prst="rect">
-            <a:avLst/>
-          </a:prstGeom>
-          <a:noFill/>
-        </p:spPr>
-        <p:txBody>
-          <a:bodyPr wrap="square" rtlCol="0">
-            <a:spAutoFit/>
-          </a:bodyPr>
-          <a:lstStyle/>
-          <a:p>
-            <a:pPr algn="ctr"/>
-            <a:r>
-              <a:rPr lang="en-US" sz="3200" b="1" dirty="0" smtClean="0">
-                <a:solidFill>
-                  <a:srgbClr val="FF8C52"/>
-                </a:solidFill>
-                <a:latin typeface="Oxygen" panose="02000503000000000000" pitchFamily="2" charset="0"/>
-              </a:rPr>
-              <a:t>IT</a:t>
-            </a:r>
-            <a:r>
-              <a:rPr lang="en-US" sz="3200" b="1" dirty="0">
-                <a:solidFill>
-                  <a:srgbClr val="FF8C52"/>
-                </a:solidFill>
-                <a:latin typeface="Oxygen" panose="02000503000000000000" pitchFamily="2" charset="0"/>
-              </a:rPr>
-              <a:t>, IoT &amp; AI</a:t>
-            </a:r>
-          </a:p>
-        </p:txBody>
-      </p:sp>
-      <p:pic>
-        <p:nvPicPr>
-          <p:cNvPr id="12" name="Picture 11"/>
-          <p:cNvPicPr>
-            <a:picLocks noChangeAspect="1"/>
-          </p:cNvPicPr>
-          <p:nvPr/>
-        </p:nvPicPr>
-        <p:blipFill>
-          <a:blip r:embed="rId3"/>
-          <a:stretch>
-            <a:fillRect/>
-          </a:stretch>
-        </p:blipFill>
-        <p:spPr>
-          <a:xfrm>
-            <a:off x="1243958" y="1665321"/>
-            <a:ext cx="3476905" cy="3476484"/>
-          </a:xfrm>
-          <a:prstGeom prst="rect">
-            <a:avLst/>
-          </a:prstGeom>
-        </p:spPr>
-      </p:pic>
-      <p:sp>
-        <p:nvSpPr>
-          <p:cNvPr id="10" name="Rectangle 9">
-            <a:extLst>
-              <a:ext uri="{FF2B5EF4-FFF2-40B4-BE49-F238E27FC236}">
-                <a16:creationId xmlns:a16="http://schemas.microsoft.com/office/drawing/2014/main" xmlns="" id="{907BEB2A-D93E-46CB-95DF-04E16F0D1C0C}"/>
-              </a:ext>
-            </a:extLst>
-          </p:cNvPr>
-          <p:cNvSpPr/>
-          <p:nvPr/>
-        </p:nvSpPr>
-        <p:spPr>
-          <a:xfrm>
-            <a:off x="1185090" y="1664619"/>
-            <a:ext cx="3535773" cy="3477185"/>
-          </a:xfrm>
-          <a:prstGeom prst="rect">
-            <a:avLst/>
-          </a:prstGeom>
-          <a:gradFill flip="none" rotWithShape="1">
-            <a:gsLst>
-              <a:gs pos="0">
-                <a:srgbClr val="FFFFFF">
-                  <a:alpha val="0"/>
-                </a:srgbClr>
-              </a:gs>
-              <a:gs pos="55000">
-                <a:srgbClr val="FFFFFF">
-                  <a:alpha val="0"/>
-                </a:srgbClr>
-              </a:gs>
-              <a:gs pos="68000">
-                <a:schemeClr val="bg1"/>
-              </a:gs>
-              <a:gs pos="100000">
-                <a:schemeClr val="bg1"/>
-              </a:gs>
-            </a:gsLst>
-            <a:path path="circle">
-              <a:fillToRect l="50000" t="50000" r="50000" b="50000"/>
-            </a:path>
-            <a:tileRect/>
-          </a:gradFill>
-          <a:ln>
-            <a:noFill/>
-          </a:ln>
-        </p:spPr>
-        <p:style>
-          <a:lnRef idx="2">
-            <a:schemeClr val="accent1">
-              <a:shade val="50000"/>
-            </a:schemeClr>
-          </a:lnRef>
-          <a:fillRef idx="1">
-            <a:schemeClr val="accent1"/>
-          </a:fillRef>
-          <a:effectRef idx="0">
-            <a:schemeClr val="accent1"/>
-          </a:effectRef>
-          <a:fontRef idx="minor">
-            <a:schemeClr val="lt1"/>
-          </a:fontRef>
-        </p:style>
-        <p:txBody>
-          <a:bodyPr rtlCol="0" anchor="ctr"/>
-          <a:lstStyle/>
-          <a:p>
-            <a:pPr algn="ctr"/>
-            <a:endParaRPr lang="en-AU">
-              <a:latin typeface="Oxygen" panose="02000503000000000000" pitchFamily="2" charset="0"/>
-            </a:endParaRPr>
-          </a:p>
-        </p:txBody>
-      </p:sp>
-    </p:spTree>
-    <p:extLst>
-      <p:ext uri="{BB962C8B-B14F-4D97-AF65-F5344CB8AC3E}">
-        <p14:creationId xmlns:p14="http://schemas.microsoft.com/office/powerpoint/2010/main" val="2162462802"/>
       </p:ext>
     </p:extLst>
   </p:cSld>

--- a/Offline/BusinessManagement/AnodiamManagmentMasterPlan.pptx
+++ b/Offline/BusinessManagement/AnodiamManagmentMasterPlan.pptx
@@ -7,6 +7,7 @@
   <p:sldIdLst>
     <p:sldId id="256" r:id="rId2"/>
     <p:sldId id="257" r:id="rId3"/>
+    <p:sldId id="258" r:id="rId4"/>
   </p:sldIdLst>
   <p:sldSz cx="12192000" cy="6858000"/>
   <p:notesSz cx="6858000" cy="9144000"/>
@@ -244,7 +245,7 @@
           <a:p>
             <a:fld id="{EB5091F5-313C-4A81-ACA1-94ED5D4B25D8}" type="datetimeFigureOut">
               <a:rPr lang="en-AU" smtClean="0"/>
-              <a:t>21/06/2023</a:t>
+              <a:t>23/06/2023</a:t>
             </a:fld>
             <a:endParaRPr lang="en-AU"/>
           </a:p>
@@ -414,7 +415,7 @@
           <a:p>
             <a:fld id="{EB5091F5-313C-4A81-ACA1-94ED5D4B25D8}" type="datetimeFigureOut">
               <a:rPr lang="en-AU" smtClean="0"/>
-              <a:t>21/06/2023</a:t>
+              <a:t>23/06/2023</a:t>
             </a:fld>
             <a:endParaRPr lang="en-AU"/>
           </a:p>
@@ -594,7 +595,7 @@
           <a:p>
             <a:fld id="{EB5091F5-313C-4A81-ACA1-94ED5D4B25D8}" type="datetimeFigureOut">
               <a:rPr lang="en-AU" smtClean="0"/>
-              <a:t>21/06/2023</a:t>
+              <a:t>23/06/2023</a:t>
             </a:fld>
             <a:endParaRPr lang="en-AU"/>
           </a:p>
@@ -764,7 +765,7 @@
           <a:p>
             <a:fld id="{EB5091F5-313C-4A81-ACA1-94ED5D4B25D8}" type="datetimeFigureOut">
               <a:rPr lang="en-AU" smtClean="0"/>
-              <a:t>21/06/2023</a:t>
+              <a:t>23/06/2023</a:t>
             </a:fld>
             <a:endParaRPr lang="en-AU"/>
           </a:p>
@@ -1010,7 +1011,7 @@
           <a:p>
             <a:fld id="{EB5091F5-313C-4A81-ACA1-94ED5D4B25D8}" type="datetimeFigureOut">
               <a:rPr lang="en-AU" smtClean="0"/>
-              <a:t>21/06/2023</a:t>
+              <a:t>23/06/2023</a:t>
             </a:fld>
             <a:endParaRPr lang="en-AU"/>
           </a:p>
@@ -1242,7 +1243,7 @@
           <a:p>
             <a:fld id="{EB5091F5-313C-4A81-ACA1-94ED5D4B25D8}" type="datetimeFigureOut">
               <a:rPr lang="en-AU" smtClean="0"/>
-              <a:t>21/06/2023</a:t>
+              <a:t>23/06/2023</a:t>
             </a:fld>
             <a:endParaRPr lang="en-AU"/>
           </a:p>
@@ -1609,7 +1610,7 @@
           <a:p>
             <a:fld id="{EB5091F5-313C-4A81-ACA1-94ED5D4B25D8}" type="datetimeFigureOut">
               <a:rPr lang="en-AU" smtClean="0"/>
-              <a:t>21/06/2023</a:t>
+              <a:t>23/06/2023</a:t>
             </a:fld>
             <a:endParaRPr lang="en-AU"/>
           </a:p>
@@ -1727,7 +1728,7 @@
           <a:p>
             <a:fld id="{EB5091F5-313C-4A81-ACA1-94ED5D4B25D8}" type="datetimeFigureOut">
               <a:rPr lang="en-AU" smtClean="0"/>
-              <a:t>21/06/2023</a:t>
+              <a:t>23/06/2023</a:t>
             </a:fld>
             <a:endParaRPr lang="en-AU"/>
           </a:p>
@@ -1822,7 +1823,7 @@
           <a:p>
             <a:fld id="{EB5091F5-313C-4A81-ACA1-94ED5D4B25D8}" type="datetimeFigureOut">
               <a:rPr lang="en-AU" smtClean="0"/>
-              <a:t>21/06/2023</a:t>
+              <a:t>23/06/2023</a:t>
             </a:fld>
             <a:endParaRPr lang="en-AU"/>
           </a:p>
@@ -2099,7 +2100,7 @@
           <a:p>
             <a:fld id="{EB5091F5-313C-4A81-ACA1-94ED5D4B25D8}" type="datetimeFigureOut">
               <a:rPr lang="en-AU" smtClean="0"/>
-              <a:t>21/06/2023</a:t>
+              <a:t>23/06/2023</a:t>
             </a:fld>
             <a:endParaRPr lang="en-AU"/>
           </a:p>
@@ -2352,7 +2353,7 @@
           <a:p>
             <a:fld id="{EB5091F5-313C-4A81-ACA1-94ED5D4B25D8}" type="datetimeFigureOut">
               <a:rPr lang="en-AU" smtClean="0"/>
-              <a:t>21/06/2023</a:t>
+              <a:t>23/06/2023</a:t>
             </a:fld>
             <a:endParaRPr lang="en-AU"/>
           </a:p>
@@ -2565,7 +2566,7 @@
           <a:p>
             <a:fld id="{EB5091F5-313C-4A81-ACA1-94ED5D4B25D8}" type="datetimeFigureOut">
               <a:rPr lang="en-AU" smtClean="0"/>
-              <a:t>21/06/2023</a:t>
+              <a:t>23/06/2023</a:t>
             </a:fld>
             <a:endParaRPr lang="en-AU"/>
           </a:p>
@@ -3090,7 +3091,7 @@
         </p:nvSpPr>
         <p:spPr>
           <a:xfrm>
-            <a:off x="5742006" y="1317325"/>
+            <a:off x="5531694" y="1317325"/>
             <a:ext cx="5450250" cy="4524315"/>
           </a:xfrm>
           <a:prstGeom prst="rect">
@@ -3112,29 +3113,14 @@
               <a:buChar char="v"/>
             </a:pPr>
             <a:r>
-              <a:rPr lang="en-US" dirty="0" smtClean="0">
+              <a:rPr lang="en-US" b="1" dirty="0" smtClean="0">
                 <a:solidFill>
                   <a:srgbClr val="C00000"/>
                 </a:solidFill>
                 <a:latin typeface="Oxygen" panose="02000503000000000000" pitchFamily="2" charset="0"/>
               </a:rPr>
-              <a:t>IT, IoT &amp; </a:t>
-            </a:r>
-            <a:r>
-              <a:rPr lang="en-US" dirty="0" smtClean="0">
-                <a:solidFill>
-                  <a:srgbClr val="C00000"/>
-                </a:solidFill>
-                <a:latin typeface="Oxygen" panose="02000503000000000000" pitchFamily="2" charset="0"/>
-              </a:rPr>
-              <a:t>AI</a:t>
-            </a:r>
-            <a:endParaRPr lang="en-US" dirty="0" smtClean="0">
-              <a:solidFill>
-                <a:srgbClr val="C00000"/>
-              </a:solidFill>
-              <a:latin typeface="Oxygen" panose="02000503000000000000" pitchFamily="2" charset="0"/>
-            </a:endParaRPr>
+              <a:t>IT, IoT &amp; AI</a:t>
+            </a:r>
           </a:p>
           <a:p>
             <a:pPr marL="342900" indent="-342900">
@@ -3145,7 +3131,7 @@
               <a:buChar char="v"/>
             </a:pPr>
             <a:r>
-              <a:rPr lang="en-US" dirty="0" smtClean="0">
+              <a:rPr lang="en-US" b="1" dirty="0" smtClean="0">
                 <a:solidFill>
                   <a:srgbClr val="C00000"/>
                 </a:solidFill>
@@ -3163,7 +3149,7 @@
               <a:buChar char="v"/>
             </a:pPr>
             <a:r>
-              <a:rPr lang="en-US" dirty="0" smtClean="0">
+              <a:rPr lang="en-US" b="1" dirty="0" smtClean="0">
                 <a:solidFill>
                   <a:srgbClr val="C00000"/>
                 </a:solidFill>
@@ -3172,7 +3158,7 @@
               <a:t>Job Ready </a:t>
             </a:r>
             <a:r>
-              <a:rPr lang="en-US" dirty="0">
+              <a:rPr lang="en-US" b="1" dirty="0">
                 <a:solidFill>
                   <a:srgbClr val="C00000"/>
                 </a:solidFill>
@@ -3181,7 +3167,7 @@
               <a:t>(</a:t>
             </a:r>
             <a:r>
-              <a:rPr lang="en-US" dirty="0" smtClean="0">
+              <a:rPr lang="en-US" b="1" dirty="0" smtClean="0">
                 <a:solidFill>
                   <a:srgbClr val="C00000"/>
                 </a:solidFill>
@@ -3189,7 +3175,7 @@
               </a:rPr>
               <a:t>Sales, English, Tally, MS Office)</a:t>
             </a:r>
-            <a:endParaRPr lang="en-AU" dirty="0" smtClean="0">
+            <a:endParaRPr lang="en-AU" b="1" dirty="0" smtClean="0">
               <a:solidFill>
                 <a:srgbClr val="C00000"/>
               </a:solidFill>
@@ -3205,15 +3191,13 @@
               <a:buChar char="v"/>
             </a:pPr>
             <a:r>
-              <a:rPr lang="en-US" dirty="0" smtClean="0">
-                <a:solidFill>
-                  <a:schemeClr val="accent2">
-                    <a:lumMod val="75000"/>
-                  </a:schemeClr>
+              <a:rPr lang="en-US" b="1" dirty="0">
+                <a:solidFill>
+                  <a:srgbClr val="C00000"/>
                 </a:solidFill>
                 <a:latin typeface="Oxygen" panose="02000503000000000000" pitchFamily="2" charset="0"/>
               </a:rPr>
-              <a:t>IIT JEE &amp; NEET</a:t>
+              <a:t>Professional Courses &amp; Grooming</a:t>
             </a:r>
           </a:p>
           <a:p>
@@ -3225,7 +3209,7 @@
               <a:buChar char="v"/>
             </a:pPr>
             <a:r>
-              <a:rPr lang="en-US" dirty="0">
+              <a:rPr lang="en-US" b="1" dirty="0" smtClean="0">
                 <a:solidFill>
                   <a:schemeClr val="accent2">
                     <a:lumMod val="75000"/>
@@ -3233,7 +3217,18 @@
                 </a:solidFill>
                 <a:latin typeface="Oxygen" panose="02000503000000000000" pitchFamily="2" charset="0"/>
               </a:rPr>
-              <a:t>VIII to XII Science &amp; Arts</a:t>
+              <a:t>IIT </a:t>
+            </a:r>
+            <a:r>
+              <a:rPr lang="en-US" b="1" dirty="0" smtClean="0">
+                <a:solidFill>
+                  <a:schemeClr val="accent2">
+                    <a:lumMod val="75000"/>
+                  </a:schemeClr>
+                </a:solidFill>
+                <a:latin typeface="Oxygen" panose="02000503000000000000" pitchFamily="2" charset="0"/>
+              </a:rPr>
+              <a:t>JEE &amp; NEET</a:t>
             </a:r>
           </a:p>
           <a:p>
@@ -3245,15 +3240,15 @@
               <a:buChar char="v"/>
             </a:pPr>
             <a:r>
-              <a:rPr lang="en-US" dirty="0">
-                <a:solidFill>
-                  <a:schemeClr val="bg1">
-                    <a:lumMod val="50000"/>
+              <a:rPr lang="en-US" b="1" dirty="0">
+                <a:solidFill>
+                  <a:schemeClr val="accent2">
+                    <a:lumMod val="75000"/>
                   </a:schemeClr>
                 </a:solidFill>
                 <a:latin typeface="Oxygen" panose="02000503000000000000" pitchFamily="2" charset="0"/>
               </a:rPr>
-              <a:t>Professional Courses &amp; Grooming</a:t>
+              <a:t>VIII to XII Science &amp; Arts</a:t>
             </a:r>
           </a:p>
           <a:p>
@@ -3265,7 +3260,7 @@
               <a:buChar char="v"/>
             </a:pPr>
             <a:r>
-              <a:rPr lang="en-US" dirty="0" smtClean="0">
+              <a:rPr lang="en-US" b="1" dirty="0" smtClean="0">
                 <a:solidFill>
                   <a:schemeClr val="bg1">
                     <a:lumMod val="50000"/>
@@ -3276,7 +3271,7 @@
               <a:t>Competitive </a:t>
             </a:r>
             <a:r>
-              <a:rPr lang="en-US" dirty="0" smtClean="0">
+              <a:rPr lang="en-US" b="1" dirty="0" smtClean="0">
                 <a:solidFill>
                   <a:schemeClr val="bg1">
                     <a:lumMod val="50000"/>
@@ -3296,7 +3291,7 @@
               <a:buChar char="v"/>
             </a:pPr>
             <a:r>
-              <a:rPr lang="en-US" dirty="0" smtClean="0">
+              <a:rPr lang="en-US" b="1" dirty="0" smtClean="0">
                 <a:solidFill>
                   <a:schemeClr val="bg1">
                     <a:lumMod val="50000"/>
@@ -3304,18 +3299,7 @@
                 </a:solidFill>
                 <a:latin typeface="Oxygen" panose="02000503000000000000" pitchFamily="2" charset="0"/>
               </a:rPr>
-              <a:t>Co </a:t>
-            </a:r>
-            <a:r>
-              <a:rPr lang="en-US" dirty="0" smtClean="0">
-                <a:solidFill>
-                  <a:schemeClr val="bg1">
-                    <a:lumMod val="50000"/>
-                  </a:schemeClr>
-                </a:solidFill>
-                <a:latin typeface="Oxygen" panose="02000503000000000000" pitchFamily="2" charset="0"/>
-              </a:rPr>
-              <a:t>Curricular</a:t>
+              <a:t>Co Curricular</a:t>
             </a:r>
           </a:p>
         </p:txBody>
@@ -3349,7 +3333,7 @@
           <p:cNvPr id="19" name="Rectangle 18">
             <a:extLst>
               <a:ext uri="{FF2B5EF4-FFF2-40B4-BE49-F238E27FC236}">
-                <a16:creationId xmlns:a16="http://schemas.microsoft.com/office/drawing/2014/main" xmlns="" id="{907BEB2A-D93E-46CB-95DF-04E16F0D1C0C}"/>
+                <a16:creationId xmlns="" xmlns:a16="http://schemas.microsoft.com/office/drawing/2014/main" id="{907BEB2A-D93E-46CB-95DF-04E16F0D1C0C}"/>
               </a:ext>
             </a:extLst>
           </p:cNvPr>
@@ -3568,158 +3552,6 @@
           </a:p>
         </p:txBody>
       </p:sp>
-      <p:sp>
-        <p:nvSpPr>
-          <p:cNvPr id="7" name="TextBox 6"/>
-          <p:cNvSpPr txBox="1"/>
-          <p:nvPr/>
-        </p:nvSpPr>
-        <p:spPr>
-          <a:xfrm>
-            <a:off x="5695707" y="1400909"/>
-            <a:ext cx="5323391" cy="3970318"/>
-          </a:xfrm>
-          <a:prstGeom prst="rect">
-            <a:avLst/>
-          </a:prstGeom>
-          <a:noFill/>
-        </p:spPr>
-        <p:txBody>
-          <a:bodyPr wrap="square" rtlCol="0">
-            <a:spAutoFit/>
-          </a:bodyPr>
-          <a:lstStyle/>
-          <a:p>
-            <a:pPr marL="342900" indent="-342900">
-              <a:lnSpc>
-                <a:spcPct val="200000"/>
-              </a:lnSpc>
-              <a:buFont typeface="Wingdings" panose="05000000000000000000" pitchFamily="2" charset="2"/>
-              <a:buChar char="v"/>
-            </a:pPr>
-            <a:r>
-              <a:rPr lang="en-US" dirty="0" smtClean="0">
-                <a:latin typeface="Oxygen" panose="02000503000000000000" pitchFamily="2" charset="0"/>
-              </a:rPr>
-              <a:t>Decide Subjects, Boards/Unis, Classes</a:t>
-            </a:r>
-          </a:p>
-          <a:p>
-            <a:pPr marL="342900" indent="-342900">
-              <a:lnSpc>
-                <a:spcPct val="200000"/>
-              </a:lnSpc>
-              <a:buFont typeface="Wingdings" panose="05000000000000000000" pitchFamily="2" charset="2"/>
-              <a:buChar char="v"/>
-            </a:pPr>
-            <a:r>
-              <a:rPr lang="en-US" dirty="0" smtClean="0">
-                <a:latin typeface="Oxygen" panose="02000503000000000000" pitchFamily="2" charset="0"/>
-              </a:rPr>
-              <a:t>Ensure Core Faculty is </a:t>
-            </a:r>
-            <a:r>
-              <a:rPr lang="en-US" dirty="0" smtClean="0">
-                <a:latin typeface="Oxygen" panose="02000503000000000000" pitchFamily="2" charset="0"/>
-              </a:rPr>
-              <a:t>Ready</a:t>
-            </a:r>
-            <a:endParaRPr lang="en-US" dirty="0" smtClean="0">
-              <a:latin typeface="Oxygen" panose="02000503000000000000" pitchFamily="2" charset="0"/>
-            </a:endParaRPr>
-          </a:p>
-          <a:p>
-            <a:pPr marL="342900" indent="-342900">
-              <a:lnSpc>
-                <a:spcPct val="200000"/>
-              </a:lnSpc>
-              <a:buFont typeface="Wingdings" panose="05000000000000000000" pitchFamily="2" charset="2"/>
-              <a:buChar char="v"/>
-            </a:pPr>
-            <a:r>
-              <a:rPr lang="en-US" dirty="0" smtClean="0">
-                <a:latin typeface="Oxygen" panose="02000503000000000000" pitchFamily="2" charset="0"/>
-              </a:rPr>
-              <a:t>Procure Syllabus / Design </a:t>
-            </a:r>
-            <a:r>
-              <a:rPr lang="en-US" dirty="0">
-                <a:latin typeface="Oxygen" panose="02000503000000000000" pitchFamily="2" charset="0"/>
-              </a:rPr>
-              <a:t>C</a:t>
-            </a:r>
-            <a:r>
-              <a:rPr lang="en-US" dirty="0" smtClean="0">
-                <a:latin typeface="Oxygen" panose="02000503000000000000" pitchFamily="2" charset="0"/>
-              </a:rPr>
-              <a:t>urriculum</a:t>
-            </a:r>
-          </a:p>
-          <a:p>
-            <a:pPr marL="342900" indent="-342900">
-              <a:lnSpc>
-                <a:spcPct val="200000"/>
-              </a:lnSpc>
-              <a:buFont typeface="Wingdings" panose="05000000000000000000" pitchFamily="2" charset="2"/>
-              <a:buChar char="v"/>
-            </a:pPr>
-            <a:r>
-              <a:rPr lang="en-US" dirty="0" smtClean="0">
-                <a:latin typeface="Oxygen" panose="02000503000000000000" pitchFamily="2" charset="0"/>
-              </a:rPr>
-              <a:t>Contents: Modules &amp; Test Papers (&gt;30%)</a:t>
-            </a:r>
-          </a:p>
-          <a:p>
-            <a:pPr marL="342900" indent="-342900">
-              <a:lnSpc>
-                <a:spcPct val="200000"/>
-              </a:lnSpc>
-              <a:buFont typeface="Wingdings" panose="05000000000000000000" pitchFamily="2" charset="2"/>
-              <a:buChar char="v"/>
-            </a:pPr>
-            <a:r>
-              <a:rPr lang="en-US" dirty="0" smtClean="0">
-                <a:latin typeface="Oxygen" panose="02000503000000000000" pitchFamily="2" charset="0"/>
-              </a:rPr>
-              <a:t>Marketing Strategy &amp; Execution</a:t>
-            </a:r>
-          </a:p>
-          <a:p>
-            <a:pPr marL="342900" indent="-342900">
-              <a:lnSpc>
-                <a:spcPct val="200000"/>
-              </a:lnSpc>
-              <a:buFont typeface="Wingdings" panose="05000000000000000000" pitchFamily="2" charset="2"/>
-              <a:buChar char="v"/>
-            </a:pPr>
-            <a:r>
-              <a:rPr lang="en-US" dirty="0" smtClean="0">
-                <a:latin typeface="Oxygen" panose="02000503000000000000" pitchFamily="2" charset="0"/>
-              </a:rPr>
-              <a:t>Enroll Students &amp; Teach</a:t>
-            </a:r>
-          </a:p>
-          <a:p>
-            <a:pPr marL="342900" indent="-342900">
-              <a:lnSpc>
-                <a:spcPct val="200000"/>
-              </a:lnSpc>
-              <a:buFont typeface="Wingdings" panose="05000000000000000000" pitchFamily="2" charset="2"/>
-              <a:buChar char="v"/>
-            </a:pPr>
-            <a:r>
-              <a:rPr lang="en-US" dirty="0" smtClean="0">
-                <a:latin typeface="Oxygen" panose="02000503000000000000" pitchFamily="2" charset="0"/>
-              </a:rPr>
-              <a:t>Feedback Based QC</a:t>
-            </a:r>
-            <a:endParaRPr lang="en-AU" dirty="0">
-              <a:latin typeface="Oxygen" panose="02000503000000000000" pitchFamily="2" charset="0"/>
-            </a:endParaRPr>
-          </a:p>
-        </p:txBody>
-      </p:sp>
       <p:pic>
         <p:nvPicPr>
           <p:cNvPr id="11" name="Picture 10"/>
@@ -3749,7 +3581,7 @@
           <p:cNvPr id="12" name="Rectangle 11">
             <a:extLst>
               <a:ext uri="{FF2B5EF4-FFF2-40B4-BE49-F238E27FC236}">
-                <a16:creationId xmlns:a16="http://schemas.microsoft.com/office/drawing/2014/main" xmlns="" id="{907BEB2A-D93E-46CB-95DF-04E16F0D1C0C}"/>
+                <a16:creationId xmlns="" xmlns:a16="http://schemas.microsoft.com/office/drawing/2014/main" id="{907BEB2A-D93E-46CB-95DF-04E16F0D1C0C}"/>
               </a:ext>
             </a:extLst>
           </p:cNvPr>
@@ -3819,10 +3651,664 @@
           </a:p>
         </p:txBody>
       </p:sp>
+      <p:sp>
+        <p:nvSpPr>
+          <p:cNvPr id="8" name="TextBox 7"/>
+          <p:cNvSpPr txBox="1"/>
+          <p:nvPr/>
+        </p:nvSpPr>
+        <p:spPr>
+          <a:xfrm>
+            <a:off x="5695707" y="1400909"/>
+            <a:ext cx="5323391" cy="3970318"/>
+          </a:xfrm>
+          <a:prstGeom prst="rect">
+            <a:avLst/>
+          </a:prstGeom>
+          <a:noFill/>
+        </p:spPr>
+        <p:txBody>
+          <a:bodyPr wrap="square" rtlCol="0">
+            <a:spAutoFit/>
+          </a:bodyPr>
+          <a:lstStyle/>
+          <a:p>
+            <a:pPr marL="342900" indent="-342900">
+              <a:lnSpc>
+                <a:spcPct val="200000"/>
+              </a:lnSpc>
+              <a:buFont typeface="Wingdings" panose="05000000000000000000" pitchFamily="2" charset="2"/>
+              <a:buChar char="v"/>
+            </a:pPr>
+            <a:r>
+              <a:rPr lang="en-US" b="1" dirty="0" smtClean="0">
+                <a:solidFill>
+                  <a:srgbClr val="C00000"/>
+                </a:solidFill>
+                <a:latin typeface="Oxygen" panose="02000503000000000000" pitchFamily="2" charset="0"/>
+              </a:rPr>
+              <a:t>Decide Subjects, Boards/Unis, Classes</a:t>
+            </a:r>
+          </a:p>
+          <a:p>
+            <a:pPr marL="342900" indent="-342900">
+              <a:lnSpc>
+                <a:spcPct val="200000"/>
+              </a:lnSpc>
+              <a:buFont typeface="Wingdings" panose="05000000000000000000" pitchFamily="2" charset="2"/>
+              <a:buChar char="v"/>
+            </a:pPr>
+            <a:r>
+              <a:rPr lang="en-US" b="1" dirty="0" smtClean="0">
+                <a:solidFill>
+                  <a:srgbClr val="C00000"/>
+                </a:solidFill>
+                <a:latin typeface="Oxygen" panose="02000503000000000000" pitchFamily="2" charset="0"/>
+              </a:rPr>
+              <a:t>Ensure Core Faculty is Ready</a:t>
+            </a:r>
+          </a:p>
+          <a:p>
+            <a:pPr marL="342900" indent="-342900">
+              <a:lnSpc>
+                <a:spcPct val="200000"/>
+              </a:lnSpc>
+              <a:buFont typeface="Wingdings" panose="05000000000000000000" pitchFamily="2" charset="2"/>
+              <a:buChar char="v"/>
+            </a:pPr>
+            <a:r>
+              <a:rPr lang="en-US" b="1" dirty="0" smtClean="0">
+                <a:solidFill>
+                  <a:srgbClr val="C00000"/>
+                </a:solidFill>
+                <a:latin typeface="Oxygen" panose="02000503000000000000" pitchFamily="2" charset="0"/>
+              </a:rPr>
+              <a:t>Procure Syllabus / Design </a:t>
+            </a:r>
+            <a:r>
+              <a:rPr lang="en-US" b="1" dirty="0">
+                <a:solidFill>
+                  <a:srgbClr val="C00000"/>
+                </a:solidFill>
+                <a:latin typeface="Oxygen" panose="02000503000000000000" pitchFamily="2" charset="0"/>
+              </a:rPr>
+              <a:t>C</a:t>
+            </a:r>
+            <a:r>
+              <a:rPr lang="en-US" b="1" dirty="0" smtClean="0">
+                <a:solidFill>
+                  <a:srgbClr val="C00000"/>
+                </a:solidFill>
+                <a:latin typeface="Oxygen" panose="02000503000000000000" pitchFamily="2" charset="0"/>
+              </a:rPr>
+              <a:t>urriculum</a:t>
+            </a:r>
+          </a:p>
+          <a:p>
+            <a:pPr marL="342900" indent="-342900">
+              <a:lnSpc>
+                <a:spcPct val="200000"/>
+              </a:lnSpc>
+              <a:buFont typeface="Wingdings" panose="05000000000000000000" pitchFamily="2" charset="2"/>
+              <a:buChar char="v"/>
+            </a:pPr>
+            <a:r>
+              <a:rPr lang="en-US" b="1" dirty="0" smtClean="0">
+                <a:solidFill>
+                  <a:srgbClr val="C00000"/>
+                </a:solidFill>
+                <a:latin typeface="Oxygen" panose="02000503000000000000" pitchFamily="2" charset="0"/>
+              </a:rPr>
+              <a:t>Contents: Modules &amp; Test Papers (&gt;30%)</a:t>
+            </a:r>
+          </a:p>
+          <a:p>
+            <a:pPr marL="342900" indent="-342900">
+              <a:lnSpc>
+                <a:spcPct val="200000"/>
+              </a:lnSpc>
+              <a:buFont typeface="Wingdings" panose="05000000000000000000" pitchFamily="2" charset="2"/>
+              <a:buChar char="v"/>
+            </a:pPr>
+            <a:r>
+              <a:rPr lang="en-US" b="1" dirty="0" smtClean="0">
+                <a:solidFill>
+                  <a:srgbClr val="C00000"/>
+                </a:solidFill>
+                <a:latin typeface="Oxygen" panose="02000503000000000000" pitchFamily="2" charset="0"/>
+              </a:rPr>
+              <a:t>Marketing Strategy &amp; Execution</a:t>
+            </a:r>
+          </a:p>
+          <a:p>
+            <a:pPr marL="342900" indent="-342900">
+              <a:lnSpc>
+                <a:spcPct val="200000"/>
+              </a:lnSpc>
+              <a:buFont typeface="Wingdings" panose="05000000000000000000" pitchFamily="2" charset="2"/>
+              <a:buChar char="v"/>
+            </a:pPr>
+            <a:r>
+              <a:rPr lang="en-US" b="1" dirty="0" smtClean="0">
+                <a:solidFill>
+                  <a:srgbClr val="C00000"/>
+                </a:solidFill>
+                <a:latin typeface="Oxygen" panose="02000503000000000000" pitchFamily="2" charset="0"/>
+              </a:rPr>
+              <a:t>Enroll Students &amp; Teach</a:t>
+            </a:r>
+          </a:p>
+          <a:p>
+            <a:pPr marL="342900" indent="-342900">
+              <a:lnSpc>
+                <a:spcPct val="200000"/>
+              </a:lnSpc>
+              <a:buFont typeface="Wingdings" panose="05000000000000000000" pitchFamily="2" charset="2"/>
+              <a:buChar char="v"/>
+            </a:pPr>
+            <a:r>
+              <a:rPr lang="en-US" b="1" dirty="0" smtClean="0">
+                <a:solidFill>
+                  <a:srgbClr val="C00000"/>
+                </a:solidFill>
+                <a:latin typeface="Oxygen" panose="02000503000000000000" pitchFamily="2" charset="0"/>
+              </a:rPr>
+              <a:t>Feedback Based QC</a:t>
+            </a:r>
+            <a:endParaRPr lang="en-AU" b="1" dirty="0">
+              <a:solidFill>
+                <a:srgbClr val="C00000"/>
+              </a:solidFill>
+              <a:latin typeface="Oxygen" panose="02000503000000000000" pitchFamily="2" charset="0"/>
+            </a:endParaRPr>
+          </a:p>
+        </p:txBody>
+      </p:sp>
     </p:spTree>
     <p:extLst>
       <p:ext uri="{BB962C8B-B14F-4D97-AF65-F5344CB8AC3E}">
         <p14:creationId xmlns:p14="http://schemas.microsoft.com/office/powerpoint/2010/main" val="2867139335"/>
+      </p:ext>
+    </p:extLst>
+  </p:cSld>
+  <p:clrMapOvr>
+    <a:masterClrMapping/>
+  </p:clrMapOvr>
+  <p:timing>
+    <p:tnLst>
+      <p:par>
+        <p:cTn id="1" dur="indefinite" restart="never" nodeType="tmRoot"/>
+      </p:par>
+    </p:tnLst>
+  </p:timing>
+</p:sld>
+</file>
+
+<file path=ppt/slides/slide3.xml><?xml version="1.0" encoding="utf-8"?>
+<p:sld xmlns:a="http://schemas.openxmlformats.org/drawingml/2006/main" xmlns:r="http://schemas.openxmlformats.org/officeDocument/2006/relationships" xmlns:p="http://schemas.openxmlformats.org/presentationml/2006/main">
+  <p:cSld>
+    <p:spTree>
+      <p:nvGrpSpPr>
+        <p:cNvPr id="1" name=""/>
+        <p:cNvGrpSpPr/>
+        <p:nvPr/>
+      </p:nvGrpSpPr>
+      <p:grpSpPr>
+        <a:xfrm>
+          <a:off x="0" y="0"/>
+          <a:ext cx="0" cy="0"/>
+          <a:chOff x="0" y="0"/>
+          <a:chExt cx="0" cy="0"/>
+        </a:xfrm>
+      </p:grpSpPr>
+      <p:pic>
+        <p:nvPicPr>
+          <p:cNvPr id="4" name="Picture 3"/>
+          <p:cNvPicPr>
+            <a:picLocks noChangeAspect="1"/>
+          </p:cNvPicPr>
+          <p:nvPr/>
+        </p:nvPicPr>
+        <p:blipFill>
+          <a:blip r:embed="rId2" cstate="print">
+            <a:extLst>
+              <a:ext uri="{28A0092B-C50C-407E-A947-70E740481C1C}">
+                <a14:useLocalDpi xmlns:a14="http://schemas.microsoft.com/office/drawing/2010/main" val="0"/>
+              </a:ext>
+            </a:extLst>
+          </a:blip>
+          <a:stretch>
+            <a:fillRect/>
+          </a:stretch>
+        </p:blipFill>
+        <p:spPr>
+          <a:xfrm>
+            <a:off x="225079" y="6001336"/>
+            <a:ext cx="1486675" cy="703262"/>
+          </a:xfrm>
+          <a:prstGeom prst="rect">
+            <a:avLst/>
+          </a:prstGeom>
+        </p:spPr>
+      </p:pic>
+      <p:sp>
+        <p:nvSpPr>
+          <p:cNvPr id="5" name="TextBox 4"/>
+          <p:cNvSpPr txBox="1"/>
+          <p:nvPr/>
+        </p:nvSpPr>
+        <p:spPr>
+          <a:xfrm>
+            <a:off x="5312779" y="6503438"/>
+            <a:ext cx="2928395" cy="261610"/>
+          </a:xfrm>
+          <a:prstGeom prst="rect">
+            <a:avLst/>
+          </a:prstGeom>
+          <a:noFill/>
+        </p:spPr>
+        <p:txBody>
+          <a:bodyPr wrap="square" rtlCol="0">
+            <a:spAutoFit/>
+          </a:bodyPr>
+          <a:lstStyle/>
+          <a:p>
+            <a:pPr algn="ctr"/>
+            <a:r>
+              <a:rPr lang="en-US" sz="1100" b="1" dirty="0" smtClean="0">
+                <a:solidFill>
+                  <a:srgbClr val="FF8C52"/>
+                </a:solidFill>
+                <a:latin typeface="Oxygen" panose="02000503000000000000" pitchFamily="2" charset="0"/>
+              </a:rPr>
+              <a:t>Private and Confidential ® © 2023</a:t>
+            </a:r>
+            <a:endParaRPr lang="en-AU" sz="1100" b="1" dirty="0">
+              <a:solidFill>
+                <a:srgbClr val="FF8C52"/>
+              </a:solidFill>
+              <a:latin typeface="Oxygen" panose="02000503000000000000" pitchFamily="2" charset="0"/>
+            </a:endParaRPr>
+          </a:p>
+        </p:txBody>
+      </p:sp>
+      <p:sp>
+        <p:nvSpPr>
+          <p:cNvPr id="6" name="TextBox 5"/>
+          <p:cNvSpPr txBox="1"/>
+          <p:nvPr/>
+        </p:nvSpPr>
+        <p:spPr>
+          <a:xfrm>
+            <a:off x="2733553" y="220314"/>
+            <a:ext cx="6966031" cy="584775"/>
+          </a:xfrm>
+          <a:prstGeom prst="rect">
+            <a:avLst/>
+          </a:prstGeom>
+          <a:noFill/>
+        </p:spPr>
+        <p:txBody>
+          <a:bodyPr wrap="square" rtlCol="0">
+            <a:spAutoFit/>
+          </a:bodyPr>
+          <a:lstStyle/>
+          <a:p>
+            <a:pPr algn="ctr"/>
+            <a:r>
+              <a:rPr lang="en-US" sz="3200" b="1" dirty="0" smtClean="0">
+                <a:solidFill>
+                  <a:srgbClr val="FF8C52"/>
+                </a:solidFill>
+                <a:latin typeface="Oxygen" panose="02000503000000000000" pitchFamily="2" charset="0"/>
+              </a:rPr>
+              <a:t>Handpicking Our Faculty</a:t>
+            </a:r>
+            <a:endParaRPr lang="en-AU" sz="3200" b="1" dirty="0">
+              <a:solidFill>
+                <a:srgbClr val="FF8C52"/>
+              </a:solidFill>
+              <a:latin typeface="Oxygen" panose="02000503000000000000" pitchFamily="2" charset="0"/>
+            </a:endParaRPr>
+          </a:p>
+        </p:txBody>
+      </p:sp>
+      <p:pic>
+        <p:nvPicPr>
+          <p:cNvPr id="2" name="Picture 1"/>
+          <p:cNvPicPr>
+            <a:picLocks noChangeAspect="1"/>
+          </p:cNvPicPr>
+          <p:nvPr/>
+        </p:nvPicPr>
+        <p:blipFill>
+          <a:blip r:embed="rId3"/>
+          <a:stretch>
+            <a:fillRect/>
+          </a:stretch>
+        </p:blipFill>
+        <p:spPr>
+          <a:xfrm>
+            <a:off x="968421" y="2101169"/>
+            <a:ext cx="3000375" cy="3000375"/>
+          </a:xfrm>
+          <a:prstGeom prst="rect">
+            <a:avLst/>
+          </a:prstGeom>
+        </p:spPr>
+      </p:pic>
+      <p:sp>
+        <p:nvSpPr>
+          <p:cNvPr id="12" name="Rectangle 11">
+            <a:extLst>
+              <a:ext uri="{FF2B5EF4-FFF2-40B4-BE49-F238E27FC236}">
+                <a16:creationId xmlns="" xmlns:a16="http://schemas.microsoft.com/office/drawing/2014/main" id="{907BEB2A-D93E-46CB-95DF-04E16F0D1C0C}"/>
+              </a:ext>
+            </a:extLst>
+          </p:cNvPr>
+          <p:cNvSpPr/>
+          <p:nvPr/>
+        </p:nvSpPr>
+        <p:spPr>
+          <a:xfrm>
+            <a:off x="956212" y="2099720"/>
+            <a:ext cx="3012584" cy="3001824"/>
+          </a:xfrm>
+          <a:prstGeom prst="rect">
+            <a:avLst/>
+          </a:prstGeom>
+          <a:gradFill flip="none" rotWithShape="1">
+            <a:gsLst>
+              <a:gs pos="0">
+                <a:srgbClr val="FFFFFF">
+                  <a:alpha val="0"/>
+                </a:srgbClr>
+              </a:gs>
+              <a:gs pos="59000">
+                <a:srgbClr val="FFFFFF">
+                  <a:alpha val="0"/>
+                </a:srgbClr>
+              </a:gs>
+              <a:gs pos="71000">
+                <a:schemeClr val="bg1"/>
+              </a:gs>
+              <a:gs pos="100000">
+                <a:schemeClr val="bg1"/>
+              </a:gs>
+            </a:gsLst>
+            <a:path path="circle">
+              <a:fillToRect l="50000" t="50000" r="50000" b="50000"/>
+            </a:path>
+            <a:tileRect/>
+          </a:gradFill>
+          <a:ln>
+            <a:noFill/>
+          </a:ln>
+        </p:spPr>
+        <p:style>
+          <a:lnRef idx="2">
+            <a:schemeClr val="accent1">
+              <a:shade val="50000"/>
+            </a:schemeClr>
+          </a:lnRef>
+          <a:fillRef idx="1">
+            <a:schemeClr val="accent1"/>
+          </a:fillRef>
+          <a:effectRef idx="0">
+            <a:schemeClr val="accent1"/>
+          </a:effectRef>
+          <a:fontRef idx="minor">
+            <a:schemeClr val="lt1"/>
+          </a:fontRef>
+        </p:style>
+        <p:txBody>
+          <a:bodyPr rtlCol="0" anchor="ctr"/>
+          <a:lstStyle/>
+          <a:p>
+            <a:pPr algn="ctr"/>
+            <a:endParaRPr lang="en-AU">
+              <a:latin typeface="Oxygen" panose="02000503000000000000" pitchFamily="2" charset="0"/>
+            </a:endParaRPr>
+          </a:p>
+        </p:txBody>
+      </p:sp>
+      <p:sp>
+        <p:nvSpPr>
+          <p:cNvPr id="10" name="TextBox 9"/>
+          <p:cNvSpPr txBox="1"/>
+          <p:nvPr/>
+        </p:nvSpPr>
+        <p:spPr>
+          <a:xfrm>
+            <a:off x="4479555" y="1547213"/>
+            <a:ext cx="6877293" cy="4031873"/>
+          </a:xfrm>
+          <a:prstGeom prst="rect">
+            <a:avLst/>
+          </a:prstGeom>
+          <a:noFill/>
+        </p:spPr>
+        <p:txBody>
+          <a:bodyPr wrap="square" rtlCol="0">
+            <a:spAutoFit/>
+          </a:bodyPr>
+          <a:lstStyle/>
+          <a:p>
+            <a:pPr marL="342900" indent="-342900">
+              <a:lnSpc>
+                <a:spcPct val="200000"/>
+              </a:lnSpc>
+              <a:buFont typeface="+mj-lt"/>
+              <a:buAutoNum type="arabicPeriod"/>
+            </a:pPr>
+            <a:r>
+              <a:rPr lang="en-US" sz="1600" b="1" dirty="0" smtClean="0">
+                <a:solidFill>
+                  <a:srgbClr val="C00000"/>
+                </a:solidFill>
+                <a:latin typeface="Oxygen" panose="02000503000000000000" pitchFamily="2" charset="0"/>
+              </a:rPr>
+              <a:t>Vacancy Analysis &amp; Contact Faculty</a:t>
+            </a:r>
+          </a:p>
+          <a:p>
+            <a:pPr marL="342900" indent="-342900">
+              <a:lnSpc>
+                <a:spcPct val="200000"/>
+              </a:lnSpc>
+              <a:buFont typeface="+mj-lt"/>
+              <a:buAutoNum type="arabicPeriod"/>
+            </a:pPr>
+            <a:r>
+              <a:rPr lang="en-US" sz="1600" b="1" dirty="0" smtClean="0">
+                <a:solidFill>
+                  <a:srgbClr val="C00000"/>
+                </a:solidFill>
+                <a:latin typeface="Oxygen" panose="02000503000000000000" pitchFamily="2" charset="0"/>
+              </a:rPr>
+              <a:t>Interview &amp; Onboarding Form Fill-up</a:t>
+            </a:r>
+          </a:p>
+          <a:p>
+            <a:pPr marL="342900" indent="-342900">
+              <a:lnSpc>
+                <a:spcPct val="200000"/>
+              </a:lnSpc>
+              <a:buFont typeface="+mj-lt"/>
+              <a:buAutoNum type="arabicPeriod"/>
+            </a:pPr>
+            <a:r>
+              <a:rPr lang="en-US" sz="1600" b="1" dirty="0" smtClean="0">
+                <a:solidFill>
+                  <a:srgbClr val="C00000"/>
+                </a:solidFill>
+                <a:latin typeface="Oxygen" panose="02000503000000000000" pitchFamily="2" charset="0"/>
+              </a:rPr>
+              <a:t>Collect Complete Data &amp; Create </a:t>
+            </a:r>
+            <a:r>
+              <a:rPr lang="en-US" sz="1600" b="1" dirty="0">
+                <a:solidFill>
+                  <a:srgbClr val="C00000"/>
+                </a:solidFill>
+                <a:latin typeface="Oxygen" panose="02000503000000000000" pitchFamily="2" charset="0"/>
+              </a:rPr>
+              <a:t>Profile </a:t>
+            </a:r>
+            <a:r>
+              <a:rPr lang="en-US" sz="1600" b="1" dirty="0" smtClean="0">
+                <a:solidFill>
+                  <a:srgbClr val="C00000"/>
+                </a:solidFill>
+                <a:latin typeface="Oxygen" panose="02000503000000000000" pitchFamily="2" charset="0"/>
+              </a:rPr>
+              <a:t>(.pptx, .xlsx)</a:t>
+            </a:r>
+          </a:p>
+          <a:p>
+            <a:pPr marL="342900" indent="-342900">
+              <a:lnSpc>
+                <a:spcPct val="200000"/>
+              </a:lnSpc>
+              <a:buFont typeface="+mj-lt"/>
+              <a:buAutoNum type="arabicPeriod"/>
+            </a:pPr>
+            <a:r>
+              <a:rPr lang="en-US" sz="1600" b="1" dirty="0">
+                <a:solidFill>
+                  <a:srgbClr val="C00000"/>
+                </a:solidFill>
+                <a:latin typeface="Oxygen" panose="02000503000000000000" pitchFamily="2" charset="0"/>
+              </a:rPr>
+              <a:t>Calculate Profitability (Sales Offers V/s Faculty Accepted Payout)</a:t>
+            </a:r>
+          </a:p>
+          <a:p>
+            <a:pPr marL="342900" indent="-342900">
+              <a:lnSpc>
+                <a:spcPct val="200000"/>
+              </a:lnSpc>
+              <a:buFont typeface="+mj-lt"/>
+              <a:buAutoNum type="arabicPeriod"/>
+            </a:pPr>
+            <a:r>
+              <a:rPr lang="en-US" sz="1600" b="1" dirty="0" smtClean="0">
+                <a:solidFill>
+                  <a:srgbClr val="C00000"/>
+                </a:solidFill>
+                <a:latin typeface="Oxygen" panose="02000503000000000000" pitchFamily="2" charset="0"/>
+              </a:rPr>
+              <a:t>Fix </a:t>
+            </a:r>
+            <a:r>
+              <a:rPr lang="en-US" sz="1600" b="1" dirty="0">
+                <a:solidFill>
+                  <a:srgbClr val="C00000"/>
+                </a:solidFill>
+                <a:latin typeface="Oxygen" panose="02000503000000000000" pitchFamily="2" charset="0"/>
+              </a:rPr>
+              <a:t>Class </a:t>
+            </a:r>
+            <a:r>
+              <a:rPr lang="en-US" sz="1600" b="1" dirty="0" smtClean="0">
+                <a:solidFill>
+                  <a:srgbClr val="C00000"/>
+                </a:solidFill>
+                <a:latin typeface="Oxygen" panose="02000503000000000000" pitchFamily="2" charset="0"/>
+              </a:rPr>
+              <a:t>Duration, Frequency, Day of Week &amp; Timing</a:t>
+            </a:r>
+            <a:endParaRPr lang="en-US" sz="1600" b="1" dirty="0">
+              <a:solidFill>
+                <a:srgbClr val="C00000"/>
+              </a:solidFill>
+              <a:latin typeface="Oxygen" panose="02000503000000000000" pitchFamily="2" charset="0"/>
+            </a:endParaRPr>
+          </a:p>
+          <a:p>
+            <a:pPr marL="342900" indent="-342900">
+              <a:lnSpc>
+                <a:spcPct val="200000"/>
+              </a:lnSpc>
+              <a:buFont typeface="+mj-lt"/>
+              <a:buAutoNum type="arabicPeriod"/>
+            </a:pPr>
+            <a:r>
+              <a:rPr lang="en-US" sz="1600" b="1" dirty="0">
+                <a:solidFill>
+                  <a:srgbClr val="C00000"/>
+                </a:solidFill>
+                <a:latin typeface="Oxygen" panose="02000503000000000000" pitchFamily="2" charset="0"/>
+              </a:rPr>
+              <a:t>Fix Class Start </a:t>
+            </a:r>
+            <a:r>
+              <a:rPr lang="en-US" sz="1600" b="1" dirty="0" smtClean="0">
+                <a:solidFill>
+                  <a:srgbClr val="C00000"/>
+                </a:solidFill>
+                <a:latin typeface="Oxygen" panose="02000503000000000000" pitchFamily="2" charset="0"/>
+              </a:rPr>
+              <a:t>Date &amp; Book a Class Room with Adequate Facilities</a:t>
+            </a:r>
+            <a:endParaRPr lang="en-US" sz="1600" b="1" dirty="0">
+              <a:solidFill>
+                <a:srgbClr val="C00000"/>
+              </a:solidFill>
+              <a:latin typeface="Oxygen" panose="02000503000000000000" pitchFamily="2" charset="0"/>
+            </a:endParaRPr>
+          </a:p>
+          <a:p>
+            <a:pPr marL="342900" indent="-342900">
+              <a:lnSpc>
+                <a:spcPct val="200000"/>
+              </a:lnSpc>
+              <a:buFont typeface="+mj-lt"/>
+              <a:buAutoNum type="arabicPeriod"/>
+            </a:pPr>
+            <a:r>
+              <a:rPr lang="en-US" sz="1600" b="1" dirty="0" smtClean="0">
+                <a:solidFill>
+                  <a:srgbClr val="C00000"/>
+                </a:solidFill>
+                <a:latin typeface="Oxygen" panose="02000503000000000000" pitchFamily="2" charset="0"/>
+              </a:rPr>
+              <a:t>Create Online/Offline Ads &amp; Get Faculty &amp; Management Approval</a:t>
+            </a:r>
+          </a:p>
+          <a:p>
+            <a:pPr marL="342900" indent="-342900">
+              <a:lnSpc>
+                <a:spcPct val="200000"/>
+              </a:lnSpc>
+              <a:buFont typeface="+mj-lt"/>
+              <a:buAutoNum type="arabicPeriod"/>
+            </a:pPr>
+            <a:r>
+              <a:rPr lang="en-US" sz="1600" b="1" dirty="0">
+                <a:solidFill>
+                  <a:srgbClr val="C00000"/>
+                </a:solidFill>
+                <a:latin typeface="Oxygen" panose="02000503000000000000" pitchFamily="2" charset="0"/>
+              </a:rPr>
+              <a:t>Start </a:t>
+            </a:r>
+            <a:r>
+              <a:rPr lang="en-US" sz="1600" b="1" dirty="0" smtClean="0">
+                <a:solidFill>
+                  <a:srgbClr val="C00000"/>
+                </a:solidFill>
+                <a:latin typeface="Oxygen" panose="02000503000000000000" pitchFamily="2" charset="0"/>
+              </a:rPr>
+              <a:t>Marketing: Online /Offline</a:t>
+            </a:r>
+          </a:p>
+        </p:txBody>
+      </p:sp>
+    </p:spTree>
+    <p:extLst>
+      <p:ext uri="{BB962C8B-B14F-4D97-AF65-F5344CB8AC3E}">
+        <p14:creationId xmlns:p14="http://schemas.microsoft.com/office/powerpoint/2010/main" val="566584680"/>
       </p:ext>
     </p:extLst>
   </p:cSld>

--- a/Offline/BusinessManagement/AnodiamManagmentMasterPlan.pptx
+++ b/Offline/BusinessManagement/AnodiamManagmentMasterPlan.pptx
@@ -245,7 +245,7 @@
           <a:p>
             <a:fld id="{EB5091F5-313C-4A81-ACA1-94ED5D4B25D8}" type="datetimeFigureOut">
               <a:rPr lang="en-AU" smtClean="0"/>
-              <a:t>23/06/2023</a:t>
+              <a:t>12/07/2023</a:t>
             </a:fld>
             <a:endParaRPr lang="en-AU"/>
           </a:p>
@@ -415,7 +415,7 @@
           <a:p>
             <a:fld id="{EB5091F5-313C-4A81-ACA1-94ED5D4B25D8}" type="datetimeFigureOut">
               <a:rPr lang="en-AU" smtClean="0"/>
-              <a:t>23/06/2023</a:t>
+              <a:t>12/07/2023</a:t>
             </a:fld>
             <a:endParaRPr lang="en-AU"/>
           </a:p>
@@ -595,7 +595,7 @@
           <a:p>
             <a:fld id="{EB5091F5-313C-4A81-ACA1-94ED5D4B25D8}" type="datetimeFigureOut">
               <a:rPr lang="en-AU" smtClean="0"/>
-              <a:t>23/06/2023</a:t>
+              <a:t>12/07/2023</a:t>
             </a:fld>
             <a:endParaRPr lang="en-AU"/>
           </a:p>
@@ -765,7 +765,7 @@
           <a:p>
             <a:fld id="{EB5091F5-313C-4A81-ACA1-94ED5D4B25D8}" type="datetimeFigureOut">
               <a:rPr lang="en-AU" smtClean="0"/>
-              <a:t>23/06/2023</a:t>
+              <a:t>12/07/2023</a:t>
             </a:fld>
             <a:endParaRPr lang="en-AU"/>
           </a:p>
@@ -1011,7 +1011,7 @@
           <a:p>
             <a:fld id="{EB5091F5-313C-4A81-ACA1-94ED5D4B25D8}" type="datetimeFigureOut">
               <a:rPr lang="en-AU" smtClean="0"/>
-              <a:t>23/06/2023</a:t>
+              <a:t>12/07/2023</a:t>
             </a:fld>
             <a:endParaRPr lang="en-AU"/>
           </a:p>
@@ -1243,7 +1243,7 @@
           <a:p>
             <a:fld id="{EB5091F5-313C-4A81-ACA1-94ED5D4B25D8}" type="datetimeFigureOut">
               <a:rPr lang="en-AU" smtClean="0"/>
-              <a:t>23/06/2023</a:t>
+              <a:t>12/07/2023</a:t>
             </a:fld>
             <a:endParaRPr lang="en-AU"/>
           </a:p>
@@ -1610,7 +1610,7 @@
           <a:p>
             <a:fld id="{EB5091F5-313C-4A81-ACA1-94ED5D4B25D8}" type="datetimeFigureOut">
               <a:rPr lang="en-AU" smtClean="0"/>
-              <a:t>23/06/2023</a:t>
+              <a:t>12/07/2023</a:t>
             </a:fld>
             <a:endParaRPr lang="en-AU"/>
           </a:p>
@@ -1728,7 +1728,7 @@
           <a:p>
             <a:fld id="{EB5091F5-313C-4A81-ACA1-94ED5D4B25D8}" type="datetimeFigureOut">
               <a:rPr lang="en-AU" smtClean="0"/>
-              <a:t>23/06/2023</a:t>
+              <a:t>12/07/2023</a:t>
             </a:fld>
             <a:endParaRPr lang="en-AU"/>
           </a:p>
@@ -1823,7 +1823,7 @@
           <a:p>
             <a:fld id="{EB5091F5-313C-4A81-ACA1-94ED5D4B25D8}" type="datetimeFigureOut">
               <a:rPr lang="en-AU" smtClean="0"/>
-              <a:t>23/06/2023</a:t>
+              <a:t>12/07/2023</a:t>
             </a:fld>
             <a:endParaRPr lang="en-AU"/>
           </a:p>
@@ -2100,7 +2100,7 @@
           <a:p>
             <a:fld id="{EB5091F5-313C-4A81-ACA1-94ED5D4B25D8}" type="datetimeFigureOut">
               <a:rPr lang="en-AU" smtClean="0"/>
-              <a:t>23/06/2023</a:t>
+              <a:t>12/07/2023</a:t>
             </a:fld>
             <a:endParaRPr lang="en-AU"/>
           </a:p>
@@ -2353,7 +2353,7 @@
           <a:p>
             <a:fld id="{EB5091F5-313C-4A81-ACA1-94ED5D4B25D8}" type="datetimeFigureOut">
               <a:rPr lang="en-AU" smtClean="0"/>
-              <a:t>23/06/2023</a:t>
+              <a:t>12/07/2023</a:t>
             </a:fld>
             <a:endParaRPr lang="en-AU"/>
           </a:p>
@@ -2566,7 +2566,7 @@
           <a:p>
             <a:fld id="{EB5091F5-313C-4A81-ACA1-94ED5D4B25D8}" type="datetimeFigureOut">
               <a:rPr lang="en-AU" smtClean="0"/>
-              <a:t>23/06/2023</a:t>
+              <a:t>12/07/2023</a:t>
             </a:fld>
             <a:endParaRPr lang="en-AU"/>
           </a:p>
@@ -3119,8 +3119,32 @@
                 </a:solidFill>
                 <a:latin typeface="Oxygen" panose="02000503000000000000" pitchFamily="2" charset="0"/>
               </a:rPr>
-              <a:t>IT, IoT &amp; AI</a:t>
-            </a:r>
+              <a:t>IT, IoT </a:t>
+            </a:r>
+            <a:r>
+              <a:rPr lang="en-US" b="1" smtClean="0">
+                <a:solidFill>
+                  <a:srgbClr val="C00000"/>
+                </a:solidFill>
+                <a:latin typeface="Oxygen" panose="02000503000000000000" pitchFamily="2" charset="0"/>
+              </a:rPr>
+              <a:t>&amp; </a:t>
+            </a:r>
+            <a:r>
+              <a:rPr lang="en-US" b="1" smtClean="0">
+                <a:solidFill>
+                  <a:srgbClr val="C00000"/>
+                </a:solidFill>
+                <a:latin typeface="Oxygen" panose="02000503000000000000" pitchFamily="2" charset="0"/>
+              </a:rPr>
+              <a:t>AI</a:t>
+            </a:r>
+            <a:endParaRPr lang="en-US" b="1" dirty="0" smtClean="0">
+              <a:solidFill>
+                <a:srgbClr val="C00000"/>
+              </a:solidFill>
+              <a:latin typeface="Oxygen" panose="02000503000000000000" pitchFamily="2" charset="0"/>
+            </a:endParaRPr>
           </a:p>
           <a:p>
             <a:pPr marL="342900" indent="-342900">
@@ -3217,18 +3241,7 @@
                 </a:solidFill>
                 <a:latin typeface="Oxygen" panose="02000503000000000000" pitchFamily="2" charset="0"/>
               </a:rPr>
-              <a:t>IIT </a:t>
-            </a:r>
-            <a:r>
-              <a:rPr lang="en-US" b="1" dirty="0" smtClean="0">
-                <a:solidFill>
-                  <a:schemeClr val="accent2">
-                    <a:lumMod val="75000"/>
-                  </a:schemeClr>
-                </a:solidFill>
-                <a:latin typeface="Oxygen" panose="02000503000000000000" pitchFamily="2" charset="0"/>
-              </a:rPr>
-              <a:t>JEE &amp; NEET</a:t>
+              <a:t>IIT JEE &amp; NEET</a:t>
             </a:r>
           </a:p>
           <a:p>
@@ -3268,18 +3281,7 @@
                 </a:solidFill>
                 <a:latin typeface="Oxygen" panose="02000503000000000000" pitchFamily="2" charset="0"/>
               </a:rPr>
-              <a:t>Competitive </a:t>
-            </a:r>
-            <a:r>
-              <a:rPr lang="en-US" b="1" dirty="0" smtClean="0">
-                <a:solidFill>
-                  <a:schemeClr val="bg1">
-                    <a:lumMod val="50000"/>
-                  </a:schemeClr>
-                </a:solidFill>
-                <a:latin typeface="Oxygen" panose="02000503000000000000" pitchFamily="2" charset="0"/>
-              </a:rPr>
-              <a:t>(Banking, IAS, WBCS etc.)</a:t>
+              <a:t>Competitive (Banking, IAS, WBCS etc.)</a:t>
             </a:r>
           </a:p>
           <a:p>
@@ -3333,7 +3335,7 @@
           <p:cNvPr id="19" name="Rectangle 18">
             <a:extLst>
               <a:ext uri="{FF2B5EF4-FFF2-40B4-BE49-F238E27FC236}">
-                <a16:creationId xmlns="" xmlns:a16="http://schemas.microsoft.com/office/drawing/2014/main" id="{907BEB2A-D93E-46CB-95DF-04E16F0D1C0C}"/>
+                <a16:creationId xmlns:a16="http://schemas.microsoft.com/office/drawing/2014/main" xmlns="" id="{907BEB2A-D93E-46CB-95DF-04E16F0D1C0C}"/>
               </a:ext>
             </a:extLst>
           </p:cNvPr>
@@ -3581,7 +3583,7 @@
           <p:cNvPr id="12" name="Rectangle 11">
             <a:extLst>
               <a:ext uri="{FF2B5EF4-FFF2-40B4-BE49-F238E27FC236}">
-                <a16:creationId xmlns="" xmlns:a16="http://schemas.microsoft.com/office/drawing/2014/main" id="{907BEB2A-D93E-46CB-95DF-04E16F0D1C0C}"/>
+                <a16:creationId xmlns:a16="http://schemas.microsoft.com/office/drawing/2014/main" xmlns="" id="{907BEB2A-D93E-46CB-95DF-04E16F0D1C0C}"/>
               </a:ext>
             </a:extLst>
           </p:cNvPr>
@@ -4002,7 +4004,7 @@
           <p:cNvPr id="12" name="Rectangle 11">
             <a:extLst>
               <a:ext uri="{FF2B5EF4-FFF2-40B4-BE49-F238E27FC236}">
-                <a16:creationId xmlns="" xmlns:a16="http://schemas.microsoft.com/office/drawing/2014/main" id="{907BEB2A-D93E-46CB-95DF-04E16F0D1C0C}"/>
+                <a16:creationId xmlns:a16="http://schemas.microsoft.com/office/drawing/2014/main" xmlns="" id="{907BEB2A-D93E-46CB-95DF-04E16F0D1C0C}"/>
               </a:ext>
             </a:extLst>
           </p:cNvPr>

--- a/Offline/BusinessManagement/AnodiamManagmentMasterPlan.pptx
+++ b/Offline/BusinessManagement/AnodiamManagmentMasterPlan.pptx
@@ -156,7 +156,7 @@
           </a:lstStyle>
           <a:p>
             <a:r>
-              <a:rPr lang="en-US" smtClean="0"/>
+              <a:rPr lang="en-US"/>
               <a:t>Click to edit Master title style</a:t>
             </a:r>
             <a:endParaRPr lang="en-AU"/>
@@ -221,7 +221,7 @@
           </a:lstStyle>
           <a:p>
             <a:r>
-              <a:rPr lang="en-US" smtClean="0"/>
+              <a:rPr lang="en-US"/>
               <a:t>Click to edit Master subtitle style</a:t>
             </a:r>
             <a:endParaRPr lang="en-AU"/>
@@ -245,7 +245,7 @@
           <a:p>
             <a:fld id="{EB5091F5-313C-4A81-ACA1-94ED5D4B25D8}" type="datetimeFigureOut">
               <a:rPr lang="en-AU" smtClean="0"/>
-              <a:t>12/07/2023</a:t>
+              <a:t>18/07/2023</a:t>
             </a:fld>
             <a:endParaRPr lang="en-AU"/>
           </a:p>
@@ -339,7 +339,7 @@
           <a:lstStyle/>
           <a:p>
             <a:r>
-              <a:rPr lang="en-US" smtClean="0"/>
+              <a:rPr lang="en-US"/>
               <a:t>Click to edit Master title style</a:t>
             </a:r>
             <a:endParaRPr lang="en-AU"/>
@@ -363,35 +363,35 @@
           <a:p>
             <a:pPr lvl="0"/>
             <a:r>
-              <a:rPr lang="en-US" smtClean="0"/>
+              <a:rPr lang="en-US"/>
               <a:t>Click to edit Master text styles</a:t>
             </a:r>
           </a:p>
           <a:p>
             <a:pPr lvl="1"/>
             <a:r>
-              <a:rPr lang="en-US" smtClean="0"/>
+              <a:rPr lang="en-US"/>
               <a:t>Second level</a:t>
             </a:r>
           </a:p>
           <a:p>
             <a:pPr lvl="2"/>
             <a:r>
-              <a:rPr lang="en-US" smtClean="0"/>
+              <a:rPr lang="en-US"/>
               <a:t>Third level</a:t>
             </a:r>
           </a:p>
           <a:p>
             <a:pPr lvl="3"/>
             <a:r>
-              <a:rPr lang="en-US" smtClean="0"/>
+              <a:rPr lang="en-US"/>
               <a:t>Fourth level</a:t>
             </a:r>
           </a:p>
           <a:p>
             <a:pPr lvl="4"/>
             <a:r>
-              <a:rPr lang="en-US" smtClean="0"/>
+              <a:rPr lang="en-US"/>
               <a:t>Fifth level</a:t>
             </a:r>
             <a:endParaRPr lang="en-AU"/>
@@ -415,7 +415,7 @@
           <a:p>
             <a:fld id="{EB5091F5-313C-4A81-ACA1-94ED5D4B25D8}" type="datetimeFigureOut">
               <a:rPr lang="en-AU" smtClean="0"/>
-              <a:t>12/07/2023</a:t>
+              <a:t>18/07/2023</a:t>
             </a:fld>
             <a:endParaRPr lang="en-AU"/>
           </a:p>
@@ -514,7 +514,7 @@
           <a:lstStyle/>
           <a:p>
             <a:r>
-              <a:rPr lang="en-US" smtClean="0"/>
+              <a:rPr lang="en-US"/>
               <a:t>Click to edit Master title style</a:t>
             </a:r>
             <a:endParaRPr lang="en-AU"/>
@@ -543,35 +543,35 @@
           <a:p>
             <a:pPr lvl="0"/>
             <a:r>
-              <a:rPr lang="en-US" smtClean="0"/>
+              <a:rPr lang="en-US"/>
               <a:t>Click to edit Master text styles</a:t>
             </a:r>
           </a:p>
           <a:p>
             <a:pPr lvl="1"/>
             <a:r>
-              <a:rPr lang="en-US" smtClean="0"/>
+              <a:rPr lang="en-US"/>
               <a:t>Second level</a:t>
             </a:r>
           </a:p>
           <a:p>
             <a:pPr lvl="2"/>
             <a:r>
-              <a:rPr lang="en-US" smtClean="0"/>
+              <a:rPr lang="en-US"/>
               <a:t>Third level</a:t>
             </a:r>
           </a:p>
           <a:p>
             <a:pPr lvl="3"/>
             <a:r>
-              <a:rPr lang="en-US" smtClean="0"/>
+              <a:rPr lang="en-US"/>
               <a:t>Fourth level</a:t>
             </a:r>
           </a:p>
           <a:p>
             <a:pPr lvl="4"/>
             <a:r>
-              <a:rPr lang="en-US" smtClean="0"/>
+              <a:rPr lang="en-US"/>
               <a:t>Fifth level</a:t>
             </a:r>
             <a:endParaRPr lang="en-AU"/>
@@ -595,7 +595,7 @@
           <a:p>
             <a:fld id="{EB5091F5-313C-4A81-ACA1-94ED5D4B25D8}" type="datetimeFigureOut">
               <a:rPr lang="en-AU" smtClean="0"/>
-              <a:t>12/07/2023</a:t>
+              <a:t>18/07/2023</a:t>
             </a:fld>
             <a:endParaRPr lang="en-AU"/>
           </a:p>
@@ -689,7 +689,7 @@
           <a:lstStyle/>
           <a:p>
             <a:r>
-              <a:rPr lang="en-US" smtClean="0"/>
+              <a:rPr lang="en-US"/>
               <a:t>Click to edit Master title style</a:t>
             </a:r>
             <a:endParaRPr lang="en-AU"/>
@@ -713,35 +713,35 @@
           <a:p>
             <a:pPr lvl="0"/>
             <a:r>
-              <a:rPr lang="en-US" smtClean="0"/>
+              <a:rPr lang="en-US"/>
               <a:t>Click to edit Master text styles</a:t>
             </a:r>
           </a:p>
           <a:p>
             <a:pPr lvl="1"/>
             <a:r>
-              <a:rPr lang="en-US" smtClean="0"/>
+              <a:rPr lang="en-US"/>
               <a:t>Second level</a:t>
             </a:r>
           </a:p>
           <a:p>
             <a:pPr lvl="2"/>
             <a:r>
-              <a:rPr lang="en-US" smtClean="0"/>
+              <a:rPr lang="en-US"/>
               <a:t>Third level</a:t>
             </a:r>
           </a:p>
           <a:p>
             <a:pPr lvl="3"/>
             <a:r>
-              <a:rPr lang="en-US" smtClean="0"/>
+              <a:rPr lang="en-US"/>
               <a:t>Fourth level</a:t>
             </a:r>
           </a:p>
           <a:p>
             <a:pPr lvl="4"/>
             <a:r>
-              <a:rPr lang="en-US" smtClean="0"/>
+              <a:rPr lang="en-US"/>
               <a:t>Fifth level</a:t>
             </a:r>
             <a:endParaRPr lang="en-AU"/>
@@ -765,7 +765,7 @@
           <a:p>
             <a:fld id="{EB5091F5-313C-4A81-ACA1-94ED5D4B25D8}" type="datetimeFigureOut">
               <a:rPr lang="en-AU" smtClean="0"/>
-              <a:t>12/07/2023</a:t>
+              <a:t>18/07/2023</a:t>
             </a:fld>
             <a:endParaRPr lang="en-AU"/>
           </a:p>
@@ -868,7 +868,7 @@
           </a:lstStyle>
           <a:p>
             <a:r>
-              <a:rPr lang="en-US" smtClean="0"/>
+              <a:rPr lang="en-US"/>
               <a:t>Click to edit Master title style</a:t>
             </a:r>
             <a:endParaRPr lang="en-AU"/>
@@ -988,7 +988,7 @@
           <a:p>
             <a:pPr lvl="0"/>
             <a:r>
-              <a:rPr lang="en-US" smtClean="0"/>
+              <a:rPr lang="en-US"/>
               <a:t>Click to edit Master text styles</a:t>
             </a:r>
           </a:p>
@@ -1011,7 +1011,7 @@
           <a:p>
             <a:fld id="{EB5091F5-313C-4A81-ACA1-94ED5D4B25D8}" type="datetimeFigureOut">
               <a:rPr lang="en-AU" smtClean="0"/>
-              <a:t>12/07/2023</a:t>
+              <a:t>18/07/2023</a:t>
             </a:fld>
             <a:endParaRPr lang="en-AU"/>
           </a:p>
@@ -1105,7 +1105,7 @@
           <a:lstStyle/>
           <a:p>
             <a:r>
-              <a:rPr lang="en-US" smtClean="0"/>
+              <a:rPr lang="en-US"/>
               <a:t>Click to edit Master title style</a:t>
             </a:r>
             <a:endParaRPr lang="en-AU"/>
@@ -1134,35 +1134,35 @@
           <a:p>
             <a:pPr lvl="0"/>
             <a:r>
-              <a:rPr lang="en-US" smtClean="0"/>
+              <a:rPr lang="en-US"/>
               <a:t>Click to edit Master text styles</a:t>
             </a:r>
           </a:p>
           <a:p>
             <a:pPr lvl="1"/>
             <a:r>
-              <a:rPr lang="en-US" smtClean="0"/>
+              <a:rPr lang="en-US"/>
               <a:t>Second level</a:t>
             </a:r>
           </a:p>
           <a:p>
             <a:pPr lvl="2"/>
             <a:r>
-              <a:rPr lang="en-US" smtClean="0"/>
+              <a:rPr lang="en-US"/>
               <a:t>Third level</a:t>
             </a:r>
           </a:p>
           <a:p>
             <a:pPr lvl="3"/>
             <a:r>
-              <a:rPr lang="en-US" smtClean="0"/>
+              <a:rPr lang="en-US"/>
               <a:t>Fourth level</a:t>
             </a:r>
           </a:p>
           <a:p>
             <a:pPr lvl="4"/>
             <a:r>
-              <a:rPr lang="en-US" smtClean="0"/>
+              <a:rPr lang="en-US"/>
               <a:t>Fifth level</a:t>
             </a:r>
             <a:endParaRPr lang="en-AU"/>
@@ -1191,35 +1191,35 @@
           <a:p>
             <a:pPr lvl="0"/>
             <a:r>
-              <a:rPr lang="en-US" smtClean="0"/>
+              <a:rPr lang="en-US"/>
               <a:t>Click to edit Master text styles</a:t>
             </a:r>
           </a:p>
           <a:p>
             <a:pPr lvl="1"/>
             <a:r>
-              <a:rPr lang="en-US" smtClean="0"/>
+              <a:rPr lang="en-US"/>
               <a:t>Second level</a:t>
             </a:r>
           </a:p>
           <a:p>
             <a:pPr lvl="2"/>
             <a:r>
-              <a:rPr lang="en-US" smtClean="0"/>
+              <a:rPr lang="en-US"/>
               <a:t>Third level</a:t>
             </a:r>
           </a:p>
           <a:p>
             <a:pPr lvl="3"/>
             <a:r>
-              <a:rPr lang="en-US" smtClean="0"/>
+              <a:rPr lang="en-US"/>
               <a:t>Fourth level</a:t>
             </a:r>
           </a:p>
           <a:p>
             <a:pPr lvl="4"/>
             <a:r>
-              <a:rPr lang="en-US" smtClean="0"/>
+              <a:rPr lang="en-US"/>
               <a:t>Fifth level</a:t>
             </a:r>
             <a:endParaRPr lang="en-AU"/>
@@ -1243,7 +1243,7 @@
           <a:p>
             <a:fld id="{EB5091F5-313C-4A81-ACA1-94ED5D4B25D8}" type="datetimeFigureOut">
               <a:rPr lang="en-AU" smtClean="0"/>
-              <a:t>12/07/2023</a:t>
+              <a:t>18/07/2023</a:t>
             </a:fld>
             <a:endParaRPr lang="en-AU"/>
           </a:p>
@@ -1342,7 +1342,7 @@
           <a:lstStyle/>
           <a:p>
             <a:r>
-              <a:rPr lang="en-US" smtClean="0"/>
+              <a:rPr lang="en-US"/>
               <a:t>Click to edit Master title style</a:t>
             </a:r>
             <a:endParaRPr lang="en-AU"/>
@@ -1408,7 +1408,7 @@
           <a:p>
             <a:pPr lvl="0"/>
             <a:r>
-              <a:rPr lang="en-US" smtClean="0"/>
+              <a:rPr lang="en-US"/>
               <a:t>Click to edit Master text styles</a:t>
             </a:r>
           </a:p>
@@ -1436,35 +1436,35 @@
           <a:p>
             <a:pPr lvl="0"/>
             <a:r>
-              <a:rPr lang="en-US" smtClean="0"/>
+              <a:rPr lang="en-US"/>
               <a:t>Click to edit Master text styles</a:t>
             </a:r>
           </a:p>
           <a:p>
             <a:pPr lvl="1"/>
             <a:r>
-              <a:rPr lang="en-US" smtClean="0"/>
+              <a:rPr lang="en-US"/>
               <a:t>Second level</a:t>
             </a:r>
           </a:p>
           <a:p>
             <a:pPr lvl="2"/>
             <a:r>
-              <a:rPr lang="en-US" smtClean="0"/>
+              <a:rPr lang="en-US"/>
               <a:t>Third level</a:t>
             </a:r>
           </a:p>
           <a:p>
             <a:pPr lvl="3"/>
             <a:r>
-              <a:rPr lang="en-US" smtClean="0"/>
+              <a:rPr lang="en-US"/>
               <a:t>Fourth level</a:t>
             </a:r>
           </a:p>
           <a:p>
             <a:pPr lvl="4"/>
             <a:r>
-              <a:rPr lang="en-US" smtClean="0"/>
+              <a:rPr lang="en-US"/>
               <a:t>Fifth level</a:t>
             </a:r>
             <a:endParaRPr lang="en-AU"/>
@@ -1530,7 +1530,7 @@
           <a:p>
             <a:pPr lvl="0"/>
             <a:r>
-              <a:rPr lang="en-US" smtClean="0"/>
+              <a:rPr lang="en-US"/>
               <a:t>Click to edit Master text styles</a:t>
             </a:r>
           </a:p>
@@ -1558,35 +1558,35 @@
           <a:p>
             <a:pPr lvl="0"/>
             <a:r>
-              <a:rPr lang="en-US" smtClean="0"/>
+              <a:rPr lang="en-US"/>
               <a:t>Click to edit Master text styles</a:t>
             </a:r>
           </a:p>
           <a:p>
             <a:pPr lvl="1"/>
             <a:r>
-              <a:rPr lang="en-US" smtClean="0"/>
+              <a:rPr lang="en-US"/>
               <a:t>Second level</a:t>
             </a:r>
           </a:p>
           <a:p>
             <a:pPr lvl="2"/>
             <a:r>
-              <a:rPr lang="en-US" smtClean="0"/>
+              <a:rPr lang="en-US"/>
               <a:t>Third level</a:t>
             </a:r>
           </a:p>
           <a:p>
             <a:pPr lvl="3"/>
             <a:r>
-              <a:rPr lang="en-US" smtClean="0"/>
+              <a:rPr lang="en-US"/>
               <a:t>Fourth level</a:t>
             </a:r>
           </a:p>
           <a:p>
             <a:pPr lvl="4"/>
             <a:r>
-              <a:rPr lang="en-US" smtClean="0"/>
+              <a:rPr lang="en-US"/>
               <a:t>Fifth level</a:t>
             </a:r>
             <a:endParaRPr lang="en-AU"/>
@@ -1610,7 +1610,7 @@
           <a:p>
             <a:fld id="{EB5091F5-313C-4A81-ACA1-94ED5D4B25D8}" type="datetimeFigureOut">
               <a:rPr lang="en-AU" smtClean="0"/>
-              <a:t>12/07/2023</a:t>
+              <a:t>18/07/2023</a:t>
             </a:fld>
             <a:endParaRPr lang="en-AU"/>
           </a:p>
@@ -1704,7 +1704,7 @@
           <a:lstStyle/>
           <a:p>
             <a:r>
-              <a:rPr lang="en-US" smtClean="0"/>
+              <a:rPr lang="en-US"/>
               <a:t>Click to edit Master title style</a:t>
             </a:r>
             <a:endParaRPr lang="en-AU"/>
@@ -1728,7 +1728,7 @@
           <a:p>
             <a:fld id="{EB5091F5-313C-4A81-ACA1-94ED5D4B25D8}" type="datetimeFigureOut">
               <a:rPr lang="en-AU" smtClean="0"/>
-              <a:t>12/07/2023</a:t>
+              <a:t>18/07/2023</a:t>
             </a:fld>
             <a:endParaRPr lang="en-AU"/>
           </a:p>
@@ -1823,7 +1823,7 @@
           <a:p>
             <a:fld id="{EB5091F5-313C-4A81-ACA1-94ED5D4B25D8}" type="datetimeFigureOut">
               <a:rPr lang="en-AU" smtClean="0"/>
-              <a:t>12/07/2023</a:t>
+              <a:t>18/07/2023</a:t>
             </a:fld>
             <a:endParaRPr lang="en-AU"/>
           </a:p>
@@ -1926,7 +1926,7 @@
           </a:lstStyle>
           <a:p>
             <a:r>
-              <a:rPr lang="en-US" smtClean="0"/>
+              <a:rPr lang="en-US"/>
               <a:t>Click to edit Master title style</a:t>
             </a:r>
             <a:endParaRPr lang="en-AU"/>
@@ -1983,35 +1983,35 @@
           <a:p>
             <a:pPr lvl="0"/>
             <a:r>
-              <a:rPr lang="en-US" smtClean="0"/>
+              <a:rPr lang="en-US"/>
               <a:t>Click to edit Master text styles</a:t>
             </a:r>
           </a:p>
           <a:p>
             <a:pPr lvl="1"/>
             <a:r>
-              <a:rPr lang="en-US" smtClean="0"/>
+              <a:rPr lang="en-US"/>
               <a:t>Second level</a:t>
             </a:r>
           </a:p>
           <a:p>
             <a:pPr lvl="2"/>
             <a:r>
-              <a:rPr lang="en-US" smtClean="0"/>
+              <a:rPr lang="en-US"/>
               <a:t>Third level</a:t>
             </a:r>
           </a:p>
           <a:p>
             <a:pPr lvl="3"/>
             <a:r>
-              <a:rPr lang="en-US" smtClean="0"/>
+              <a:rPr lang="en-US"/>
               <a:t>Fourth level</a:t>
             </a:r>
           </a:p>
           <a:p>
             <a:pPr lvl="4"/>
             <a:r>
-              <a:rPr lang="en-US" smtClean="0"/>
+              <a:rPr lang="en-US"/>
               <a:t>Fifth level</a:t>
             </a:r>
             <a:endParaRPr lang="en-AU"/>
@@ -2077,7 +2077,7 @@
           <a:p>
             <a:pPr lvl="0"/>
             <a:r>
-              <a:rPr lang="en-US" smtClean="0"/>
+              <a:rPr lang="en-US"/>
               <a:t>Click to edit Master text styles</a:t>
             </a:r>
           </a:p>
@@ -2100,7 +2100,7 @@
           <a:p>
             <a:fld id="{EB5091F5-313C-4A81-ACA1-94ED5D4B25D8}" type="datetimeFigureOut">
               <a:rPr lang="en-AU" smtClean="0"/>
-              <a:t>12/07/2023</a:t>
+              <a:t>18/07/2023</a:t>
             </a:fld>
             <a:endParaRPr lang="en-AU"/>
           </a:p>
@@ -2203,7 +2203,7 @@
           </a:lstStyle>
           <a:p>
             <a:r>
-              <a:rPr lang="en-US" smtClean="0"/>
+              <a:rPr lang="en-US"/>
               <a:t>Click to edit Master title style</a:t>
             </a:r>
             <a:endParaRPr lang="en-AU"/>
@@ -2330,7 +2330,7 @@
           <a:p>
             <a:pPr lvl="0"/>
             <a:r>
-              <a:rPr lang="en-US" smtClean="0"/>
+              <a:rPr lang="en-US"/>
               <a:t>Click to edit Master text styles</a:t>
             </a:r>
           </a:p>
@@ -2353,7 +2353,7 @@
           <a:p>
             <a:fld id="{EB5091F5-313C-4A81-ACA1-94ED5D4B25D8}" type="datetimeFigureOut">
               <a:rPr lang="en-AU" smtClean="0"/>
-              <a:t>12/07/2023</a:t>
+              <a:t>18/07/2023</a:t>
             </a:fld>
             <a:endParaRPr lang="en-AU"/>
           </a:p>
@@ -2462,7 +2462,7 @@
           <a:lstStyle/>
           <a:p>
             <a:r>
-              <a:rPr lang="en-US" smtClean="0"/>
+              <a:rPr lang="en-US"/>
               <a:t>Click to edit Master title style</a:t>
             </a:r>
             <a:endParaRPr lang="en-AU"/>
@@ -2496,35 +2496,35 @@
           <a:p>
             <a:pPr lvl="0"/>
             <a:r>
-              <a:rPr lang="en-US" smtClean="0"/>
+              <a:rPr lang="en-US"/>
               <a:t>Click to edit Master text styles</a:t>
             </a:r>
           </a:p>
           <a:p>
             <a:pPr lvl="1"/>
             <a:r>
-              <a:rPr lang="en-US" smtClean="0"/>
+              <a:rPr lang="en-US"/>
               <a:t>Second level</a:t>
             </a:r>
           </a:p>
           <a:p>
             <a:pPr lvl="2"/>
             <a:r>
-              <a:rPr lang="en-US" smtClean="0"/>
+              <a:rPr lang="en-US"/>
               <a:t>Third level</a:t>
             </a:r>
           </a:p>
           <a:p>
             <a:pPr lvl="3"/>
             <a:r>
-              <a:rPr lang="en-US" smtClean="0"/>
+              <a:rPr lang="en-US"/>
               <a:t>Fourth level</a:t>
             </a:r>
           </a:p>
           <a:p>
             <a:pPr lvl="4"/>
             <a:r>
-              <a:rPr lang="en-US" smtClean="0"/>
+              <a:rPr lang="en-US"/>
               <a:t>Fifth level</a:t>
             </a:r>
             <a:endParaRPr lang="en-AU"/>
@@ -2566,7 +2566,7 @@
           <a:p>
             <a:fld id="{EB5091F5-313C-4A81-ACA1-94ED5D4B25D8}" type="datetimeFigureOut">
               <a:rPr lang="en-AU" smtClean="0"/>
-              <a:t>12/07/2023</a:t>
+              <a:t>18/07/2023</a:t>
             </a:fld>
             <a:endParaRPr lang="en-AU"/>
           </a:p>
@@ -3025,7 +3025,7 @@
           <a:p>
             <a:pPr algn="ctr"/>
             <a:r>
-              <a:rPr lang="en-US" sz="1100" b="1" dirty="0" smtClean="0">
+              <a:rPr lang="en-US" sz="1100" b="1" dirty="0">
                 <a:solidFill>
                   <a:srgbClr val="FF8C52"/>
                 </a:solidFill>
@@ -3066,7 +3066,7 @@
           <a:p>
             <a:pPr algn="ctr"/>
             <a:r>
-              <a:rPr lang="en-US" sz="3200" b="1" dirty="0" smtClean="0">
+              <a:rPr lang="en-US" sz="3200" b="1" dirty="0">
                 <a:solidFill>
                   <a:srgbClr val="FF8C52"/>
                 </a:solidFill>
@@ -3092,7 +3092,7 @@
         <p:spPr>
           <a:xfrm>
             <a:off x="5531694" y="1317325"/>
-            <a:ext cx="5450250" cy="4524315"/>
+            <a:ext cx="5450250" cy="4437561"/>
           </a:xfrm>
           <a:prstGeom prst="rect">
             <a:avLst/>
@@ -3113,38 +3113,14 @@
               <a:buChar char="v"/>
             </a:pPr>
             <a:r>
-              <a:rPr lang="en-US" b="1" dirty="0" smtClean="0">
+              <a:rPr lang="en-US" b="1" dirty="0">
                 <a:solidFill>
                   <a:srgbClr val="C00000"/>
                 </a:solidFill>
                 <a:latin typeface="Oxygen" panose="02000503000000000000" pitchFamily="2" charset="0"/>
               </a:rPr>
-              <a:t>IT, IoT </a:t>
-            </a:r>
-            <a:r>
-              <a:rPr lang="en-US" b="1" smtClean="0">
-                <a:solidFill>
-                  <a:srgbClr val="C00000"/>
-                </a:solidFill>
-                <a:latin typeface="Oxygen" panose="02000503000000000000" pitchFamily="2" charset="0"/>
-              </a:rPr>
-              <a:t>&amp; </a:t>
-            </a:r>
-            <a:r>
-              <a:rPr lang="en-US" b="1" smtClean="0">
-                <a:solidFill>
-                  <a:srgbClr val="C00000"/>
-                </a:solidFill>
-                <a:latin typeface="Oxygen" panose="02000503000000000000" pitchFamily="2" charset="0"/>
-              </a:rPr>
-              <a:t>AI</a:t>
-            </a:r>
-            <a:endParaRPr lang="en-US" b="1" dirty="0" smtClean="0">
-              <a:solidFill>
-                <a:srgbClr val="C00000"/>
-              </a:solidFill>
-              <a:latin typeface="Oxygen" panose="02000503000000000000" pitchFamily="2" charset="0"/>
-            </a:endParaRPr>
+              <a:t>IT/AI – Debasish Nath</a:t>
+            </a:r>
           </a:p>
           <a:p>
             <a:pPr marL="342900" indent="-342900">
@@ -3155,13 +3131,13 @@
               <a:buChar char="v"/>
             </a:pPr>
             <a:r>
-              <a:rPr lang="en-US" b="1" dirty="0" smtClean="0">
+              <a:rPr lang="en-US" b="1" dirty="0">
                 <a:solidFill>
                   <a:srgbClr val="C00000"/>
                 </a:solidFill>
                 <a:latin typeface="Oxygen" panose="02000503000000000000" pitchFamily="2" charset="0"/>
               </a:rPr>
-              <a:t>Commerce Stream</a:t>
+              <a:t>Commerce – Anupam Sen</a:t>
             </a:r>
           </a:p>
           <a:p>
@@ -3173,75 +3149,13 @@
               <a:buChar char="v"/>
             </a:pPr>
             <a:r>
-              <a:rPr lang="en-US" b="1" dirty="0" smtClean="0">
-                <a:solidFill>
-                  <a:srgbClr val="C00000"/>
-                </a:solidFill>
-                <a:latin typeface="Oxygen" panose="02000503000000000000" pitchFamily="2" charset="0"/>
-              </a:rPr>
-              <a:t>Job Ready </a:t>
-            </a:r>
-            <a:r>
               <a:rPr lang="en-US" b="1" dirty="0">
                 <a:solidFill>
                   <a:srgbClr val="C00000"/>
                 </a:solidFill>
                 <a:latin typeface="Oxygen" panose="02000503000000000000" pitchFamily="2" charset="0"/>
               </a:rPr>
-              <a:t>(</a:t>
-            </a:r>
-            <a:r>
-              <a:rPr lang="en-US" b="1" dirty="0" smtClean="0">
-                <a:solidFill>
-                  <a:srgbClr val="C00000"/>
-                </a:solidFill>
-                <a:latin typeface="Oxygen" panose="02000503000000000000" pitchFamily="2" charset="0"/>
-              </a:rPr>
-              <a:t>Sales, English, Tally, MS Office)</a:t>
-            </a:r>
-            <a:endParaRPr lang="en-AU" b="1" dirty="0" smtClean="0">
-              <a:solidFill>
-                <a:srgbClr val="C00000"/>
-              </a:solidFill>
-              <a:latin typeface="Oxygen" panose="02000503000000000000" pitchFamily="2" charset="0"/>
-            </a:endParaRPr>
-          </a:p>
-          <a:p>
-            <a:pPr marL="342900" indent="-342900">
-              <a:lnSpc>
-                <a:spcPct val="200000"/>
-              </a:lnSpc>
-              <a:buFont typeface="Wingdings" panose="05000000000000000000" pitchFamily="2" charset="2"/>
-              <a:buChar char="v"/>
-            </a:pPr>
-            <a:r>
-              <a:rPr lang="en-US" b="1" dirty="0">
-                <a:solidFill>
-                  <a:srgbClr val="C00000"/>
-                </a:solidFill>
-                <a:latin typeface="Oxygen" panose="02000503000000000000" pitchFamily="2" charset="0"/>
-              </a:rPr>
-              <a:t>Professional Courses &amp; Grooming</a:t>
-            </a:r>
-          </a:p>
-          <a:p>
-            <a:pPr marL="342900" indent="-342900">
-              <a:lnSpc>
-                <a:spcPct val="200000"/>
-              </a:lnSpc>
-              <a:buFont typeface="Wingdings" panose="05000000000000000000" pitchFamily="2" charset="2"/>
-              <a:buChar char="v"/>
-            </a:pPr>
-            <a:r>
-              <a:rPr lang="en-US" b="1" dirty="0" smtClean="0">
-                <a:solidFill>
-                  <a:schemeClr val="accent2">
-                    <a:lumMod val="75000"/>
-                  </a:schemeClr>
-                </a:solidFill>
-                <a:latin typeface="Oxygen" panose="02000503000000000000" pitchFamily="2" charset="0"/>
-              </a:rPr>
-              <a:t>IIT JEE &amp; NEET</a:t>
+              <a:t>Professional – TBD</a:t>
             </a:r>
           </a:p>
           <a:p>
@@ -3261,7 +3175,7 @@
                 </a:solidFill>
                 <a:latin typeface="Oxygen" panose="02000503000000000000" pitchFamily="2" charset="0"/>
               </a:rPr>
-              <a:t>VIII to XII Science &amp; Arts</a:t>
+              <a:t>NEET/IIT – Subrata Ghosh</a:t>
             </a:r>
           </a:p>
           <a:p>
@@ -3273,7 +3187,47 @@
               <a:buChar char="v"/>
             </a:pPr>
             <a:r>
-              <a:rPr lang="en-US" b="1" dirty="0" smtClean="0">
+              <a:rPr lang="en-US" b="1" dirty="0">
+                <a:solidFill>
+                  <a:schemeClr val="accent2">
+                    <a:lumMod val="75000"/>
+                  </a:schemeClr>
+                </a:solidFill>
+                <a:latin typeface="Oxygen" panose="02000503000000000000" pitchFamily="2" charset="0"/>
+              </a:rPr>
+              <a:t>VIII to XII Science – Sujata</a:t>
+            </a:r>
+          </a:p>
+          <a:p>
+            <a:pPr marL="342900" indent="-342900">
+              <a:lnSpc>
+                <a:spcPct val="200000"/>
+              </a:lnSpc>
+              <a:buFont typeface="Wingdings" panose="05000000000000000000" pitchFamily="2" charset="2"/>
+              <a:buChar char="v"/>
+            </a:pPr>
+            <a:r>
+              <a:rPr lang="en-US" b="1" dirty="0">
+                <a:solidFill>
+                  <a:schemeClr val="accent2">
+                    <a:lumMod val="75000"/>
+                  </a:schemeClr>
+                </a:solidFill>
+                <a:latin typeface="Oxygen" panose="02000503000000000000" pitchFamily="2" charset="0"/>
+              </a:rPr>
+              <a:t>VIII to XII Arts – TBD</a:t>
+            </a:r>
+          </a:p>
+          <a:p>
+            <a:pPr marL="342900" indent="-342900">
+              <a:lnSpc>
+                <a:spcPct val="200000"/>
+              </a:lnSpc>
+              <a:buFont typeface="Wingdings" panose="05000000000000000000" pitchFamily="2" charset="2"/>
+              <a:buChar char="v"/>
+            </a:pPr>
+            <a:r>
+              <a:rPr lang="en-US" b="1" dirty="0">
                 <a:solidFill>
                   <a:schemeClr val="bg1">
                     <a:lumMod val="50000"/>
@@ -3293,7 +3247,7 @@
               <a:buChar char="v"/>
             </a:pPr>
             <a:r>
-              <a:rPr lang="en-US" b="1" dirty="0" smtClean="0">
+              <a:rPr lang="en-US" b="1" dirty="0">
                 <a:solidFill>
                   <a:schemeClr val="bg1">
                     <a:lumMod val="50000"/>
@@ -3335,7 +3289,7 @@
           <p:cNvPr id="19" name="Rectangle 18">
             <a:extLst>
               <a:ext uri="{FF2B5EF4-FFF2-40B4-BE49-F238E27FC236}">
-                <a16:creationId xmlns:a16="http://schemas.microsoft.com/office/drawing/2014/main" xmlns="" id="{907BEB2A-D93E-46CB-95DF-04E16F0D1C0C}"/>
+                <a16:creationId xmlns:a16="http://schemas.microsoft.com/office/drawing/2014/main" id="{907BEB2A-D93E-46CB-95DF-04E16F0D1C0C}"/>
               </a:ext>
             </a:extLst>
           </p:cNvPr>
@@ -3415,13 +3369,6 @@
   <p:clrMapOvr>
     <a:masterClrMapping/>
   </p:clrMapOvr>
-  <p:timing>
-    <p:tnLst>
-      <p:par>
-        <p:cTn id="1" dur="indefinite" restart="never" nodeType="tmRoot"/>
-      </p:par>
-    </p:tnLst>
-  </p:timing>
 </p:sld>
 </file>
 
@@ -3496,7 +3443,7 @@
           <a:p>
             <a:pPr algn="ctr"/>
             <a:r>
-              <a:rPr lang="en-US" sz="1100" b="1" dirty="0" smtClean="0">
+              <a:rPr lang="en-US" sz="1100" b="1" dirty="0">
                 <a:solidFill>
                   <a:srgbClr val="FF8C52"/>
                 </a:solidFill>
@@ -3537,7 +3484,7 @@
           <a:p>
             <a:pPr algn="ctr"/>
             <a:r>
-              <a:rPr lang="en-US" sz="3200" b="1" dirty="0" smtClean="0">
+              <a:rPr lang="en-US" sz="3200" b="1" dirty="0">
                 <a:solidFill>
                   <a:srgbClr val="FF8C52"/>
                 </a:solidFill>
@@ -3583,7 +3530,7 @@
           <p:cNvPr id="12" name="Rectangle 11">
             <a:extLst>
               <a:ext uri="{FF2B5EF4-FFF2-40B4-BE49-F238E27FC236}">
-                <a16:creationId xmlns:a16="http://schemas.microsoft.com/office/drawing/2014/main" xmlns="" id="{907BEB2A-D93E-46CB-95DF-04E16F0D1C0C}"/>
+                <a16:creationId xmlns:a16="http://schemas.microsoft.com/office/drawing/2014/main" id="{907BEB2A-D93E-46CB-95DF-04E16F0D1C0C}"/>
               </a:ext>
             </a:extLst>
           </p:cNvPr>
@@ -3683,7 +3630,7 @@
               <a:buChar char="v"/>
             </a:pPr>
             <a:r>
-              <a:rPr lang="en-US" b="1" dirty="0" smtClean="0">
+              <a:rPr lang="en-US" b="1" dirty="0">
                 <a:solidFill>
                   <a:srgbClr val="C00000"/>
                 </a:solidFill>
@@ -3701,7 +3648,7 @@
               <a:buChar char="v"/>
             </a:pPr>
             <a:r>
-              <a:rPr lang="en-US" b="1" dirty="0" smtClean="0">
+              <a:rPr lang="en-US" b="1" dirty="0">
                 <a:solidFill>
                   <a:srgbClr val="C00000"/>
                 </a:solidFill>
@@ -3719,31 +3666,13 @@
               <a:buChar char="v"/>
             </a:pPr>
             <a:r>
-              <a:rPr lang="en-US" b="1" dirty="0" smtClean="0">
-                <a:solidFill>
-                  <a:srgbClr val="C00000"/>
-                </a:solidFill>
-                <a:latin typeface="Oxygen" panose="02000503000000000000" pitchFamily="2" charset="0"/>
-              </a:rPr>
-              <a:t>Procure Syllabus / Design </a:t>
-            </a:r>
-            <a:r>
               <a:rPr lang="en-US" b="1" dirty="0">
                 <a:solidFill>
                   <a:srgbClr val="C00000"/>
                 </a:solidFill>
                 <a:latin typeface="Oxygen" panose="02000503000000000000" pitchFamily="2" charset="0"/>
               </a:rPr>
-              <a:t>C</a:t>
-            </a:r>
-            <a:r>
-              <a:rPr lang="en-US" b="1" dirty="0" smtClean="0">
-                <a:solidFill>
-                  <a:srgbClr val="C00000"/>
-                </a:solidFill>
-                <a:latin typeface="Oxygen" panose="02000503000000000000" pitchFamily="2" charset="0"/>
-              </a:rPr>
-              <a:t>urriculum</a:t>
+              <a:t>Procure Syllabus / Design Curriculum</a:t>
             </a:r>
           </a:p>
           <a:p>
@@ -3755,7 +3684,7 @@
               <a:buChar char="v"/>
             </a:pPr>
             <a:r>
-              <a:rPr lang="en-US" b="1" dirty="0" smtClean="0">
+              <a:rPr lang="en-US" b="1" dirty="0">
                 <a:solidFill>
                   <a:srgbClr val="C00000"/>
                 </a:solidFill>
@@ -3773,7 +3702,7 @@
               <a:buChar char="v"/>
             </a:pPr>
             <a:r>
-              <a:rPr lang="en-US" b="1" dirty="0" smtClean="0">
+              <a:rPr lang="en-US" b="1" dirty="0">
                 <a:solidFill>
                   <a:srgbClr val="C00000"/>
                 </a:solidFill>
@@ -3791,7 +3720,7 @@
               <a:buChar char="v"/>
             </a:pPr>
             <a:r>
-              <a:rPr lang="en-US" b="1" dirty="0" smtClean="0">
+              <a:rPr lang="en-US" b="1" dirty="0">
                 <a:solidFill>
                   <a:srgbClr val="C00000"/>
                 </a:solidFill>
@@ -3809,7 +3738,7 @@
               <a:buChar char="v"/>
             </a:pPr>
             <a:r>
-              <a:rPr lang="en-US" b="1" dirty="0" smtClean="0">
+              <a:rPr lang="en-US" b="1" dirty="0">
                 <a:solidFill>
                   <a:srgbClr val="C00000"/>
                 </a:solidFill>
@@ -3836,13 +3765,6 @@
   <p:clrMapOvr>
     <a:masterClrMapping/>
   </p:clrMapOvr>
-  <p:timing>
-    <p:tnLst>
-      <p:par>
-        <p:cTn id="1" dur="indefinite" restart="never" nodeType="tmRoot"/>
-      </p:par>
-    </p:tnLst>
-  </p:timing>
 </p:sld>
 </file>
 
@@ -3917,7 +3839,7 @@
           <a:p>
             <a:pPr algn="ctr"/>
             <a:r>
-              <a:rPr lang="en-US" sz="1100" b="1" dirty="0" smtClean="0">
+              <a:rPr lang="en-US" sz="1100" b="1" dirty="0">
                 <a:solidFill>
                   <a:srgbClr val="FF8C52"/>
                 </a:solidFill>
@@ -3958,7 +3880,7 @@
           <a:p>
             <a:pPr algn="ctr"/>
             <a:r>
-              <a:rPr lang="en-US" sz="3200" b="1" dirty="0" smtClean="0">
+              <a:rPr lang="en-US" sz="3200" b="1" dirty="0">
                 <a:solidFill>
                   <a:srgbClr val="FF8C52"/>
                 </a:solidFill>
@@ -4004,7 +3926,7 @@
           <p:cNvPr id="12" name="Rectangle 11">
             <a:extLst>
               <a:ext uri="{FF2B5EF4-FFF2-40B4-BE49-F238E27FC236}">
-                <a16:creationId xmlns:a16="http://schemas.microsoft.com/office/drawing/2014/main" xmlns="" id="{907BEB2A-D93E-46CB-95DF-04E16F0D1C0C}"/>
+                <a16:creationId xmlns:a16="http://schemas.microsoft.com/office/drawing/2014/main" id="{907BEB2A-D93E-46CB-95DF-04E16F0D1C0C}"/>
               </a:ext>
             </a:extLst>
           </p:cNvPr>
@@ -4083,7 +4005,7 @@
         <p:spPr>
           <a:xfrm>
             <a:off x="4479555" y="1547213"/>
-            <a:ext cx="6877293" cy="4031873"/>
+            <a:ext cx="6877293" cy="4447179"/>
           </a:xfrm>
           <a:prstGeom prst="rect">
             <a:avLst/>
@@ -4104,7 +4026,7 @@
               <a:buAutoNum type="arabicPeriod"/>
             </a:pPr>
             <a:r>
-              <a:rPr lang="en-US" sz="1600" b="1" dirty="0" smtClean="0">
+              <a:rPr lang="en-US" sz="1600" b="1" dirty="0">
                 <a:solidFill>
                   <a:srgbClr val="C00000"/>
                 </a:solidFill>
@@ -4122,7 +4044,7 @@
               <a:buAutoNum type="arabicPeriod"/>
             </a:pPr>
             <a:r>
-              <a:rPr lang="en-US" sz="1600" b="1" dirty="0" smtClean="0">
+              <a:rPr lang="en-US" sz="1600" b="1" dirty="0">
                 <a:solidFill>
                   <a:srgbClr val="C00000"/>
                 </a:solidFill>
@@ -4140,31 +4062,13 @@
               <a:buAutoNum type="arabicPeriod"/>
             </a:pPr>
             <a:r>
-              <a:rPr lang="en-US" sz="1600" b="1" dirty="0" smtClean="0">
-                <a:solidFill>
-                  <a:srgbClr val="C00000"/>
-                </a:solidFill>
-                <a:latin typeface="Oxygen" panose="02000503000000000000" pitchFamily="2" charset="0"/>
-              </a:rPr>
-              <a:t>Collect Complete Data &amp; Create </a:t>
-            </a:r>
-            <a:r>
               <a:rPr lang="en-US" sz="1600" b="1" dirty="0">
                 <a:solidFill>
                   <a:srgbClr val="C00000"/>
                 </a:solidFill>
                 <a:latin typeface="Oxygen" panose="02000503000000000000" pitchFamily="2" charset="0"/>
               </a:rPr>
-              <a:t>Profile </a:t>
-            </a:r>
-            <a:r>
-              <a:rPr lang="en-US" sz="1600" b="1" dirty="0" smtClean="0">
-                <a:solidFill>
-                  <a:srgbClr val="C00000"/>
-                </a:solidFill>
-                <a:latin typeface="Oxygen" panose="02000503000000000000" pitchFamily="2" charset="0"/>
-              </a:rPr>
-              <a:t>(.pptx, .xlsx)</a:t>
+              <a:t>Collect Complete Data &amp; Create Profile (.pptx, .xlsx)</a:t>
             </a:r>
           </a:p>
           <a:p>
@@ -4194,38 +4098,14 @@
               <a:buAutoNum type="arabicPeriod"/>
             </a:pPr>
             <a:r>
-              <a:rPr lang="en-US" sz="1600" b="1" dirty="0" smtClean="0">
-                <a:solidFill>
-                  <a:srgbClr val="C00000"/>
-                </a:solidFill>
-                <a:latin typeface="Oxygen" panose="02000503000000000000" pitchFamily="2" charset="0"/>
-              </a:rPr>
-              <a:t>Fix </a:t>
-            </a:r>
-            <a:r>
               <a:rPr lang="en-US" sz="1600" b="1" dirty="0">
                 <a:solidFill>
                   <a:srgbClr val="C00000"/>
                 </a:solidFill>
                 <a:latin typeface="Oxygen" panose="02000503000000000000" pitchFamily="2" charset="0"/>
               </a:rPr>
-              <a:t>Class </a:t>
-            </a:r>
-            <a:r>
-              <a:rPr lang="en-US" sz="1600" b="1" dirty="0" smtClean="0">
-                <a:solidFill>
-                  <a:srgbClr val="C00000"/>
-                </a:solidFill>
-                <a:latin typeface="Oxygen" panose="02000503000000000000" pitchFamily="2" charset="0"/>
-              </a:rPr>
-              <a:t>Duration, Frequency, Day of Week &amp; Timing</a:t>
-            </a:r>
-            <a:endParaRPr lang="en-US" sz="1600" b="1" dirty="0">
-              <a:solidFill>
-                <a:srgbClr val="C00000"/>
-              </a:solidFill>
-              <a:latin typeface="Oxygen" panose="02000503000000000000" pitchFamily="2" charset="0"/>
-            </a:endParaRPr>
+              <a:t>Ensure Module Readiness &amp; Finalize Module Royalty</a:t>
+            </a:r>
           </a:p>
           <a:p>
             <a:pPr marL="342900" indent="-342900">
@@ -4242,23 +4122,8 @@
                 </a:solidFill>
                 <a:latin typeface="Oxygen" panose="02000503000000000000" pitchFamily="2" charset="0"/>
               </a:rPr>
-              <a:t>Fix Class Start </a:t>
-            </a:r>
-            <a:r>
-              <a:rPr lang="en-US" sz="1600" b="1" dirty="0" smtClean="0">
-                <a:solidFill>
-                  <a:srgbClr val="C00000"/>
-                </a:solidFill>
-                <a:latin typeface="Oxygen" panose="02000503000000000000" pitchFamily="2" charset="0"/>
-              </a:rPr>
-              <a:t>Date &amp; Book a Class Room with Adequate Facilities</a:t>
-            </a:r>
-            <a:endParaRPr lang="en-US" sz="1600" b="1" dirty="0">
-              <a:solidFill>
-                <a:srgbClr val="C00000"/>
-              </a:solidFill>
-              <a:latin typeface="Oxygen" panose="02000503000000000000" pitchFamily="2" charset="0"/>
-            </a:endParaRPr>
+              <a:t>Fix Class Duration, Frequency, Day of Week &amp; Timing</a:t>
+            </a:r>
           </a:p>
           <a:p>
             <a:pPr marL="342900" indent="-342900">
@@ -4269,13 +4134,13 @@
               <a:buAutoNum type="arabicPeriod"/>
             </a:pPr>
             <a:r>
-              <a:rPr lang="en-US" sz="1600" b="1" dirty="0" smtClean="0">
+              <a:rPr lang="en-US" sz="1600" b="1" dirty="0">
                 <a:solidFill>
                   <a:srgbClr val="C00000"/>
                 </a:solidFill>
                 <a:latin typeface="Oxygen" panose="02000503000000000000" pitchFamily="2" charset="0"/>
               </a:rPr>
-              <a:t>Create Online/Offline Ads &amp; Get Faculty &amp; Management Approval</a:t>
+              <a:t>Fix Class Start Date &amp; Book a Class Room with Adequate Facilities</a:t>
             </a:r>
           </a:p>
           <a:p>
@@ -4293,16 +4158,25 @@
                 </a:solidFill>
                 <a:latin typeface="Oxygen" panose="02000503000000000000" pitchFamily="2" charset="0"/>
               </a:rPr>
-              <a:t>Start </a:t>
-            </a:r>
-            <a:r>
-              <a:rPr lang="en-US" sz="1600" b="1" dirty="0" smtClean="0">
+              <a:t>Create Online/Offline Ads &amp; Get Faculty &amp; Management Approval</a:t>
+            </a:r>
+          </a:p>
+          <a:p>
+            <a:pPr marL="342900" indent="-342900">
+              <a:lnSpc>
+                <a:spcPct val="200000"/>
+              </a:lnSpc>
+              <a:buFont typeface="+mj-lt"/>
+              <a:buAutoNum type="arabicPeriod"/>
+            </a:pPr>
+            <a:r>
+              <a:rPr lang="en-US" sz="1600" b="1" dirty="0">
                 <a:solidFill>
                   <a:srgbClr val="C00000"/>
                 </a:solidFill>
                 <a:latin typeface="Oxygen" panose="02000503000000000000" pitchFamily="2" charset="0"/>
               </a:rPr>
-              <a:t>Marketing: Online /Offline</a:t>
+              <a:t>Start Marketing: Online /Offline</a:t>
             </a:r>
           </a:p>
         </p:txBody>
@@ -4317,13 +4191,6 @@
   <p:clrMapOvr>
     <a:masterClrMapping/>
   </p:clrMapOvr>
-  <p:timing>
-    <p:tnLst>
-      <p:par>
-        <p:cTn id="1" dur="indefinite" restart="never" nodeType="tmRoot"/>
-      </p:par>
-    </p:tnLst>
-  </p:timing>
 </p:sld>
 </file>
 

--- a/Offline/BusinessManagement/AnodiamManagmentMasterPlan.pptx
+++ b/Offline/BusinessManagement/AnodiamManagmentMasterPlan.pptx
@@ -2,20 +2,20 @@
 <file path=ppt/presentation.xml><?xml version="1.0" encoding="utf-8"?>
 <p:presentation xmlns:a="http://schemas.openxmlformats.org/drawingml/2006/main" xmlns:r="http://schemas.openxmlformats.org/officeDocument/2006/relationships" xmlns:p="http://schemas.openxmlformats.org/presentationml/2006/main" saveSubsetFonts="1">
   <p:sldMasterIdLst>
-    <p:sldMasterId id="2147483648" r:id="rId1"/>
+    <p:sldMasterId id="2147483660" r:id="rId1"/>
   </p:sldMasterIdLst>
   <p:sldIdLst>
     <p:sldId id="256" r:id="rId2"/>
     <p:sldId id="257" r:id="rId3"/>
     <p:sldId id="258" r:id="rId4"/>
   </p:sldIdLst>
-  <p:sldSz cx="12192000" cy="6858000"/>
+  <p:sldSz cx="9906000" cy="6858000" type="A4"/>
   <p:notesSz cx="6858000" cy="9144000"/>
   <p:defaultTextStyle>
     <a:defPPr>
       <a:defRPr lang="en-US"/>
     </a:defPPr>
-    <a:lvl1pPr marL="0" algn="l" defTabSz="914400" rtl="0" eaLnBrk="1" latinLnBrk="0" hangingPunct="1">
+    <a:lvl1pPr marL="0" algn="l" defTabSz="457200" rtl="0" eaLnBrk="1" latinLnBrk="0" hangingPunct="1">
       <a:defRPr sz="1800" kern="1200">
         <a:solidFill>
           <a:schemeClr val="tx1"/>
@@ -25,7 +25,7 @@
         <a:cs typeface="+mn-cs"/>
       </a:defRPr>
     </a:lvl1pPr>
-    <a:lvl2pPr marL="457200" algn="l" defTabSz="914400" rtl="0" eaLnBrk="1" latinLnBrk="0" hangingPunct="1">
+    <a:lvl2pPr marL="457200" algn="l" defTabSz="457200" rtl="0" eaLnBrk="1" latinLnBrk="0" hangingPunct="1">
       <a:defRPr sz="1800" kern="1200">
         <a:solidFill>
           <a:schemeClr val="tx1"/>
@@ -35,7 +35,7 @@
         <a:cs typeface="+mn-cs"/>
       </a:defRPr>
     </a:lvl2pPr>
-    <a:lvl3pPr marL="914400" algn="l" defTabSz="914400" rtl="0" eaLnBrk="1" latinLnBrk="0" hangingPunct="1">
+    <a:lvl3pPr marL="914400" algn="l" defTabSz="457200" rtl="0" eaLnBrk="1" latinLnBrk="0" hangingPunct="1">
       <a:defRPr sz="1800" kern="1200">
         <a:solidFill>
           <a:schemeClr val="tx1"/>
@@ -45,7 +45,7 @@
         <a:cs typeface="+mn-cs"/>
       </a:defRPr>
     </a:lvl3pPr>
-    <a:lvl4pPr marL="1371600" algn="l" defTabSz="914400" rtl="0" eaLnBrk="1" latinLnBrk="0" hangingPunct="1">
+    <a:lvl4pPr marL="1371600" algn="l" defTabSz="457200" rtl="0" eaLnBrk="1" latinLnBrk="0" hangingPunct="1">
       <a:defRPr sz="1800" kern="1200">
         <a:solidFill>
           <a:schemeClr val="tx1"/>
@@ -55,7 +55,7 @@
         <a:cs typeface="+mn-cs"/>
       </a:defRPr>
     </a:lvl4pPr>
-    <a:lvl5pPr marL="1828800" algn="l" defTabSz="914400" rtl="0" eaLnBrk="1" latinLnBrk="0" hangingPunct="1">
+    <a:lvl5pPr marL="1828800" algn="l" defTabSz="457200" rtl="0" eaLnBrk="1" latinLnBrk="0" hangingPunct="1">
       <a:defRPr sz="1800" kern="1200">
         <a:solidFill>
           <a:schemeClr val="tx1"/>
@@ -65,7 +65,7 @@
         <a:cs typeface="+mn-cs"/>
       </a:defRPr>
     </a:lvl5pPr>
-    <a:lvl6pPr marL="2286000" algn="l" defTabSz="914400" rtl="0" eaLnBrk="1" latinLnBrk="0" hangingPunct="1">
+    <a:lvl6pPr marL="2286000" algn="l" defTabSz="457200" rtl="0" eaLnBrk="1" latinLnBrk="0" hangingPunct="1">
       <a:defRPr sz="1800" kern="1200">
         <a:solidFill>
           <a:schemeClr val="tx1"/>
@@ -75,7 +75,7 @@
         <a:cs typeface="+mn-cs"/>
       </a:defRPr>
     </a:lvl6pPr>
-    <a:lvl7pPr marL="2743200" algn="l" defTabSz="914400" rtl="0" eaLnBrk="1" latinLnBrk="0" hangingPunct="1">
+    <a:lvl7pPr marL="2743200" algn="l" defTabSz="457200" rtl="0" eaLnBrk="1" latinLnBrk="0" hangingPunct="1">
       <a:defRPr sz="1800" kern="1200">
         <a:solidFill>
           <a:schemeClr val="tx1"/>
@@ -85,7 +85,7 @@
         <a:cs typeface="+mn-cs"/>
       </a:defRPr>
     </a:lvl7pPr>
-    <a:lvl8pPr marL="3200400" algn="l" defTabSz="914400" rtl="0" eaLnBrk="1" latinLnBrk="0" hangingPunct="1">
+    <a:lvl8pPr marL="3200400" algn="l" defTabSz="457200" rtl="0" eaLnBrk="1" latinLnBrk="0" hangingPunct="1">
       <a:defRPr sz="1800" kern="1200">
         <a:solidFill>
           <a:schemeClr val="tx1"/>
@@ -95,7 +95,7 @@
         <a:cs typeface="+mn-cs"/>
       </a:defRPr>
     </a:lvl8pPr>
-    <a:lvl9pPr marL="3657600" algn="l" defTabSz="914400" rtl="0" eaLnBrk="1" latinLnBrk="0" hangingPunct="1">
+    <a:lvl9pPr marL="3657600" algn="l" defTabSz="457200" rtl="0" eaLnBrk="1" latinLnBrk="0" hangingPunct="1">
       <a:defRPr sz="1800" kern="1200">
         <a:solidFill>
           <a:schemeClr val="tx1"/>
@@ -143,8 +143,8 @@
         </p:nvSpPr>
         <p:spPr>
           <a:xfrm>
-            <a:off x="1524000" y="1122363"/>
-            <a:ext cx="9144000" cy="2387600"/>
+            <a:off x="742950" y="1122363"/>
+            <a:ext cx="8420100" cy="2387600"/>
           </a:xfrm>
         </p:spPr>
         <p:txBody>
@@ -159,7 +159,7 @@
               <a:rPr lang="en-US"/>
               <a:t>Click to edit Master title style</a:t>
             </a:r>
-            <a:endParaRPr lang="en-AU"/>
+            <a:endParaRPr lang="en-US" dirty="0"/>
           </a:p>
         </p:txBody>
       </p:sp>
@@ -175,8 +175,8 @@
         </p:nvSpPr>
         <p:spPr>
           <a:xfrm>
-            <a:off x="1524000" y="3602038"/>
-            <a:ext cx="9144000" cy="1655762"/>
+            <a:off x="1238250" y="3602038"/>
+            <a:ext cx="7429500" cy="1655762"/>
           </a:xfrm>
         </p:spPr>
         <p:txBody>
@@ -224,7 +224,7 @@
               <a:rPr lang="en-US"/>
               <a:t>Click to edit Master subtitle style</a:t>
             </a:r>
-            <a:endParaRPr lang="en-AU"/>
+            <a:endParaRPr lang="en-US" dirty="0"/>
           </a:p>
         </p:txBody>
       </p:sp>
@@ -296,7 +296,7 @@
     </p:spTree>
     <p:extLst>
       <p:ext uri="{BB962C8B-B14F-4D97-AF65-F5344CB8AC3E}">
-        <p14:creationId xmlns:p14="http://schemas.microsoft.com/office/powerpoint/2010/main" val="1345699745"/>
+        <p14:creationId xmlns:p14="http://schemas.microsoft.com/office/powerpoint/2010/main" val="2410613854"/>
       </p:ext>
     </p:extLst>
   </p:cSld>
@@ -342,7 +342,7 @@
               <a:rPr lang="en-US"/>
               <a:t>Click to edit Master title style</a:t>
             </a:r>
-            <a:endParaRPr lang="en-AU"/>
+            <a:endParaRPr lang="en-US" dirty="0"/>
           </a:p>
         </p:txBody>
       </p:sp>
@@ -394,7 +394,7 @@
               <a:rPr lang="en-US"/>
               <a:t>Fifth level</a:t>
             </a:r>
-            <a:endParaRPr lang="en-AU"/>
+            <a:endParaRPr lang="en-US" dirty="0"/>
           </a:p>
         </p:txBody>
       </p:sp>
@@ -466,7 +466,7 @@
     </p:spTree>
     <p:extLst>
       <p:ext uri="{BB962C8B-B14F-4D97-AF65-F5344CB8AC3E}">
-        <p14:creationId xmlns:p14="http://schemas.microsoft.com/office/powerpoint/2010/main" val="2326647703"/>
+        <p14:creationId xmlns:p14="http://schemas.microsoft.com/office/powerpoint/2010/main" val="3632945130"/>
       </p:ext>
     </p:extLst>
   </p:cSld>
@@ -505,8 +505,8 @@
         </p:nvSpPr>
         <p:spPr>
           <a:xfrm>
-            <a:off x="8724900" y="365125"/>
-            <a:ext cx="2628900" cy="5811838"/>
+            <a:off x="7088982" y="365125"/>
+            <a:ext cx="2135981" cy="5811838"/>
           </a:xfrm>
         </p:spPr>
         <p:txBody>
@@ -517,7 +517,7 @@
               <a:rPr lang="en-US"/>
               <a:t>Click to edit Master title style</a:t>
             </a:r>
-            <a:endParaRPr lang="en-AU"/>
+            <a:endParaRPr lang="en-US" dirty="0"/>
           </a:p>
         </p:txBody>
       </p:sp>
@@ -533,8 +533,8 @@
         </p:nvSpPr>
         <p:spPr>
           <a:xfrm>
-            <a:off x="838200" y="365125"/>
-            <a:ext cx="7734300" cy="5811838"/>
+            <a:off x="681038" y="365125"/>
+            <a:ext cx="6284119" cy="5811838"/>
           </a:xfrm>
         </p:spPr>
         <p:txBody>
@@ -574,7 +574,7 @@
               <a:rPr lang="en-US"/>
               <a:t>Fifth level</a:t>
             </a:r>
-            <a:endParaRPr lang="en-AU"/>
+            <a:endParaRPr lang="en-US" dirty="0"/>
           </a:p>
         </p:txBody>
       </p:sp>
@@ -646,7 +646,7 @@
     </p:spTree>
     <p:extLst>
       <p:ext uri="{BB962C8B-B14F-4D97-AF65-F5344CB8AC3E}">
-        <p14:creationId xmlns:p14="http://schemas.microsoft.com/office/powerpoint/2010/main" val="1495008016"/>
+        <p14:creationId xmlns:p14="http://schemas.microsoft.com/office/powerpoint/2010/main" val="304636854"/>
       </p:ext>
     </p:extLst>
   </p:cSld>
@@ -692,7 +692,7 @@
               <a:rPr lang="en-US"/>
               <a:t>Click to edit Master title style</a:t>
             </a:r>
-            <a:endParaRPr lang="en-AU"/>
+            <a:endParaRPr lang="en-US" dirty="0"/>
           </a:p>
         </p:txBody>
       </p:sp>
@@ -744,7 +744,7 @@
               <a:rPr lang="en-US"/>
               <a:t>Fifth level</a:t>
             </a:r>
-            <a:endParaRPr lang="en-AU"/>
+            <a:endParaRPr lang="en-US" dirty="0"/>
           </a:p>
         </p:txBody>
       </p:sp>
@@ -816,7 +816,7 @@
     </p:spTree>
     <p:extLst>
       <p:ext uri="{BB962C8B-B14F-4D97-AF65-F5344CB8AC3E}">
-        <p14:creationId xmlns:p14="http://schemas.microsoft.com/office/powerpoint/2010/main" val="2681193267"/>
+        <p14:creationId xmlns:p14="http://schemas.microsoft.com/office/powerpoint/2010/main" val="1780155547"/>
       </p:ext>
     </p:extLst>
   </p:cSld>
@@ -855,8 +855,8 @@
         </p:nvSpPr>
         <p:spPr>
           <a:xfrm>
-            <a:off x="831850" y="1709738"/>
-            <a:ext cx="10515600" cy="2852737"/>
+            <a:off x="675879" y="1709740"/>
+            <a:ext cx="8543925" cy="2852737"/>
           </a:xfrm>
         </p:spPr>
         <p:txBody>
@@ -871,7 +871,7 @@
               <a:rPr lang="en-US"/>
               <a:t>Click to edit Master title style</a:t>
             </a:r>
-            <a:endParaRPr lang="en-AU"/>
+            <a:endParaRPr lang="en-US" dirty="0"/>
           </a:p>
         </p:txBody>
       </p:sp>
@@ -887,8 +887,8 @@
         </p:nvSpPr>
         <p:spPr>
           <a:xfrm>
-            <a:off x="831850" y="4589463"/>
-            <a:ext cx="10515600" cy="1500187"/>
+            <a:off x="675879" y="4589465"/>
+            <a:ext cx="8543925" cy="1500187"/>
           </a:xfrm>
         </p:spPr>
         <p:txBody>
@@ -898,9 +898,7 @@
               <a:buNone/>
               <a:defRPr sz="2400">
                 <a:solidFill>
-                  <a:schemeClr val="tx1">
-                    <a:tint val="75000"/>
-                  </a:schemeClr>
+                  <a:schemeClr val="tx1"/>
                 </a:solidFill>
               </a:defRPr>
             </a:lvl1pPr>
@@ -1062,7 +1060,7 @@
     </p:spTree>
     <p:extLst>
       <p:ext uri="{BB962C8B-B14F-4D97-AF65-F5344CB8AC3E}">
-        <p14:creationId xmlns:p14="http://schemas.microsoft.com/office/powerpoint/2010/main" val="1304305453"/>
+        <p14:creationId xmlns:p14="http://schemas.microsoft.com/office/powerpoint/2010/main" val="743527914"/>
       </p:ext>
     </p:extLst>
   </p:cSld>
@@ -1108,7 +1106,7 @@
               <a:rPr lang="en-US"/>
               <a:t>Click to edit Master title style</a:t>
             </a:r>
-            <a:endParaRPr lang="en-AU"/>
+            <a:endParaRPr lang="en-US" dirty="0"/>
           </a:p>
         </p:txBody>
       </p:sp>
@@ -1124,8 +1122,8 @@
         </p:nvSpPr>
         <p:spPr>
           <a:xfrm>
-            <a:off x="838200" y="1825625"/>
-            <a:ext cx="5181600" cy="4351338"/>
+            <a:off x="681038" y="1825625"/>
+            <a:ext cx="4210050" cy="4351338"/>
           </a:xfrm>
         </p:spPr>
         <p:txBody>
@@ -1165,7 +1163,7 @@
               <a:rPr lang="en-US"/>
               <a:t>Fifth level</a:t>
             </a:r>
-            <a:endParaRPr lang="en-AU"/>
+            <a:endParaRPr lang="en-US" dirty="0"/>
           </a:p>
         </p:txBody>
       </p:sp>
@@ -1181,8 +1179,8 @@
         </p:nvSpPr>
         <p:spPr>
           <a:xfrm>
-            <a:off x="6172200" y="1825625"/>
-            <a:ext cx="5181600" cy="4351338"/>
+            <a:off x="5014913" y="1825625"/>
+            <a:ext cx="4210050" cy="4351338"/>
           </a:xfrm>
         </p:spPr>
         <p:txBody>
@@ -1222,7 +1220,7 @@
               <a:rPr lang="en-US"/>
               <a:t>Fifth level</a:t>
             </a:r>
-            <a:endParaRPr lang="en-AU"/>
+            <a:endParaRPr lang="en-US" dirty="0"/>
           </a:p>
         </p:txBody>
       </p:sp>
@@ -1294,7 +1292,7 @@
     </p:spTree>
     <p:extLst>
       <p:ext uri="{BB962C8B-B14F-4D97-AF65-F5344CB8AC3E}">
-        <p14:creationId xmlns:p14="http://schemas.microsoft.com/office/powerpoint/2010/main" val="3429074911"/>
+        <p14:creationId xmlns:p14="http://schemas.microsoft.com/office/powerpoint/2010/main" val="1125778029"/>
       </p:ext>
     </p:extLst>
   </p:cSld>
@@ -1333,8 +1331,8 @@
         </p:nvSpPr>
         <p:spPr>
           <a:xfrm>
-            <a:off x="839788" y="365125"/>
-            <a:ext cx="10515600" cy="1325563"/>
+            <a:off x="682328" y="365127"/>
+            <a:ext cx="8543925" cy="1325563"/>
           </a:xfrm>
         </p:spPr>
         <p:txBody>
@@ -1345,7 +1343,7 @@
               <a:rPr lang="en-US"/>
               <a:t>Click to edit Master title style</a:t>
             </a:r>
-            <a:endParaRPr lang="en-AU"/>
+            <a:endParaRPr lang="en-US" dirty="0"/>
           </a:p>
         </p:txBody>
       </p:sp>
@@ -1361,8 +1359,8 @@
         </p:nvSpPr>
         <p:spPr>
           <a:xfrm>
-            <a:off x="839788" y="1681163"/>
-            <a:ext cx="5157787" cy="823912"/>
+            <a:off x="682329" y="1681163"/>
+            <a:ext cx="4190702" cy="823912"/>
           </a:xfrm>
         </p:spPr>
         <p:txBody>
@@ -1426,8 +1424,8 @@
         </p:nvSpPr>
         <p:spPr>
           <a:xfrm>
-            <a:off x="839788" y="2505075"/>
-            <a:ext cx="5157787" cy="3684588"/>
+            <a:off x="682329" y="2505075"/>
+            <a:ext cx="4190702" cy="3684588"/>
           </a:xfrm>
         </p:spPr>
         <p:txBody>
@@ -1467,7 +1465,7 @@
               <a:rPr lang="en-US"/>
               <a:t>Fifth level</a:t>
             </a:r>
-            <a:endParaRPr lang="en-AU"/>
+            <a:endParaRPr lang="en-US" dirty="0"/>
           </a:p>
         </p:txBody>
       </p:sp>
@@ -1483,8 +1481,8 @@
         </p:nvSpPr>
         <p:spPr>
           <a:xfrm>
-            <a:off x="6172200" y="1681163"/>
-            <a:ext cx="5183188" cy="823912"/>
+            <a:off x="5014913" y="1681163"/>
+            <a:ext cx="4211340" cy="823912"/>
           </a:xfrm>
         </p:spPr>
         <p:txBody>
@@ -1548,8 +1546,8 @@
         </p:nvSpPr>
         <p:spPr>
           <a:xfrm>
-            <a:off x="6172200" y="2505075"/>
-            <a:ext cx="5183188" cy="3684588"/>
+            <a:off x="5014913" y="2505075"/>
+            <a:ext cx="4211340" cy="3684588"/>
           </a:xfrm>
         </p:spPr>
         <p:txBody>
@@ -1589,7 +1587,7 @@
               <a:rPr lang="en-US"/>
               <a:t>Fifth level</a:t>
             </a:r>
-            <a:endParaRPr lang="en-AU"/>
+            <a:endParaRPr lang="en-US" dirty="0"/>
           </a:p>
         </p:txBody>
       </p:sp>
@@ -1661,7 +1659,7 @@
     </p:spTree>
     <p:extLst>
       <p:ext uri="{BB962C8B-B14F-4D97-AF65-F5344CB8AC3E}">
-        <p14:creationId xmlns:p14="http://schemas.microsoft.com/office/powerpoint/2010/main" val="1727340205"/>
+        <p14:creationId xmlns:p14="http://schemas.microsoft.com/office/powerpoint/2010/main" val="370886046"/>
       </p:ext>
     </p:extLst>
   </p:cSld>
@@ -1707,7 +1705,7 @@
               <a:rPr lang="en-US"/>
               <a:t>Click to edit Master title style</a:t>
             </a:r>
-            <a:endParaRPr lang="en-AU"/>
+            <a:endParaRPr lang="en-US" dirty="0"/>
           </a:p>
         </p:txBody>
       </p:sp>
@@ -1779,7 +1777,7 @@
     </p:spTree>
     <p:extLst>
       <p:ext uri="{BB962C8B-B14F-4D97-AF65-F5344CB8AC3E}">
-        <p14:creationId xmlns:p14="http://schemas.microsoft.com/office/powerpoint/2010/main" val="1198087663"/>
+        <p14:creationId xmlns:p14="http://schemas.microsoft.com/office/powerpoint/2010/main" val="2149344913"/>
       </p:ext>
     </p:extLst>
   </p:cSld>
@@ -1874,7 +1872,7 @@
     </p:spTree>
     <p:extLst>
       <p:ext uri="{BB962C8B-B14F-4D97-AF65-F5344CB8AC3E}">
-        <p14:creationId xmlns:p14="http://schemas.microsoft.com/office/powerpoint/2010/main" val="1928705692"/>
+        <p14:creationId xmlns:p14="http://schemas.microsoft.com/office/powerpoint/2010/main" val="1332668520"/>
       </p:ext>
     </p:extLst>
   </p:cSld>
@@ -1913,8 +1911,8 @@
         </p:nvSpPr>
         <p:spPr>
           <a:xfrm>
-            <a:off x="839788" y="457200"/>
-            <a:ext cx="3932237" cy="1600200"/>
+            <a:off x="682328" y="457200"/>
+            <a:ext cx="3194943" cy="1600200"/>
           </a:xfrm>
         </p:spPr>
         <p:txBody>
@@ -1929,7 +1927,7 @@
               <a:rPr lang="en-US"/>
               <a:t>Click to edit Master title style</a:t>
             </a:r>
-            <a:endParaRPr lang="en-AU"/>
+            <a:endParaRPr lang="en-US" dirty="0"/>
           </a:p>
         </p:txBody>
       </p:sp>
@@ -1945,8 +1943,8 @@
         </p:nvSpPr>
         <p:spPr>
           <a:xfrm>
-            <a:off x="5183188" y="987425"/>
-            <a:ext cx="6172200" cy="4873625"/>
+            <a:off x="4211340" y="987427"/>
+            <a:ext cx="5014913" cy="4873625"/>
           </a:xfrm>
         </p:spPr>
         <p:txBody>
@@ -2014,7 +2012,7 @@
               <a:rPr lang="en-US"/>
               <a:t>Fifth level</a:t>
             </a:r>
-            <a:endParaRPr lang="en-AU"/>
+            <a:endParaRPr lang="en-US" dirty="0"/>
           </a:p>
         </p:txBody>
       </p:sp>
@@ -2030,8 +2028,8 @@
         </p:nvSpPr>
         <p:spPr>
           <a:xfrm>
-            <a:off x="839788" y="2057400"/>
-            <a:ext cx="3932237" cy="3811588"/>
+            <a:off x="682328" y="2057400"/>
+            <a:ext cx="3194943" cy="3811588"/>
           </a:xfrm>
         </p:spPr>
         <p:txBody>
@@ -2151,7 +2149,7 @@
     </p:spTree>
     <p:extLst>
       <p:ext uri="{BB962C8B-B14F-4D97-AF65-F5344CB8AC3E}">
-        <p14:creationId xmlns:p14="http://schemas.microsoft.com/office/powerpoint/2010/main" val="2541506819"/>
+        <p14:creationId xmlns:p14="http://schemas.microsoft.com/office/powerpoint/2010/main" val="2167039730"/>
       </p:ext>
     </p:extLst>
   </p:cSld>
@@ -2190,8 +2188,8 @@
         </p:nvSpPr>
         <p:spPr>
           <a:xfrm>
-            <a:off x="839788" y="457200"/>
-            <a:ext cx="3932237" cy="1600200"/>
+            <a:off x="682328" y="457200"/>
+            <a:ext cx="3194943" cy="1600200"/>
           </a:xfrm>
         </p:spPr>
         <p:txBody>
@@ -2206,7 +2204,7 @@
               <a:rPr lang="en-US"/>
               <a:t>Click to edit Master title style</a:t>
             </a:r>
-            <a:endParaRPr lang="en-AU"/>
+            <a:endParaRPr lang="en-US" dirty="0"/>
           </a:p>
         </p:txBody>
       </p:sp>
@@ -2214,7 +2212,7 @@
         <p:nvSpPr>
           <p:cNvPr id="3" name="Picture Placeholder 2"/>
           <p:cNvSpPr>
-            <a:spLocks noGrp="1"/>
+            <a:spLocks noGrp="1" noChangeAspect="1"/>
           </p:cNvSpPr>
           <p:nvPr>
             <p:ph type="pic" idx="1"/>
@@ -2222,12 +2220,12 @@
         </p:nvSpPr>
         <p:spPr>
           <a:xfrm>
-            <a:off x="5183188" y="987425"/>
-            <a:ext cx="6172200" cy="4873625"/>
+            <a:off x="4211340" y="987427"/>
+            <a:ext cx="5014913" cy="4873625"/>
           </a:xfrm>
         </p:spPr>
         <p:txBody>
-          <a:bodyPr/>
+          <a:bodyPr anchor="t"/>
           <a:lstStyle>
             <a:lvl1pPr marL="0" indent="0">
               <a:buNone/>
@@ -2267,7 +2265,11 @@
             </a:lvl9pPr>
           </a:lstStyle>
           <a:p>
-            <a:endParaRPr lang="en-AU"/>
+            <a:r>
+              <a:rPr lang="en-US"/>
+              <a:t>Click icon to add picture</a:t>
+            </a:r>
+            <a:endParaRPr lang="en-US" dirty="0"/>
           </a:p>
         </p:txBody>
       </p:sp>
@@ -2283,8 +2285,8 @@
         </p:nvSpPr>
         <p:spPr>
           <a:xfrm>
-            <a:off x="839788" y="2057400"/>
-            <a:ext cx="3932237" cy="3811588"/>
+            <a:off x="682328" y="2057400"/>
+            <a:ext cx="3194943" cy="3811588"/>
           </a:xfrm>
         </p:spPr>
         <p:txBody>
@@ -2404,7 +2406,7 @@
     </p:spTree>
     <p:extLst>
       <p:ext uri="{BB962C8B-B14F-4D97-AF65-F5344CB8AC3E}">
-        <p14:creationId xmlns:p14="http://schemas.microsoft.com/office/powerpoint/2010/main" val="3057611071"/>
+        <p14:creationId xmlns:p14="http://schemas.microsoft.com/office/powerpoint/2010/main" val="4125758713"/>
       </p:ext>
     </p:extLst>
   </p:cSld>
@@ -2448,8 +2450,8 @@
         </p:nvSpPr>
         <p:spPr>
           <a:xfrm>
-            <a:off x="838200" y="365125"/>
-            <a:ext cx="10515600" cy="1325563"/>
+            <a:off x="681038" y="365127"/>
+            <a:ext cx="8543925" cy="1325563"/>
           </a:xfrm>
           <a:prstGeom prst="rect">
             <a:avLst/>
@@ -2465,7 +2467,7 @@
               <a:rPr lang="en-US"/>
               <a:t>Click to edit Master title style</a:t>
             </a:r>
-            <a:endParaRPr lang="en-AU"/>
+            <a:endParaRPr lang="en-US" dirty="0"/>
           </a:p>
         </p:txBody>
       </p:sp>
@@ -2481,8 +2483,8 @@
         </p:nvSpPr>
         <p:spPr>
           <a:xfrm>
-            <a:off x="838200" y="1825625"/>
-            <a:ext cx="10515600" cy="4351338"/>
+            <a:off x="681038" y="1825625"/>
+            <a:ext cx="8543925" cy="4351338"/>
           </a:xfrm>
           <a:prstGeom prst="rect">
             <a:avLst/>
@@ -2527,7 +2529,7 @@
               <a:rPr lang="en-US"/>
               <a:t>Fifth level</a:t>
             </a:r>
-            <a:endParaRPr lang="en-AU"/>
+            <a:endParaRPr lang="en-US" dirty="0"/>
           </a:p>
         </p:txBody>
       </p:sp>
@@ -2543,8 +2545,8 @@
         </p:nvSpPr>
         <p:spPr>
           <a:xfrm>
-            <a:off x="838200" y="6356350"/>
-            <a:ext cx="2743200" cy="365125"/>
+            <a:off x="681038" y="6356352"/>
+            <a:ext cx="2228850" cy="365125"/>
           </a:xfrm>
           <a:prstGeom prst="rect">
             <a:avLst/>
@@ -2584,8 +2586,8 @@
         </p:nvSpPr>
         <p:spPr>
           <a:xfrm>
-            <a:off x="4038600" y="6356350"/>
-            <a:ext cx="4114800" cy="365125"/>
+            <a:off x="3281363" y="6356352"/>
+            <a:ext cx="3343275" cy="365125"/>
           </a:xfrm>
           <a:prstGeom prst="rect">
             <a:avLst/>
@@ -2621,8 +2623,8 @@
         </p:nvSpPr>
         <p:spPr>
           <a:xfrm>
-            <a:off x="8610600" y="6356350"/>
-            <a:ext cx="2743200" cy="365125"/>
+            <a:off x="6996113" y="6356352"/>
+            <a:ext cx="2228850" cy="365125"/>
           </a:xfrm>
           <a:prstGeom prst="rect">
             <a:avLst/>
@@ -2653,23 +2655,23 @@
     </p:spTree>
     <p:extLst>
       <p:ext uri="{BB962C8B-B14F-4D97-AF65-F5344CB8AC3E}">
-        <p14:creationId xmlns:p14="http://schemas.microsoft.com/office/powerpoint/2010/main" val="3327151993"/>
+        <p14:creationId xmlns:p14="http://schemas.microsoft.com/office/powerpoint/2010/main" val="2053649369"/>
       </p:ext>
     </p:extLst>
   </p:cSld>
   <p:clrMap bg1="lt1" tx1="dk1" bg2="lt2" tx2="dk2" accent1="accent1" accent2="accent2" accent3="accent3" accent4="accent4" accent5="accent5" accent6="accent6" hlink="hlink" folHlink="folHlink"/>
   <p:sldLayoutIdLst>
-    <p:sldLayoutId id="2147483649" r:id="rId1"/>
-    <p:sldLayoutId id="2147483650" r:id="rId2"/>
-    <p:sldLayoutId id="2147483651" r:id="rId3"/>
-    <p:sldLayoutId id="2147483652" r:id="rId4"/>
-    <p:sldLayoutId id="2147483653" r:id="rId5"/>
-    <p:sldLayoutId id="2147483654" r:id="rId6"/>
-    <p:sldLayoutId id="2147483655" r:id="rId7"/>
-    <p:sldLayoutId id="2147483656" r:id="rId8"/>
-    <p:sldLayoutId id="2147483657" r:id="rId9"/>
-    <p:sldLayoutId id="2147483658" r:id="rId10"/>
-    <p:sldLayoutId id="2147483659" r:id="rId11"/>
+    <p:sldLayoutId id="2147483661" r:id="rId1"/>
+    <p:sldLayoutId id="2147483662" r:id="rId2"/>
+    <p:sldLayoutId id="2147483663" r:id="rId3"/>
+    <p:sldLayoutId id="2147483664" r:id="rId4"/>
+    <p:sldLayoutId id="2147483665" r:id="rId5"/>
+    <p:sldLayoutId id="2147483666" r:id="rId6"/>
+    <p:sldLayoutId id="2147483667" r:id="rId7"/>
+    <p:sldLayoutId id="2147483668" r:id="rId8"/>
+    <p:sldLayoutId id="2147483669" r:id="rId9"/>
+    <p:sldLayoutId id="2147483670" r:id="rId10"/>
+    <p:sldLayoutId id="2147483671" r:id="rId11"/>
   </p:sldLayoutIdLst>
   <p:txStyles>
     <p:titleStyle>
@@ -2993,8 +2995,8 @@
         </p:blipFill>
         <p:spPr>
           <a:xfrm>
-            <a:off x="225079" y="6001336"/>
-            <a:ext cx="1486675" cy="703262"/>
+            <a:off x="182877" y="5519023"/>
+            <a:ext cx="1207923" cy="571400"/>
           </a:xfrm>
           <a:prstGeom prst="rect">
             <a:avLst/>
@@ -3009,8 +3011,8 @@
         </p:nvSpPr>
         <p:spPr>
           <a:xfrm>
-            <a:off x="5312779" y="6503438"/>
-            <a:ext cx="2928395" cy="261610"/>
+            <a:off x="4316633" y="5926981"/>
+            <a:ext cx="2379321" cy="229935"/>
           </a:xfrm>
           <a:prstGeom prst="rect">
             <a:avLst/>
@@ -3025,7 +3027,7 @@
           <a:p>
             <a:pPr algn="ctr"/>
             <a:r>
-              <a:rPr lang="en-US" sz="1100" b="1" dirty="0">
+              <a:rPr lang="en-US" sz="894" b="1" dirty="0">
                 <a:solidFill>
                   <a:srgbClr val="FF8C52"/>
                 </a:solidFill>
@@ -3033,7 +3035,7 @@
               </a:rPr>
               <a:t>Private and Confidential ® © 2023</a:t>
             </a:r>
-            <a:endParaRPr lang="en-AU" sz="1100" b="1" dirty="0">
+            <a:endParaRPr lang="en-AU" sz="894" b="1" dirty="0">
               <a:solidFill>
                 <a:srgbClr val="FF8C52"/>
               </a:solidFill>
@@ -3050,8 +3052,8 @@
         </p:nvSpPr>
         <p:spPr>
           <a:xfrm>
-            <a:off x="2282141" y="268698"/>
-            <a:ext cx="7660513" cy="584775"/>
+            <a:off x="1854240" y="861255"/>
+            <a:ext cx="6224167" cy="492443"/>
           </a:xfrm>
           <a:prstGeom prst="rect">
             <a:avLst/>
@@ -3066,7 +3068,7 @@
           <a:p>
             <a:pPr algn="ctr"/>
             <a:r>
-              <a:rPr lang="en-US" sz="3200" b="1" dirty="0">
+              <a:rPr lang="en-US" sz="2600" b="1" dirty="0">
                 <a:solidFill>
                   <a:srgbClr val="FF8C52"/>
                 </a:solidFill>
@@ -3074,7 +3076,7 @@
               </a:rPr>
               <a:t>Anodiam Swim Lanes</a:t>
             </a:r>
-            <a:endParaRPr lang="en-AU" sz="3200" b="1" dirty="0">
+            <a:endParaRPr lang="en-AU" sz="2600" b="1" dirty="0">
               <a:solidFill>
                 <a:srgbClr val="FF8C52"/>
               </a:solidFill>
@@ -3091,8 +3093,8 @@
         </p:nvSpPr>
         <p:spPr>
           <a:xfrm>
-            <a:off x="5531694" y="1317325"/>
-            <a:ext cx="5450250" cy="4437561"/>
+            <a:off x="4494501" y="1713265"/>
+            <a:ext cx="4428328" cy="3623877"/>
           </a:xfrm>
           <a:prstGeom prst="rect">
             <a:avLst/>
@@ -3105,7 +3107,7 @@
           </a:bodyPr>
           <a:lstStyle/>
           <a:p>
-            <a:pPr marL="342900" indent="-342900">
+            <a:pPr marL="278606" indent="-278606">
               <a:lnSpc>
                 <a:spcPct val="200000"/>
               </a:lnSpc>
@@ -3113,7 +3115,7 @@
               <a:buChar char="v"/>
             </a:pPr>
             <a:r>
-              <a:rPr lang="en-US" b="1" dirty="0">
+              <a:rPr lang="en-US" sz="1463" b="1" dirty="0">
                 <a:solidFill>
                   <a:srgbClr val="C00000"/>
                 </a:solidFill>
@@ -3123,7 +3125,7 @@
             </a:r>
           </a:p>
           <a:p>
-            <a:pPr marL="342900" indent="-342900">
+            <a:pPr marL="278606" indent="-278606">
               <a:lnSpc>
                 <a:spcPct val="200000"/>
               </a:lnSpc>
@@ -3131,7 +3133,7 @@
               <a:buChar char="v"/>
             </a:pPr>
             <a:r>
-              <a:rPr lang="en-US" b="1" dirty="0">
+              <a:rPr lang="en-US" sz="1463" b="1" dirty="0">
                 <a:solidFill>
                   <a:srgbClr val="C00000"/>
                 </a:solidFill>
@@ -3141,7 +3143,7 @@
             </a:r>
           </a:p>
           <a:p>
-            <a:pPr marL="342900" indent="-342900">
+            <a:pPr marL="278606" indent="-278606">
               <a:lnSpc>
                 <a:spcPct val="200000"/>
               </a:lnSpc>
@@ -3149,7 +3151,7 @@
               <a:buChar char="v"/>
             </a:pPr>
             <a:r>
-              <a:rPr lang="en-US" b="1" dirty="0">
+              <a:rPr lang="en-US" sz="1463" b="1" dirty="0">
                 <a:solidFill>
                   <a:srgbClr val="C00000"/>
                 </a:solidFill>
@@ -3159,7 +3161,7 @@
             </a:r>
           </a:p>
           <a:p>
-            <a:pPr marL="342900" indent="-342900">
+            <a:pPr marL="278606" indent="-278606">
               <a:lnSpc>
                 <a:spcPct val="200000"/>
               </a:lnSpc>
@@ -3167,7 +3169,7 @@
               <a:buChar char="v"/>
             </a:pPr>
             <a:r>
-              <a:rPr lang="en-US" b="1" dirty="0">
+              <a:rPr lang="en-US" sz="1463" b="1" dirty="0">
                 <a:solidFill>
                   <a:schemeClr val="accent2">
                     <a:lumMod val="75000"/>
@@ -3179,7 +3181,7 @@
             </a:r>
           </a:p>
           <a:p>
-            <a:pPr marL="342900" indent="-342900">
+            <a:pPr marL="278606" indent="-278606">
               <a:lnSpc>
                 <a:spcPct val="200000"/>
               </a:lnSpc>
@@ -3187,7 +3189,7 @@
               <a:buChar char="v"/>
             </a:pPr>
             <a:r>
-              <a:rPr lang="en-US" b="1" dirty="0">
+              <a:rPr lang="en-US" sz="1463" b="1" dirty="0">
                 <a:solidFill>
                   <a:schemeClr val="accent2">
                     <a:lumMod val="75000"/>
@@ -3199,7 +3201,7 @@
             </a:r>
           </a:p>
           <a:p>
-            <a:pPr marL="342900" indent="-342900">
+            <a:pPr marL="278606" indent="-278606">
               <a:lnSpc>
                 <a:spcPct val="200000"/>
               </a:lnSpc>
@@ -3207,7 +3209,7 @@
               <a:buChar char="v"/>
             </a:pPr>
             <a:r>
-              <a:rPr lang="en-US" b="1" dirty="0">
+              <a:rPr lang="en-US" sz="1463" b="1" dirty="0">
                 <a:solidFill>
                   <a:schemeClr val="accent2">
                     <a:lumMod val="75000"/>
@@ -3219,7 +3221,7 @@
             </a:r>
           </a:p>
           <a:p>
-            <a:pPr marL="342900" indent="-342900">
+            <a:pPr marL="278606" indent="-278606">
               <a:lnSpc>
                 <a:spcPct val="200000"/>
               </a:lnSpc>
@@ -3227,7 +3229,7 @@
               <a:buChar char="v"/>
             </a:pPr>
             <a:r>
-              <a:rPr lang="en-US" b="1" dirty="0">
+              <a:rPr lang="en-US" sz="1463" b="1" dirty="0">
                 <a:solidFill>
                   <a:schemeClr val="bg1">
                     <a:lumMod val="50000"/>
@@ -3239,7 +3241,7 @@
             </a:r>
           </a:p>
           <a:p>
-            <a:pPr marL="342900" indent="-342900">
+            <a:pPr marL="278606" indent="-278606">
               <a:lnSpc>
                 <a:spcPct val="200000"/>
               </a:lnSpc>
@@ -3247,7 +3249,7 @@
               <a:buChar char="v"/>
             </a:pPr>
             <a:r>
-              <a:rPr lang="en-US" b="1" dirty="0">
+              <a:rPr lang="en-US" sz="1463" b="1" dirty="0">
                 <a:solidFill>
                   <a:schemeClr val="bg1">
                     <a:lumMod val="50000"/>
@@ -3276,8 +3278,8 @@
         </p:blipFill>
         <p:spPr>
           <a:xfrm>
-            <a:off x="1064315" y="1595117"/>
-            <a:ext cx="3176432" cy="3176787"/>
+            <a:off x="864756" y="1938971"/>
+            <a:ext cx="2580851" cy="2581139"/>
           </a:xfrm>
           <a:prstGeom prst="rect">
             <a:avLst/>
@@ -3298,8 +3300,8 @@
         </p:nvSpPr>
         <p:spPr>
           <a:xfrm>
-            <a:off x="1064316" y="1595117"/>
-            <a:ext cx="3176432" cy="3176787"/>
+            <a:off x="864757" y="1938971"/>
+            <a:ext cx="2580851" cy="2581139"/>
           </a:xfrm>
           <a:prstGeom prst="rect">
             <a:avLst/>
@@ -3353,7 +3355,7 @@
           <a:lstStyle/>
           <a:p>
             <a:pPr algn="ctr"/>
-            <a:endParaRPr lang="en-AU">
+            <a:endParaRPr lang="en-AU" sz="1463">
               <a:latin typeface="Oxygen" panose="02000503000000000000" pitchFamily="2" charset="0"/>
             </a:endParaRPr>
           </a:p>
@@ -3411,8 +3413,8 @@
         </p:blipFill>
         <p:spPr>
           <a:xfrm>
-            <a:off x="225079" y="6001336"/>
-            <a:ext cx="1486675" cy="703262"/>
+            <a:off x="182877" y="5519023"/>
+            <a:ext cx="1207923" cy="571400"/>
           </a:xfrm>
           <a:prstGeom prst="rect">
             <a:avLst/>
@@ -3427,8 +3429,8 @@
         </p:nvSpPr>
         <p:spPr>
           <a:xfrm>
-            <a:off x="5312779" y="6503438"/>
-            <a:ext cx="2928395" cy="261610"/>
+            <a:off x="4316633" y="5926981"/>
+            <a:ext cx="2379321" cy="229935"/>
           </a:xfrm>
           <a:prstGeom prst="rect">
             <a:avLst/>
@@ -3443,7 +3445,7 @@
           <a:p>
             <a:pPr algn="ctr"/>
             <a:r>
-              <a:rPr lang="en-US" sz="1100" b="1" dirty="0">
+              <a:rPr lang="en-US" sz="894" b="1" dirty="0">
                 <a:solidFill>
                   <a:srgbClr val="FF8C52"/>
                 </a:solidFill>
@@ -3451,7 +3453,7 @@
               </a:rPr>
               <a:t>Private and Confidential ® © 2023</a:t>
             </a:r>
-            <a:endParaRPr lang="en-AU" sz="1100" b="1" dirty="0">
+            <a:endParaRPr lang="en-AU" sz="894" b="1" dirty="0">
               <a:solidFill>
                 <a:srgbClr val="FF8C52"/>
               </a:solidFill>
@@ -3468,8 +3470,8 @@
         </p:nvSpPr>
         <p:spPr>
           <a:xfrm>
-            <a:off x="2733553" y="220314"/>
-            <a:ext cx="6966031" cy="584775"/>
+            <a:off x="2221012" y="821943"/>
+            <a:ext cx="5659900" cy="492443"/>
           </a:xfrm>
           <a:prstGeom prst="rect">
             <a:avLst/>
@@ -3484,7 +3486,7 @@
           <a:p>
             <a:pPr algn="ctr"/>
             <a:r>
-              <a:rPr lang="en-US" sz="3200" b="1" dirty="0">
+              <a:rPr lang="en-US" sz="2600" b="1" dirty="0">
                 <a:solidFill>
                   <a:srgbClr val="FF8C52"/>
                 </a:solidFill>
@@ -3492,7 +3494,7 @@
               </a:rPr>
               <a:t>Services by Each Swim Lane</a:t>
             </a:r>
-            <a:endParaRPr lang="en-AU" sz="3200" b="1" dirty="0">
+            <a:endParaRPr lang="en-AU" sz="2600" b="1" dirty="0">
               <a:solidFill>
                 <a:srgbClr val="FF8C52"/>
               </a:solidFill>
@@ -3517,8 +3519,8 @@
         </p:blipFill>
         <p:spPr>
           <a:xfrm>
-            <a:off x="1367693" y="1761392"/>
-            <a:ext cx="2951642" cy="2948410"/>
+            <a:off x="1111251" y="2074069"/>
+            <a:ext cx="2398209" cy="2395583"/>
           </a:xfrm>
           <a:prstGeom prst="rect">
             <a:avLst/>
@@ -3539,8 +3541,8 @@
         </p:nvSpPr>
         <p:spPr>
           <a:xfrm>
-            <a:off x="1367692" y="1761392"/>
-            <a:ext cx="2951643" cy="2948410"/>
+            <a:off x="1111250" y="2074069"/>
+            <a:ext cx="2398210" cy="2395583"/>
           </a:xfrm>
           <a:prstGeom prst="rect">
             <a:avLst/>
@@ -3594,7 +3596,7 @@
           <a:lstStyle/>
           <a:p>
             <a:pPr algn="ctr"/>
-            <a:endParaRPr lang="en-AU">
+            <a:endParaRPr lang="en-AU" sz="1463">
               <a:latin typeface="Oxygen" panose="02000503000000000000" pitchFamily="2" charset="0"/>
             </a:endParaRPr>
           </a:p>
@@ -3608,8 +3610,8 @@
         </p:nvSpPr>
         <p:spPr>
           <a:xfrm>
-            <a:off x="5695707" y="1400909"/>
-            <a:ext cx="5323391" cy="3970318"/>
+            <a:off x="4627762" y="1781176"/>
+            <a:ext cx="4325255" cy="3173626"/>
           </a:xfrm>
           <a:prstGeom prst="rect">
             <a:avLst/>
@@ -3622,7 +3624,7 @@
           </a:bodyPr>
           <a:lstStyle/>
           <a:p>
-            <a:pPr marL="342900" indent="-342900">
+            <a:pPr marL="278606" indent="-278606">
               <a:lnSpc>
                 <a:spcPct val="200000"/>
               </a:lnSpc>
@@ -3630,7 +3632,7 @@
               <a:buChar char="v"/>
             </a:pPr>
             <a:r>
-              <a:rPr lang="en-US" b="1" dirty="0">
+              <a:rPr lang="en-US" sz="1463" b="1" dirty="0">
                 <a:solidFill>
                   <a:srgbClr val="C00000"/>
                 </a:solidFill>
@@ -3640,7 +3642,7 @@
             </a:r>
           </a:p>
           <a:p>
-            <a:pPr marL="342900" indent="-342900">
+            <a:pPr marL="278606" indent="-278606">
               <a:lnSpc>
                 <a:spcPct val="200000"/>
               </a:lnSpc>
@@ -3648,7 +3650,7 @@
               <a:buChar char="v"/>
             </a:pPr>
             <a:r>
-              <a:rPr lang="en-US" b="1" dirty="0">
+              <a:rPr lang="en-US" sz="1463" b="1" dirty="0">
                 <a:solidFill>
                   <a:srgbClr val="C00000"/>
                 </a:solidFill>
@@ -3658,7 +3660,7 @@
             </a:r>
           </a:p>
           <a:p>
-            <a:pPr marL="342900" indent="-342900">
+            <a:pPr marL="278606" indent="-278606">
               <a:lnSpc>
                 <a:spcPct val="200000"/>
               </a:lnSpc>
@@ -3666,7 +3668,7 @@
               <a:buChar char="v"/>
             </a:pPr>
             <a:r>
-              <a:rPr lang="en-US" b="1" dirty="0">
+              <a:rPr lang="en-US" sz="1463" b="1" dirty="0">
                 <a:solidFill>
                   <a:srgbClr val="C00000"/>
                 </a:solidFill>
@@ -3676,7 +3678,7 @@
             </a:r>
           </a:p>
           <a:p>
-            <a:pPr marL="342900" indent="-342900">
+            <a:pPr marL="278606" indent="-278606">
               <a:lnSpc>
                 <a:spcPct val="200000"/>
               </a:lnSpc>
@@ -3684,7 +3686,7 @@
               <a:buChar char="v"/>
             </a:pPr>
             <a:r>
-              <a:rPr lang="en-US" b="1" dirty="0">
+              <a:rPr lang="en-US" sz="1463" b="1" dirty="0">
                 <a:solidFill>
                   <a:srgbClr val="C00000"/>
                 </a:solidFill>
@@ -3694,7 +3696,7 @@
             </a:r>
           </a:p>
           <a:p>
-            <a:pPr marL="342900" indent="-342900">
+            <a:pPr marL="278606" indent="-278606">
               <a:lnSpc>
                 <a:spcPct val="200000"/>
               </a:lnSpc>
@@ -3702,7 +3704,7 @@
               <a:buChar char="v"/>
             </a:pPr>
             <a:r>
-              <a:rPr lang="en-US" b="1" dirty="0">
+              <a:rPr lang="en-US" sz="1463" b="1" dirty="0">
                 <a:solidFill>
                   <a:srgbClr val="C00000"/>
                 </a:solidFill>
@@ -3712,7 +3714,7 @@
             </a:r>
           </a:p>
           <a:p>
-            <a:pPr marL="342900" indent="-342900">
+            <a:pPr marL="278606" indent="-278606">
               <a:lnSpc>
                 <a:spcPct val="200000"/>
               </a:lnSpc>
@@ -3720,7 +3722,7 @@
               <a:buChar char="v"/>
             </a:pPr>
             <a:r>
-              <a:rPr lang="en-US" b="1" dirty="0">
+              <a:rPr lang="en-US" sz="1463" b="1" dirty="0">
                 <a:solidFill>
                   <a:srgbClr val="C00000"/>
                 </a:solidFill>
@@ -3730,7 +3732,7 @@
             </a:r>
           </a:p>
           <a:p>
-            <a:pPr marL="342900" indent="-342900">
+            <a:pPr marL="278606" indent="-278606">
               <a:lnSpc>
                 <a:spcPct val="200000"/>
               </a:lnSpc>
@@ -3738,7 +3740,7 @@
               <a:buChar char="v"/>
             </a:pPr>
             <a:r>
-              <a:rPr lang="en-US" b="1" dirty="0">
+              <a:rPr lang="en-US" sz="1463" b="1" dirty="0">
                 <a:solidFill>
                   <a:srgbClr val="C00000"/>
                 </a:solidFill>
@@ -3746,7 +3748,7 @@
               </a:rPr>
               <a:t>Feedback Based QC</a:t>
             </a:r>
-            <a:endParaRPr lang="en-AU" b="1" dirty="0">
+            <a:endParaRPr lang="en-AU" sz="1463" b="1" dirty="0">
               <a:solidFill>
                 <a:srgbClr val="C00000"/>
               </a:solidFill>
@@ -3807,8 +3809,8 @@
         </p:blipFill>
         <p:spPr>
           <a:xfrm>
-            <a:off x="225079" y="6001336"/>
-            <a:ext cx="1486675" cy="703262"/>
+            <a:off x="182877" y="5519023"/>
+            <a:ext cx="1207923" cy="571400"/>
           </a:xfrm>
           <a:prstGeom prst="rect">
             <a:avLst/>
@@ -3823,8 +3825,8 @@
         </p:nvSpPr>
         <p:spPr>
           <a:xfrm>
-            <a:off x="5312779" y="6503438"/>
-            <a:ext cx="2928395" cy="261610"/>
+            <a:off x="4316633" y="5926981"/>
+            <a:ext cx="2379321" cy="229935"/>
           </a:xfrm>
           <a:prstGeom prst="rect">
             <a:avLst/>
@@ -3839,7 +3841,7 @@
           <a:p>
             <a:pPr algn="ctr"/>
             <a:r>
-              <a:rPr lang="en-US" sz="1100" b="1" dirty="0">
+              <a:rPr lang="en-US" sz="894" b="1" dirty="0">
                 <a:solidFill>
                   <a:srgbClr val="FF8C52"/>
                 </a:solidFill>
@@ -3847,7 +3849,7 @@
               </a:rPr>
               <a:t>Private and Confidential ® © 2023</a:t>
             </a:r>
-            <a:endParaRPr lang="en-AU" sz="1100" b="1" dirty="0">
+            <a:endParaRPr lang="en-AU" sz="894" b="1" dirty="0">
               <a:solidFill>
                 <a:srgbClr val="FF8C52"/>
               </a:solidFill>
@@ -3864,8 +3866,8 @@
         </p:nvSpPr>
         <p:spPr>
           <a:xfrm>
-            <a:off x="2733553" y="220314"/>
-            <a:ext cx="6966031" cy="584775"/>
+            <a:off x="2221012" y="821943"/>
+            <a:ext cx="5659900" cy="492443"/>
           </a:xfrm>
           <a:prstGeom prst="rect">
             <a:avLst/>
@@ -3880,7 +3882,7 @@
           <a:p>
             <a:pPr algn="ctr"/>
             <a:r>
-              <a:rPr lang="en-US" sz="3200" b="1" dirty="0">
+              <a:rPr lang="en-US" sz="2600" b="1" dirty="0">
                 <a:solidFill>
                   <a:srgbClr val="FF8C52"/>
                 </a:solidFill>
@@ -3888,7 +3890,7 @@
               </a:rPr>
               <a:t>Handpicking Our Faculty</a:t>
             </a:r>
-            <a:endParaRPr lang="en-AU" sz="3200" b="1" dirty="0">
+            <a:endParaRPr lang="en-AU" sz="2600" b="1" dirty="0">
               <a:solidFill>
                 <a:srgbClr val="FF8C52"/>
               </a:solidFill>
@@ -3913,8 +3915,8 @@
         </p:blipFill>
         <p:spPr>
           <a:xfrm>
-            <a:off x="968421" y="2101169"/>
-            <a:ext cx="3000375" cy="3000375"/>
+            <a:off x="786842" y="2350138"/>
+            <a:ext cx="2437805" cy="2437805"/>
           </a:xfrm>
           <a:prstGeom prst="rect">
             <a:avLst/>
@@ -3935,8 +3937,8 @@
         </p:nvSpPr>
         <p:spPr>
           <a:xfrm>
-            <a:off x="956212" y="2099720"/>
-            <a:ext cx="3012584" cy="3001824"/>
+            <a:off x="776922" y="2348960"/>
+            <a:ext cx="2447725" cy="2438982"/>
           </a:xfrm>
           <a:prstGeom prst="rect">
             <a:avLst/>
@@ -3990,7 +3992,7 @@
           <a:lstStyle/>
           <a:p>
             <a:pPr algn="ctr"/>
-            <a:endParaRPr lang="en-AU">
+            <a:endParaRPr lang="en-AU" sz="1463">
               <a:latin typeface="Oxygen" panose="02000503000000000000" pitchFamily="2" charset="0"/>
             </a:endParaRPr>
           </a:p>
@@ -4004,8 +4006,8 @@
         </p:nvSpPr>
         <p:spPr>
           <a:xfrm>
-            <a:off x="4479555" y="1547213"/>
-            <a:ext cx="6877293" cy="4447179"/>
+            <a:off x="3639639" y="1900048"/>
+            <a:ext cx="6083484" cy="3630674"/>
           </a:xfrm>
           <a:prstGeom prst="rect">
             <a:avLst/>
@@ -4018,7 +4020,7 @@
           </a:bodyPr>
           <a:lstStyle/>
           <a:p>
-            <a:pPr marL="342900" indent="-342900">
+            <a:pPr marL="278606" indent="-278606">
               <a:lnSpc>
                 <a:spcPct val="200000"/>
               </a:lnSpc>
@@ -4026,7 +4028,7 @@
               <a:buAutoNum type="arabicPeriod"/>
             </a:pPr>
             <a:r>
-              <a:rPr lang="en-US" sz="1600" b="1" dirty="0">
+              <a:rPr lang="en-US" sz="1300" b="1" dirty="0">
                 <a:solidFill>
                   <a:srgbClr val="C00000"/>
                 </a:solidFill>
@@ -4036,7 +4038,7 @@
             </a:r>
           </a:p>
           <a:p>
-            <a:pPr marL="342900" indent="-342900">
+            <a:pPr marL="278606" indent="-278606">
               <a:lnSpc>
                 <a:spcPct val="200000"/>
               </a:lnSpc>
@@ -4044,7 +4046,7 @@
               <a:buAutoNum type="arabicPeriod"/>
             </a:pPr>
             <a:r>
-              <a:rPr lang="en-US" sz="1600" b="1" dirty="0">
+              <a:rPr lang="en-US" sz="1300" b="1" dirty="0">
                 <a:solidFill>
                   <a:srgbClr val="C00000"/>
                 </a:solidFill>
@@ -4054,7 +4056,7 @@
             </a:r>
           </a:p>
           <a:p>
-            <a:pPr marL="342900" indent="-342900">
+            <a:pPr marL="278606" indent="-278606">
               <a:lnSpc>
                 <a:spcPct val="200000"/>
               </a:lnSpc>
@@ -4062,7 +4064,7 @@
               <a:buAutoNum type="arabicPeriod"/>
             </a:pPr>
             <a:r>
-              <a:rPr lang="en-US" sz="1600" b="1" dirty="0">
+              <a:rPr lang="en-US" sz="1300" b="1" dirty="0">
                 <a:solidFill>
                   <a:srgbClr val="C00000"/>
                 </a:solidFill>
@@ -4072,7 +4074,7 @@
             </a:r>
           </a:p>
           <a:p>
-            <a:pPr marL="342900" indent="-342900">
+            <a:pPr marL="278606" indent="-278606">
               <a:lnSpc>
                 <a:spcPct val="200000"/>
               </a:lnSpc>
@@ -4080,7 +4082,7 @@
               <a:buAutoNum type="arabicPeriod"/>
             </a:pPr>
             <a:r>
-              <a:rPr lang="en-US" sz="1600" b="1" dirty="0">
+              <a:rPr lang="en-US" sz="1300" b="1" dirty="0">
                 <a:solidFill>
                   <a:srgbClr val="C00000"/>
                 </a:solidFill>
@@ -4090,7 +4092,7 @@
             </a:r>
           </a:p>
           <a:p>
-            <a:pPr marL="342900" indent="-342900">
+            <a:pPr marL="278606" indent="-278606">
               <a:lnSpc>
                 <a:spcPct val="200000"/>
               </a:lnSpc>
@@ -4098,7 +4100,7 @@
               <a:buAutoNum type="arabicPeriod"/>
             </a:pPr>
             <a:r>
-              <a:rPr lang="en-US" sz="1600" b="1" dirty="0">
+              <a:rPr lang="en-US" sz="1300" b="1" dirty="0">
                 <a:solidFill>
                   <a:srgbClr val="C00000"/>
                 </a:solidFill>
@@ -4108,7 +4110,7 @@
             </a:r>
           </a:p>
           <a:p>
-            <a:pPr marL="342900" indent="-342900">
+            <a:pPr marL="278606" indent="-278606">
               <a:lnSpc>
                 <a:spcPct val="200000"/>
               </a:lnSpc>
@@ -4116,7 +4118,7 @@
               <a:buAutoNum type="arabicPeriod"/>
             </a:pPr>
             <a:r>
-              <a:rPr lang="en-US" sz="1600" b="1" dirty="0">
+              <a:rPr lang="en-US" sz="1300" b="1" dirty="0">
                 <a:solidFill>
                   <a:srgbClr val="C00000"/>
                 </a:solidFill>
@@ -4126,7 +4128,7 @@
             </a:r>
           </a:p>
           <a:p>
-            <a:pPr marL="342900" indent="-342900">
+            <a:pPr marL="278606" indent="-278606">
               <a:lnSpc>
                 <a:spcPct val="200000"/>
               </a:lnSpc>
@@ -4134,7 +4136,7 @@
               <a:buAutoNum type="arabicPeriod"/>
             </a:pPr>
             <a:r>
-              <a:rPr lang="en-US" sz="1600" b="1" dirty="0">
+              <a:rPr lang="en-US" sz="1300" b="1" dirty="0">
                 <a:solidFill>
                   <a:srgbClr val="C00000"/>
                 </a:solidFill>
@@ -4144,7 +4146,7 @@
             </a:r>
           </a:p>
           <a:p>
-            <a:pPr marL="342900" indent="-342900">
+            <a:pPr marL="278606" indent="-278606">
               <a:lnSpc>
                 <a:spcPct val="200000"/>
               </a:lnSpc>
@@ -4152,7 +4154,7 @@
               <a:buAutoNum type="arabicPeriod"/>
             </a:pPr>
             <a:r>
-              <a:rPr lang="en-US" sz="1600" b="1" dirty="0">
+              <a:rPr lang="en-US" sz="1300" b="1" dirty="0">
                 <a:solidFill>
                   <a:srgbClr val="C00000"/>
                 </a:solidFill>
@@ -4162,7 +4164,7 @@
             </a:r>
           </a:p>
           <a:p>
-            <a:pPr marL="342900" indent="-342900">
+            <a:pPr marL="278606" indent="-278606">
               <a:lnSpc>
                 <a:spcPct val="200000"/>
               </a:lnSpc>
@@ -4170,7 +4172,7 @@
               <a:buAutoNum type="arabicPeriod"/>
             </a:pPr>
             <a:r>
-              <a:rPr lang="en-US" sz="1600" b="1" dirty="0">
+              <a:rPr lang="en-US" sz="1300" b="1" dirty="0">
                 <a:solidFill>
                   <a:srgbClr val="C00000"/>
                 </a:solidFill>
@@ -4197,7 +4199,7 @@
 <file path=ppt/theme/theme1.xml><?xml version="1.0" encoding="utf-8"?>
 <a:theme xmlns:a="http://schemas.openxmlformats.org/drawingml/2006/main" name="Office Theme">
   <a:themeElements>
-    <a:clrScheme name="Office">
+    <a:clrScheme name="Office Theme">
       <a:dk1>
         <a:sysClr val="windowText" lastClr="000000"/>
       </a:dk1>
@@ -4211,7 +4213,7 @@
         <a:srgbClr val="E7E6E6"/>
       </a:lt2>
       <a:accent1>
-        <a:srgbClr val="5B9BD5"/>
+        <a:srgbClr val="4472C4"/>
       </a:accent1>
       <a:accent2>
         <a:srgbClr val="ED7D31"/>
@@ -4223,7 +4225,7 @@
         <a:srgbClr val="FFC000"/>
       </a:accent4>
       <a:accent5>
-        <a:srgbClr val="4472C4"/>
+        <a:srgbClr val="5B9BD5"/>
       </a:accent5>
       <a:accent6>
         <a:srgbClr val="70AD47"/>
@@ -4235,14 +4237,14 @@
         <a:srgbClr val="954F72"/>
       </a:folHlink>
     </a:clrScheme>
-    <a:fontScheme name="Office">
+    <a:fontScheme name="Office Theme">
       <a:majorFont>
         <a:latin typeface="Calibri Light" panose="020F0302020204030204"/>
         <a:ea typeface=""/>
         <a:cs typeface=""/>
-        <a:font script="Jpan" typeface="ＭＳ Ｐゴシック"/>
+        <a:font script="Jpan" typeface="游ゴシック Light"/>
         <a:font script="Hang" typeface="맑은 고딕"/>
-        <a:font script="Hans" typeface="宋体"/>
+        <a:font script="Hans" typeface="等线 Light"/>
         <a:font script="Hant" typeface="新細明體"/>
         <a:font script="Arab" typeface="Times New Roman"/>
         <a:font script="Hebr" typeface="Times New Roman"/>
@@ -4275,9 +4277,9 @@
         <a:latin typeface="Calibri" panose="020F0502020204030204"/>
         <a:ea typeface=""/>
         <a:cs typeface=""/>
-        <a:font script="Jpan" typeface="ＭＳ Ｐゴシック"/>
+        <a:font script="Jpan" typeface="游ゴシック"/>
         <a:font script="Hang" typeface="맑은 고딕"/>
-        <a:font script="Hans" typeface="宋体"/>
+        <a:font script="Hans" typeface="等线"/>
         <a:font script="Hant" typeface="新細明體"/>
         <a:font script="Arab" typeface="Arial"/>
         <a:font script="Hebr" typeface="Arial"/>
@@ -4307,7 +4309,7 @@
         <a:font script="Geor" typeface="Sylfaen"/>
       </a:minorFont>
     </a:fontScheme>
-    <a:fmtScheme name="Office">
+    <a:fmtScheme name="Office Theme">
       <a:fillStyleLst>
         <a:solidFill>
           <a:schemeClr val="phClr"/>
@@ -4449,7 +4451,7 @@
   <a:extraClrSchemeLst/>
   <a:extLst>
     <a:ext uri="{05A4C25C-085E-4340-85A3-A5531E510DB2}">
-      <thm15:themeFamily xmlns:thm15="http://schemas.microsoft.com/office/thememl/2012/main" name="Office Theme" id="{62F939B6-93AF-4DB8-9C6B-D6C7DFDC589F}" vid="{4A3C46E8-61CC-4603-A589-7422A47A8E4A}"/>
+      <thm15:themeFamily xmlns:thm15="http://schemas.microsoft.com/office/thememl/2012/main" name="Office Theme 2013 - 2022" id="{62F939B6-93AF-4DB8-9C6B-D6C7DFDC589F}" vid="{4A3C46E8-61CC-4603-A589-7422A47A8E4A}"/>
     </a:ext>
   </a:extLst>
 </a:theme>

--- a/Offline/BusinessManagement/AnodiamManagmentMasterPlan.pptx
+++ b/Offline/BusinessManagement/AnodiamManagmentMasterPlan.pptx
@@ -4,10 +4,14 @@
   <p:sldMasterIdLst>
     <p:sldMasterId id="2147483660" r:id="rId1"/>
   </p:sldMasterIdLst>
+  <p:notesMasterIdLst>
+    <p:notesMasterId r:id="rId6"/>
+  </p:notesMasterIdLst>
   <p:sldIdLst>
     <p:sldId id="256" r:id="rId2"/>
     <p:sldId id="257" r:id="rId3"/>
-    <p:sldId id="258" r:id="rId4"/>
+    <p:sldId id="259" r:id="rId4"/>
+    <p:sldId id="258" r:id="rId5"/>
   </p:sldIdLst>
   <p:sldSz cx="9906000" cy="6858000" type="A4"/>
   <p:notesSz cx="6858000" cy="9144000"/>
@@ -114,6 +118,439 @@
 </p:presentation>
 </file>
 
+<file path=ppt/notesMasters/notesMaster1.xml><?xml version="1.0" encoding="utf-8"?>
+<p:notesMaster xmlns:a="http://schemas.openxmlformats.org/drawingml/2006/main" xmlns:r="http://schemas.openxmlformats.org/officeDocument/2006/relationships" xmlns:p="http://schemas.openxmlformats.org/presentationml/2006/main">
+  <p:cSld>
+    <p:bg>
+      <p:bgRef idx="1001">
+        <a:schemeClr val="bg1"/>
+      </p:bgRef>
+    </p:bg>
+    <p:spTree>
+      <p:nvGrpSpPr>
+        <p:cNvPr id="1" name=""/>
+        <p:cNvGrpSpPr/>
+        <p:nvPr/>
+      </p:nvGrpSpPr>
+      <p:grpSpPr>
+        <a:xfrm>
+          <a:off x="0" y="0"/>
+          <a:ext cx="0" cy="0"/>
+          <a:chOff x="0" y="0"/>
+          <a:chExt cx="0" cy="0"/>
+        </a:xfrm>
+      </p:grpSpPr>
+      <p:sp>
+        <p:nvSpPr>
+          <p:cNvPr id="2" name="Header Placeholder 1"/>
+          <p:cNvSpPr>
+            <a:spLocks noGrp="1"/>
+          </p:cNvSpPr>
+          <p:nvPr>
+            <p:ph type="hdr" sz="quarter"/>
+          </p:nvPr>
+        </p:nvSpPr>
+        <p:spPr>
+          <a:xfrm>
+            <a:off x="0" y="0"/>
+            <a:ext cx="2971800" cy="458788"/>
+          </a:xfrm>
+          <a:prstGeom prst="rect">
+            <a:avLst/>
+          </a:prstGeom>
+        </p:spPr>
+        <p:txBody>
+          <a:bodyPr vert="horz" lIns="91440" tIns="45720" rIns="91440" bIns="45720" rtlCol="0"/>
+          <a:lstStyle>
+            <a:lvl1pPr algn="l">
+              <a:defRPr sz="1200"/>
+            </a:lvl1pPr>
+          </a:lstStyle>
+          <a:p>
+            <a:endParaRPr lang="en-US"/>
+          </a:p>
+        </p:txBody>
+      </p:sp>
+      <p:sp>
+        <p:nvSpPr>
+          <p:cNvPr id="3" name="Date Placeholder 2"/>
+          <p:cNvSpPr>
+            <a:spLocks noGrp="1"/>
+          </p:cNvSpPr>
+          <p:nvPr>
+            <p:ph type="dt" idx="1"/>
+          </p:nvPr>
+        </p:nvSpPr>
+        <p:spPr>
+          <a:xfrm>
+            <a:off x="3884613" y="0"/>
+            <a:ext cx="2971800" cy="458788"/>
+          </a:xfrm>
+          <a:prstGeom prst="rect">
+            <a:avLst/>
+          </a:prstGeom>
+        </p:spPr>
+        <p:txBody>
+          <a:bodyPr vert="horz" lIns="91440" tIns="45720" rIns="91440" bIns="45720" rtlCol="0"/>
+          <a:lstStyle>
+            <a:lvl1pPr algn="r">
+              <a:defRPr sz="1200"/>
+            </a:lvl1pPr>
+          </a:lstStyle>
+          <a:p>
+            <a:fld id="{5169E326-07B3-4912-83BB-C3B54834DC03}" type="datetimeFigureOut">
+              <a:rPr lang="en-US" smtClean="0"/>
+              <a:t>7/19/2023</a:t>
+            </a:fld>
+            <a:endParaRPr lang="en-US"/>
+          </a:p>
+        </p:txBody>
+      </p:sp>
+      <p:sp>
+        <p:nvSpPr>
+          <p:cNvPr id="4" name="Slide Image Placeholder 3"/>
+          <p:cNvSpPr>
+            <a:spLocks noGrp="1" noRot="1" noChangeAspect="1"/>
+          </p:cNvSpPr>
+          <p:nvPr>
+            <p:ph type="sldImg" idx="2"/>
+          </p:nvPr>
+        </p:nvSpPr>
+        <p:spPr>
+          <a:xfrm>
+            <a:off x="1200150" y="1143000"/>
+            <a:ext cx="4457700" cy="3086100"/>
+          </a:xfrm>
+          <a:prstGeom prst="rect">
+            <a:avLst/>
+          </a:prstGeom>
+          <a:noFill/>
+          <a:ln w="12700">
+            <a:solidFill>
+              <a:prstClr val="black"/>
+            </a:solidFill>
+          </a:ln>
+        </p:spPr>
+        <p:txBody>
+          <a:bodyPr vert="horz" lIns="91440" tIns="45720" rIns="91440" bIns="45720" rtlCol="0" anchor="ctr"/>
+          <a:lstStyle/>
+          <a:p>
+            <a:endParaRPr lang="en-US"/>
+          </a:p>
+        </p:txBody>
+      </p:sp>
+      <p:sp>
+        <p:nvSpPr>
+          <p:cNvPr id="5" name="Notes Placeholder 4"/>
+          <p:cNvSpPr>
+            <a:spLocks noGrp="1"/>
+          </p:cNvSpPr>
+          <p:nvPr>
+            <p:ph type="body" sz="quarter" idx="3"/>
+          </p:nvPr>
+        </p:nvSpPr>
+        <p:spPr>
+          <a:xfrm>
+            <a:off x="685800" y="4400550"/>
+            <a:ext cx="5486400" cy="3600450"/>
+          </a:xfrm>
+          <a:prstGeom prst="rect">
+            <a:avLst/>
+          </a:prstGeom>
+        </p:spPr>
+        <p:txBody>
+          <a:bodyPr vert="horz" lIns="91440" tIns="45720" rIns="91440" bIns="45720" rtlCol="0"/>
+          <a:lstStyle/>
+          <a:p>
+            <a:pPr lvl="0"/>
+            <a:r>
+              <a:rPr lang="en-US"/>
+              <a:t>Click to edit Master text styles</a:t>
+            </a:r>
+          </a:p>
+          <a:p>
+            <a:pPr lvl="1"/>
+            <a:r>
+              <a:rPr lang="en-US"/>
+              <a:t>Second level</a:t>
+            </a:r>
+          </a:p>
+          <a:p>
+            <a:pPr lvl="2"/>
+            <a:r>
+              <a:rPr lang="en-US"/>
+              <a:t>Third level</a:t>
+            </a:r>
+          </a:p>
+          <a:p>
+            <a:pPr lvl="3"/>
+            <a:r>
+              <a:rPr lang="en-US"/>
+              <a:t>Fourth level</a:t>
+            </a:r>
+          </a:p>
+          <a:p>
+            <a:pPr lvl="4"/>
+            <a:r>
+              <a:rPr lang="en-US"/>
+              <a:t>Fifth level</a:t>
+            </a:r>
+          </a:p>
+        </p:txBody>
+      </p:sp>
+      <p:sp>
+        <p:nvSpPr>
+          <p:cNvPr id="6" name="Footer Placeholder 5"/>
+          <p:cNvSpPr>
+            <a:spLocks noGrp="1"/>
+          </p:cNvSpPr>
+          <p:nvPr>
+            <p:ph type="ftr" sz="quarter" idx="4"/>
+          </p:nvPr>
+        </p:nvSpPr>
+        <p:spPr>
+          <a:xfrm>
+            <a:off x="0" y="8685213"/>
+            <a:ext cx="2971800" cy="458787"/>
+          </a:xfrm>
+          <a:prstGeom prst="rect">
+            <a:avLst/>
+          </a:prstGeom>
+        </p:spPr>
+        <p:txBody>
+          <a:bodyPr vert="horz" lIns="91440" tIns="45720" rIns="91440" bIns="45720" rtlCol="0" anchor="b"/>
+          <a:lstStyle>
+            <a:lvl1pPr algn="l">
+              <a:defRPr sz="1200"/>
+            </a:lvl1pPr>
+          </a:lstStyle>
+          <a:p>
+            <a:endParaRPr lang="en-US"/>
+          </a:p>
+        </p:txBody>
+      </p:sp>
+      <p:sp>
+        <p:nvSpPr>
+          <p:cNvPr id="7" name="Slide Number Placeholder 6"/>
+          <p:cNvSpPr>
+            <a:spLocks noGrp="1"/>
+          </p:cNvSpPr>
+          <p:nvPr>
+            <p:ph type="sldNum" sz="quarter" idx="5"/>
+          </p:nvPr>
+        </p:nvSpPr>
+        <p:spPr>
+          <a:xfrm>
+            <a:off x="3884613" y="8685213"/>
+            <a:ext cx="2971800" cy="458787"/>
+          </a:xfrm>
+          <a:prstGeom prst="rect">
+            <a:avLst/>
+          </a:prstGeom>
+        </p:spPr>
+        <p:txBody>
+          <a:bodyPr vert="horz" lIns="91440" tIns="45720" rIns="91440" bIns="45720" rtlCol="0" anchor="b"/>
+          <a:lstStyle>
+            <a:lvl1pPr algn="r">
+              <a:defRPr sz="1200"/>
+            </a:lvl1pPr>
+          </a:lstStyle>
+          <a:p>
+            <a:fld id="{54B0C0EF-D468-4C17-82FC-5504163251C1}" type="slidenum">
+              <a:rPr lang="en-US" smtClean="0"/>
+              <a:t>‹#›</a:t>
+            </a:fld>
+            <a:endParaRPr lang="en-US"/>
+          </a:p>
+        </p:txBody>
+      </p:sp>
+    </p:spTree>
+    <p:extLst>
+      <p:ext uri="{BB962C8B-B14F-4D97-AF65-F5344CB8AC3E}">
+        <p14:creationId xmlns:p14="http://schemas.microsoft.com/office/powerpoint/2010/main" val="2624025816"/>
+      </p:ext>
+    </p:extLst>
+  </p:cSld>
+  <p:clrMap bg1="lt1" tx1="dk1" bg2="lt2" tx2="dk2" accent1="accent1" accent2="accent2" accent3="accent3" accent4="accent4" accent5="accent5" accent6="accent6" hlink="hlink" folHlink="folHlink"/>
+  <p:notesStyle>
+    <a:lvl1pPr marL="0" algn="l" defTabSz="914400" rtl="0" eaLnBrk="1" latinLnBrk="0" hangingPunct="1">
+      <a:defRPr sz="1200" kern="1200">
+        <a:solidFill>
+          <a:schemeClr val="tx1"/>
+        </a:solidFill>
+        <a:latin typeface="+mn-lt"/>
+        <a:ea typeface="+mn-ea"/>
+        <a:cs typeface="+mn-cs"/>
+      </a:defRPr>
+    </a:lvl1pPr>
+    <a:lvl2pPr marL="457200" algn="l" defTabSz="914400" rtl="0" eaLnBrk="1" latinLnBrk="0" hangingPunct="1">
+      <a:defRPr sz="1200" kern="1200">
+        <a:solidFill>
+          <a:schemeClr val="tx1"/>
+        </a:solidFill>
+        <a:latin typeface="+mn-lt"/>
+        <a:ea typeface="+mn-ea"/>
+        <a:cs typeface="+mn-cs"/>
+      </a:defRPr>
+    </a:lvl2pPr>
+    <a:lvl3pPr marL="914400" algn="l" defTabSz="914400" rtl="0" eaLnBrk="1" latinLnBrk="0" hangingPunct="1">
+      <a:defRPr sz="1200" kern="1200">
+        <a:solidFill>
+          <a:schemeClr val="tx1"/>
+        </a:solidFill>
+        <a:latin typeface="+mn-lt"/>
+        <a:ea typeface="+mn-ea"/>
+        <a:cs typeface="+mn-cs"/>
+      </a:defRPr>
+    </a:lvl3pPr>
+    <a:lvl4pPr marL="1371600" algn="l" defTabSz="914400" rtl="0" eaLnBrk="1" latinLnBrk="0" hangingPunct="1">
+      <a:defRPr sz="1200" kern="1200">
+        <a:solidFill>
+          <a:schemeClr val="tx1"/>
+        </a:solidFill>
+        <a:latin typeface="+mn-lt"/>
+        <a:ea typeface="+mn-ea"/>
+        <a:cs typeface="+mn-cs"/>
+      </a:defRPr>
+    </a:lvl4pPr>
+    <a:lvl5pPr marL="1828800" algn="l" defTabSz="914400" rtl="0" eaLnBrk="1" latinLnBrk="0" hangingPunct="1">
+      <a:defRPr sz="1200" kern="1200">
+        <a:solidFill>
+          <a:schemeClr val="tx1"/>
+        </a:solidFill>
+        <a:latin typeface="+mn-lt"/>
+        <a:ea typeface="+mn-ea"/>
+        <a:cs typeface="+mn-cs"/>
+      </a:defRPr>
+    </a:lvl5pPr>
+    <a:lvl6pPr marL="2286000" algn="l" defTabSz="914400" rtl="0" eaLnBrk="1" latinLnBrk="0" hangingPunct="1">
+      <a:defRPr sz="1200" kern="1200">
+        <a:solidFill>
+          <a:schemeClr val="tx1"/>
+        </a:solidFill>
+        <a:latin typeface="+mn-lt"/>
+        <a:ea typeface="+mn-ea"/>
+        <a:cs typeface="+mn-cs"/>
+      </a:defRPr>
+    </a:lvl6pPr>
+    <a:lvl7pPr marL="2743200" algn="l" defTabSz="914400" rtl="0" eaLnBrk="1" latinLnBrk="0" hangingPunct="1">
+      <a:defRPr sz="1200" kern="1200">
+        <a:solidFill>
+          <a:schemeClr val="tx1"/>
+        </a:solidFill>
+        <a:latin typeface="+mn-lt"/>
+        <a:ea typeface="+mn-ea"/>
+        <a:cs typeface="+mn-cs"/>
+      </a:defRPr>
+    </a:lvl7pPr>
+    <a:lvl8pPr marL="3200400" algn="l" defTabSz="914400" rtl="0" eaLnBrk="1" latinLnBrk="0" hangingPunct="1">
+      <a:defRPr sz="1200" kern="1200">
+        <a:solidFill>
+          <a:schemeClr val="tx1"/>
+        </a:solidFill>
+        <a:latin typeface="+mn-lt"/>
+        <a:ea typeface="+mn-ea"/>
+        <a:cs typeface="+mn-cs"/>
+      </a:defRPr>
+    </a:lvl8pPr>
+    <a:lvl9pPr marL="3657600" algn="l" defTabSz="914400" rtl="0" eaLnBrk="1" latinLnBrk="0" hangingPunct="1">
+      <a:defRPr sz="1200" kern="1200">
+        <a:solidFill>
+          <a:schemeClr val="tx1"/>
+        </a:solidFill>
+        <a:latin typeface="+mn-lt"/>
+        <a:ea typeface="+mn-ea"/>
+        <a:cs typeface="+mn-cs"/>
+      </a:defRPr>
+    </a:lvl9pPr>
+  </p:notesStyle>
+</p:notesMaster>
+</file>
+
+<file path=ppt/notesSlides/notesSlide1.xml><?xml version="1.0" encoding="utf-8"?>
+<p:notes xmlns:a="http://schemas.openxmlformats.org/drawingml/2006/main" xmlns:r="http://schemas.openxmlformats.org/officeDocument/2006/relationships" xmlns:p="http://schemas.openxmlformats.org/presentationml/2006/main">
+  <p:cSld>
+    <p:spTree>
+      <p:nvGrpSpPr>
+        <p:cNvPr id="1" name=""/>
+        <p:cNvGrpSpPr/>
+        <p:nvPr/>
+      </p:nvGrpSpPr>
+      <p:grpSpPr>
+        <a:xfrm>
+          <a:off x="0" y="0"/>
+          <a:ext cx="0" cy="0"/>
+          <a:chOff x="0" y="0"/>
+          <a:chExt cx="0" cy="0"/>
+        </a:xfrm>
+      </p:grpSpPr>
+      <p:sp>
+        <p:nvSpPr>
+          <p:cNvPr id="2" name="Slide Image Placeholder 1"/>
+          <p:cNvSpPr>
+            <a:spLocks noGrp="1" noRot="1" noChangeAspect="1"/>
+          </p:cNvSpPr>
+          <p:nvPr>
+            <p:ph type="sldImg"/>
+          </p:nvPr>
+        </p:nvSpPr>
+        <p:spPr/>
+      </p:sp>
+      <p:sp>
+        <p:nvSpPr>
+          <p:cNvPr id="3" name="Notes Placeholder 2"/>
+          <p:cNvSpPr>
+            <a:spLocks noGrp="1"/>
+          </p:cNvSpPr>
+          <p:nvPr>
+            <p:ph type="body" idx="1"/>
+          </p:nvPr>
+        </p:nvSpPr>
+        <p:spPr/>
+        <p:txBody>
+          <a:bodyPr/>
+          <a:lstStyle/>
+          <a:p>
+            <a:endParaRPr lang="en-US" dirty="0"/>
+          </a:p>
+        </p:txBody>
+      </p:sp>
+      <p:sp>
+        <p:nvSpPr>
+          <p:cNvPr id="4" name="Slide Number Placeholder 3"/>
+          <p:cNvSpPr>
+            <a:spLocks noGrp="1"/>
+          </p:cNvSpPr>
+          <p:nvPr>
+            <p:ph type="sldNum" sz="quarter" idx="5"/>
+          </p:nvPr>
+        </p:nvSpPr>
+        <p:spPr/>
+        <p:txBody>
+          <a:bodyPr/>
+          <a:lstStyle/>
+          <a:p>
+            <a:fld id="{54B0C0EF-D468-4C17-82FC-5504163251C1}" type="slidenum">
+              <a:rPr lang="en-US" smtClean="0"/>
+              <a:t>1</a:t>
+            </a:fld>
+            <a:endParaRPr lang="en-US"/>
+          </a:p>
+        </p:txBody>
+      </p:sp>
+    </p:spTree>
+    <p:extLst>
+      <p:ext uri="{BB962C8B-B14F-4D97-AF65-F5344CB8AC3E}">
+        <p14:creationId xmlns:p14="http://schemas.microsoft.com/office/powerpoint/2010/main" val="820794570"/>
+      </p:ext>
+    </p:extLst>
+  </p:cSld>
+  <p:clrMapOvr>
+    <a:masterClrMapping/>
+  </p:clrMapOvr>
+</p:notes>
+</file>
+
 <file path=ppt/slideLayouts/slideLayout1.xml><?xml version="1.0" encoding="utf-8"?>
 <p:sldLayout xmlns:a="http://schemas.openxmlformats.org/drawingml/2006/main" xmlns:r="http://schemas.openxmlformats.org/officeDocument/2006/relationships" xmlns:p="http://schemas.openxmlformats.org/presentationml/2006/main" type="title" preserve="1">
   <p:cSld name="Title Slide">
@@ -245,7 +682,7 @@
           <a:p>
             <a:fld id="{EB5091F5-313C-4A81-ACA1-94ED5D4B25D8}" type="datetimeFigureOut">
               <a:rPr lang="en-AU" smtClean="0"/>
-              <a:t>18/07/2023</a:t>
+              <a:t>19/07/2023</a:t>
             </a:fld>
             <a:endParaRPr lang="en-AU"/>
           </a:p>
@@ -415,7 +852,7 @@
           <a:p>
             <a:fld id="{EB5091F5-313C-4A81-ACA1-94ED5D4B25D8}" type="datetimeFigureOut">
               <a:rPr lang="en-AU" smtClean="0"/>
-              <a:t>18/07/2023</a:t>
+              <a:t>19/07/2023</a:t>
             </a:fld>
             <a:endParaRPr lang="en-AU"/>
           </a:p>
@@ -595,7 +1032,7 @@
           <a:p>
             <a:fld id="{EB5091F5-313C-4A81-ACA1-94ED5D4B25D8}" type="datetimeFigureOut">
               <a:rPr lang="en-AU" smtClean="0"/>
-              <a:t>18/07/2023</a:t>
+              <a:t>19/07/2023</a:t>
             </a:fld>
             <a:endParaRPr lang="en-AU"/>
           </a:p>
@@ -765,7 +1202,7 @@
           <a:p>
             <a:fld id="{EB5091F5-313C-4A81-ACA1-94ED5D4B25D8}" type="datetimeFigureOut">
               <a:rPr lang="en-AU" smtClean="0"/>
-              <a:t>18/07/2023</a:t>
+              <a:t>19/07/2023</a:t>
             </a:fld>
             <a:endParaRPr lang="en-AU"/>
           </a:p>
@@ -1009,7 +1446,7 @@
           <a:p>
             <a:fld id="{EB5091F5-313C-4A81-ACA1-94ED5D4B25D8}" type="datetimeFigureOut">
               <a:rPr lang="en-AU" smtClean="0"/>
-              <a:t>18/07/2023</a:t>
+              <a:t>19/07/2023</a:t>
             </a:fld>
             <a:endParaRPr lang="en-AU"/>
           </a:p>
@@ -1241,7 +1678,7 @@
           <a:p>
             <a:fld id="{EB5091F5-313C-4A81-ACA1-94ED5D4B25D8}" type="datetimeFigureOut">
               <a:rPr lang="en-AU" smtClean="0"/>
-              <a:t>18/07/2023</a:t>
+              <a:t>19/07/2023</a:t>
             </a:fld>
             <a:endParaRPr lang="en-AU"/>
           </a:p>
@@ -1608,7 +2045,7 @@
           <a:p>
             <a:fld id="{EB5091F5-313C-4A81-ACA1-94ED5D4B25D8}" type="datetimeFigureOut">
               <a:rPr lang="en-AU" smtClean="0"/>
-              <a:t>18/07/2023</a:t>
+              <a:t>19/07/2023</a:t>
             </a:fld>
             <a:endParaRPr lang="en-AU"/>
           </a:p>
@@ -1726,7 +2163,7 @@
           <a:p>
             <a:fld id="{EB5091F5-313C-4A81-ACA1-94ED5D4B25D8}" type="datetimeFigureOut">
               <a:rPr lang="en-AU" smtClean="0"/>
-              <a:t>18/07/2023</a:t>
+              <a:t>19/07/2023</a:t>
             </a:fld>
             <a:endParaRPr lang="en-AU"/>
           </a:p>
@@ -1821,7 +2258,7 @@
           <a:p>
             <a:fld id="{EB5091F5-313C-4A81-ACA1-94ED5D4B25D8}" type="datetimeFigureOut">
               <a:rPr lang="en-AU" smtClean="0"/>
-              <a:t>18/07/2023</a:t>
+              <a:t>19/07/2023</a:t>
             </a:fld>
             <a:endParaRPr lang="en-AU"/>
           </a:p>
@@ -2098,7 +2535,7 @@
           <a:p>
             <a:fld id="{EB5091F5-313C-4A81-ACA1-94ED5D4B25D8}" type="datetimeFigureOut">
               <a:rPr lang="en-AU" smtClean="0"/>
-              <a:t>18/07/2023</a:t>
+              <a:t>19/07/2023</a:t>
             </a:fld>
             <a:endParaRPr lang="en-AU"/>
           </a:p>
@@ -2355,7 +2792,7 @@
           <a:p>
             <a:fld id="{EB5091F5-313C-4A81-ACA1-94ED5D4B25D8}" type="datetimeFigureOut">
               <a:rPr lang="en-AU" smtClean="0"/>
-              <a:t>18/07/2023</a:t>
+              <a:t>19/07/2023</a:t>
             </a:fld>
             <a:endParaRPr lang="en-AU"/>
           </a:p>
@@ -2568,7 +3005,7 @@
           <a:p>
             <a:fld id="{EB5091F5-313C-4A81-ACA1-94ED5D4B25D8}" type="datetimeFigureOut">
               <a:rPr lang="en-AU" smtClean="0"/>
-              <a:t>18/07/2023</a:t>
+              <a:t>19/07/2023</a:t>
             </a:fld>
             <a:endParaRPr lang="en-AU"/>
           </a:p>
@@ -2982,7 +3419,7 @@
           <p:nvPr/>
         </p:nvPicPr>
         <p:blipFill>
-          <a:blip r:embed="rId2" cstate="print">
+          <a:blip r:embed="rId3" cstate="print">
             <a:extLst>
               <a:ext uri="{28A0092B-C50C-407E-A947-70E740481C1C}">
                 <a14:useLocalDpi xmlns:a14="http://schemas.microsoft.com/office/drawing/2010/main" val="0"/>
@@ -3121,7 +3558,7 @@
                 </a:solidFill>
                 <a:latin typeface="Oxygen" panose="02000503000000000000" pitchFamily="2" charset="0"/>
               </a:rPr>
-              <a:t>IT/AI – Debasish Nath</a:t>
+              <a:t>IT/AI</a:t>
             </a:r>
           </a:p>
           <a:p>
@@ -3139,7 +3576,7 @@
                 </a:solidFill>
                 <a:latin typeface="Oxygen" panose="02000503000000000000" pitchFamily="2" charset="0"/>
               </a:rPr>
-              <a:t>Commerce – Anupam Sen</a:t>
+              <a:t>Commerce</a:t>
             </a:r>
           </a:p>
           <a:p>
@@ -3157,7 +3594,43 @@
                 </a:solidFill>
                 <a:latin typeface="Oxygen" panose="02000503000000000000" pitchFamily="2" charset="0"/>
               </a:rPr>
-              <a:t>Professional – TBD</a:t>
+              <a:t>NEET/IIT</a:t>
+            </a:r>
+          </a:p>
+          <a:p>
+            <a:pPr marL="278606" indent="-278606">
+              <a:lnSpc>
+                <a:spcPct val="200000"/>
+              </a:lnSpc>
+              <a:buFont typeface="Wingdings" panose="05000000000000000000" pitchFamily="2" charset="2"/>
+              <a:buChar char="v"/>
+            </a:pPr>
+            <a:r>
+              <a:rPr lang="en-US" sz="1463" b="1" dirty="0">
+                <a:solidFill>
+                  <a:srgbClr val="C00000"/>
+                </a:solidFill>
+                <a:latin typeface="Oxygen" panose="02000503000000000000" pitchFamily="2" charset="0"/>
+              </a:rPr>
+              <a:t>VIII to XII Science</a:t>
+            </a:r>
+          </a:p>
+          <a:p>
+            <a:pPr marL="278606" indent="-278606">
+              <a:lnSpc>
+                <a:spcPct val="200000"/>
+              </a:lnSpc>
+              <a:buFont typeface="Wingdings" panose="05000000000000000000" pitchFamily="2" charset="2"/>
+              <a:buChar char="v"/>
+            </a:pPr>
+            <a:r>
+              <a:rPr lang="en-US" sz="1463" b="1" dirty="0">
+                <a:solidFill>
+                  <a:srgbClr val="C00000"/>
+                </a:solidFill>
+                <a:latin typeface="Oxygen" panose="02000503000000000000" pitchFamily="2" charset="0"/>
+              </a:rPr>
+              <a:t>VIII to XII Arts</a:t>
             </a:r>
           </a:p>
           <a:p>
@@ -3177,47 +3650,7 @@
                 </a:solidFill>
                 <a:latin typeface="Oxygen" panose="02000503000000000000" pitchFamily="2" charset="0"/>
               </a:rPr>
-              <a:t>NEET/IIT – Subrata Ghosh</a:t>
-            </a:r>
-          </a:p>
-          <a:p>
-            <a:pPr marL="278606" indent="-278606">
-              <a:lnSpc>
-                <a:spcPct val="200000"/>
-              </a:lnSpc>
-              <a:buFont typeface="Wingdings" panose="05000000000000000000" pitchFamily="2" charset="2"/>
-              <a:buChar char="v"/>
-            </a:pPr>
-            <a:r>
-              <a:rPr lang="en-US" sz="1463" b="1" dirty="0">
-                <a:solidFill>
-                  <a:schemeClr val="accent2">
-                    <a:lumMod val="75000"/>
-                  </a:schemeClr>
-                </a:solidFill>
-                <a:latin typeface="Oxygen" panose="02000503000000000000" pitchFamily="2" charset="0"/>
-              </a:rPr>
-              <a:t>VIII to XII Science – Sujata</a:t>
-            </a:r>
-          </a:p>
-          <a:p>
-            <a:pPr marL="278606" indent="-278606">
-              <a:lnSpc>
-                <a:spcPct val="200000"/>
-              </a:lnSpc>
-              <a:buFont typeface="Wingdings" panose="05000000000000000000" pitchFamily="2" charset="2"/>
-              <a:buChar char="v"/>
-            </a:pPr>
-            <a:r>
-              <a:rPr lang="en-US" sz="1463" b="1" dirty="0">
-                <a:solidFill>
-                  <a:schemeClr val="accent2">
-                    <a:lumMod val="75000"/>
-                  </a:schemeClr>
-                </a:solidFill>
-                <a:latin typeface="Oxygen" panose="02000503000000000000" pitchFamily="2" charset="0"/>
-              </a:rPr>
-              <a:t>VIII to XII Arts – TBD</a:t>
+              <a:t>Professional</a:t>
             </a:r>
           </a:p>
           <a:p>
@@ -3237,7 +3670,7 @@
                 </a:solidFill>
                 <a:latin typeface="Oxygen" panose="02000503000000000000" pitchFamily="2" charset="0"/>
               </a:rPr>
-              <a:t>Competitive (Banking, IAS, WBCS etc.)</a:t>
+              <a:t>Banking, IAS, WBCS etc.</a:t>
             </a:r>
           </a:p>
           <a:p>
@@ -3271,7 +3704,7 @@
           <p:nvPr/>
         </p:nvPicPr>
         <p:blipFill>
-          <a:blip r:embed="rId3"/>
+          <a:blip r:embed="rId4"/>
           <a:stretch>
             <a:fillRect/>
           </a:stretch>
@@ -4180,6 +4613,572 @@
               </a:rPr>
               <a:t>Start Marketing: Online /Offline</a:t>
             </a:r>
+          </a:p>
+        </p:txBody>
+      </p:sp>
+    </p:spTree>
+    <p:extLst>
+      <p:ext uri="{BB962C8B-B14F-4D97-AF65-F5344CB8AC3E}">
+        <p14:creationId xmlns:p14="http://schemas.microsoft.com/office/powerpoint/2010/main" val="2579915422"/>
+      </p:ext>
+    </p:extLst>
+  </p:cSld>
+  <p:clrMapOvr>
+    <a:masterClrMapping/>
+  </p:clrMapOvr>
+</p:sld>
+</file>
+
+<file path=ppt/slides/slide4.xml><?xml version="1.0" encoding="utf-8"?>
+<p:sld xmlns:a="http://schemas.openxmlformats.org/drawingml/2006/main" xmlns:r="http://schemas.openxmlformats.org/officeDocument/2006/relationships" xmlns:p="http://schemas.openxmlformats.org/presentationml/2006/main">
+  <p:cSld>
+    <p:spTree>
+      <p:nvGrpSpPr>
+        <p:cNvPr id="1" name=""/>
+        <p:cNvGrpSpPr/>
+        <p:nvPr/>
+      </p:nvGrpSpPr>
+      <p:grpSpPr>
+        <a:xfrm>
+          <a:off x="0" y="0"/>
+          <a:ext cx="0" cy="0"/>
+          <a:chOff x="0" y="0"/>
+          <a:chExt cx="0" cy="0"/>
+        </a:xfrm>
+      </p:grpSpPr>
+      <p:pic>
+        <p:nvPicPr>
+          <p:cNvPr id="7" name="Picture 6">
+            <a:extLst>
+              <a:ext uri="{FF2B5EF4-FFF2-40B4-BE49-F238E27FC236}">
+                <a16:creationId xmlns:a16="http://schemas.microsoft.com/office/drawing/2014/main" id="{4ED6CCDF-F38D-5D3E-3379-93198B8A340D}"/>
+              </a:ext>
+            </a:extLst>
+          </p:cNvPr>
+          <p:cNvPicPr>
+            <a:picLocks noChangeAspect="1"/>
+          </p:cNvPicPr>
+          <p:nvPr/>
+        </p:nvPicPr>
+        <p:blipFill>
+          <a:blip r:embed="rId2"/>
+          <a:stretch>
+            <a:fillRect/>
+          </a:stretch>
+        </p:blipFill>
+        <p:spPr>
+          <a:xfrm>
+            <a:off x="823275" y="2431095"/>
+            <a:ext cx="2361570" cy="2361570"/>
+          </a:xfrm>
+          <a:prstGeom prst="rect">
+            <a:avLst/>
+          </a:prstGeom>
+        </p:spPr>
+      </p:pic>
+      <p:pic>
+        <p:nvPicPr>
+          <p:cNvPr id="4" name="Picture 3"/>
+          <p:cNvPicPr>
+            <a:picLocks noChangeAspect="1"/>
+          </p:cNvPicPr>
+          <p:nvPr/>
+        </p:nvPicPr>
+        <p:blipFill>
+          <a:blip r:embed="rId3" cstate="print">
+            <a:extLst>
+              <a:ext uri="{28A0092B-C50C-407E-A947-70E740481C1C}">
+                <a14:useLocalDpi xmlns:a14="http://schemas.microsoft.com/office/drawing/2010/main" val="0"/>
+              </a:ext>
+            </a:extLst>
+          </a:blip>
+          <a:stretch>
+            <a:fillRect/>
+          </a:stretch>
+        </p:blipFill>
+        <p:spPr>
+          <a:xfrm>
+            <a:off x="182877" y="5519023"/>
+            <a:ext cx="1207923" cy="571400"/>
+          </a:xfrm>
+          <a:prstGeom prst="rect">
+            <a:avLst/>
+          </a:prstGeom>
+        </p:spPr>
+      </p:pic>
+      <p:sp>
+        <p:nvSpPr>
+          <p:cNvPr id="5" name="TextBox 4"/>
+          <p:cNvSpPr txBox="1"/>
+          <p:nvPr/>
+        </p:nvSpPr>
+        <p:spPr>
+          <a:xfrm>
+            <a:off x="4316633" y="5926981"/>
+            <a:ext cx="2379321" cy="229935"/>
+          </a:xfrm>
+          <a:prstGeom prst="rect">
+            <a:avLst/>
+          </a:prstGeom>
+          <a:noFill/>
+        </p:spPr>
+        <p:txBody>
+          <a:bodyPr wrap="square" rtlCol="0">
+            <a:spAutoFit/>
+          </a:bodyPr>
+          <a:lstStyle/>
+          <a:p>
+            <a:pPr algn="ctr"/>
+            <a:r>
+              <a:rPr lang="en-US" sz="894" b="1" dirty="0">
+                <a:solidFill>
+                  <a:srgbClr val="FF8C52"/>
+                </a:solidFill>
+                <a:latin typeface="Oxygen" panose="02000503000000000000" pitchFamily="2" charset="0"/>
+              </a:rPr>
+              <a:t>Private and Confidential ® © 2023</a:t>
+            </a:r>
+            <a:endParaRPr lang="en-AU" sz="894" b="1" dirty="0">
+              <a:solidFill>
+                <a:srgbClr val="FF8C52"/>
+              </a:solidFill>
+              <a:latin typeface="Oxygen" panose="02000503000000000000" pitchFamily="2" charset="0"/>
+            </a:endParaRPr>
+          </a:p>
+        </p:txBody>
+      </p:sp>
+      <p:sp>
+        <p:nvSpPr>
+          <p:cNvPr id="6" name="TextBox 5"/>
+          <p:cNvSpPr txBox="1"/>
+          <p:nvPr/>
+        </p:nvSpPr>
+        <p:spPr>
+          <a:xfrm>
+            <a:off x="2221012" y="821943"/>
+            <a:ext cx="5659900" cy="492443"/>
+          </a:xfrm>
+          <a:prstGeom prst="rect">
+            <a:avLst/>
+          </a:prstGeom>
+          <a:noFill/>
+        </p:spPr>
+        <p:txBody>
+          <a:bodyPr wrap="square" rtlCol="0">
+            <a:spAutoFit/>
+          </a:bodyPr>
+          <a:lstStyle/>
+          <a:p>
+            <a:pPr algn="ctr"/>
+            <a:r>
+              <a:rPr lang="en-US" sz="2600" b="1" dirty="0">
+                <a:solidFill>
+                  <a:srgbClr val="FF8C52"/>
+                </a:solidFill>
+                <a:latin typeface="Oxygen" panose="02000503000000000000" pitchFamily="2" charset="0"/>
+              </a:rPr>
+              <a:t>Current Hustle: July 2</a:t>
+            </a:r>
+            <a:r>
+              <a:rPr lang="en-US" sz="2600" b="1" baseline="30000" dirty="0">
+                <a:solidFill>
+                  <a:srgbClr val="FF8C52"/>
+                </a:solidFill>
+                <a:latin typeface="Oxygen" panose="02000503000000000000" pitchFamily="2" charset="0"/>
+              </a:rPr>
+              <a:t>nd</a:t>
+            </a:r>
+            <a:r>
+              <a:rPr lang="en-US" sz="2600" b="1" dirty="0">
+                <a:solidFill>
+                  <a:srgbClr val="FF8C52"/>
+                </a:solidFill>
+                <a:latin typeface="Oxygen" panose="02000503000000000000" pitchFamily="2" charset="0"/>
+              </a:rPr>
+              <a:t> Half</a:t>
+            </a:r>
+            <a:endParaRPr lang="en-AU" sz="2600" b="1" dirty="0">
+              <a:solidFill>
+                <a:srgbClr val="FF8C52"/>
+              </a:solidFill>
+              <a:latin typeface="Oxygen" panose="02000503000000000000" pitchFamily="2" charset="0"/>
+            </a:endParaRPr>
+          </a:p>
+        </p:txBody>
+      </p:sp>
+      <p:sp>
+        <p:nvSpPr>
+          <p:cNvPr id="12" name="Rectangle 11">
+            <a:extLst>
+              <a:ext uri="{FF2B5EF4-FFF2-40B4-BE49-F238E27FC236}">
+                <a16:creationId xmlns:a16="http://schemas.microsoft.com/office/drawing/2014/main" id="{907BEB2A-D93E-46CB-95DF-04E16F0D1C0C}"/>
+              </a:ext>
+            </a:extLst>
+          </p:cNvPr>
+          <p:cNvSpPr/>
+          <p:nvPr/>
+        </p:nvSpPr>
+        <p:spPr>
+          <a:xfrm>
+            <a:off x="776922" y="2356580"/>
+            <a:ext cx="2447725" cy="2438982"/>
+          </a:xfrm>
+          <a:prstGeom prst="rect">
+            <a:avLst/>
+          </a:prstGeom>
+          <a:gradFill flip="none" rotWithShape="1">
+            <a:gsLst>
+              <a:gs pos="0">
+                <a:srgbClr val="FFFFFF">
+                  <a:alpha val="0"/>
+                </a:srgbClr>
+              </a:gs>
+              <a:gs pos="59000">
+                <a:srgbClr val="FFFFFF">
+                  <a:alpha val="0"/>
+                </a:srgbClr>
+              </a:gs>
+              <a:gs pos="71000">
+                <a:schemeClr val="bg1"/>
+              </a:gs>
+              <a:gs pos="100000">
+                <a:schemeClr val="bg1"/>
+              </a:gs>
+            </a:gsLst>
+            <a:path path="circle">
+              <a:fillToRect l="50000" t="50000" r="50000" b="50000"/>
+            </a:path>
+            <a:tileRect/>
+          </a:gradFill>
+          <a:ln>
+            <a:noFill/>
+          </a:ln>
+        </p:spPr>
+        <p:style>
+          <a:lnRef idx="2">
+            <a:schemeClr val="accent1">
+              <a:shade val="50000"/>
+            </a:schemeClr>
+          </a:lnRef>
+          <a:fillRef idx="1">
+            <a:schemeClr val="accent1"/>
+          </a:fillRef>
+          <a:effectRef idx="0">
+            <a:schemeClr val="accent1"/>
+          </a:effectRef>
+          <a:fontRef idx="minor">
+            <a:schemeClr val="lt1"/>
+          </a:fontRef>
+        </p:style>
+        <p:txBody>
+          <a:bodyPr rtlCol="0" anchor="ctr"/>
+          <a:lstStyle/>
+          <a:p>
+            <a:pPr algn="ctr"/>
+            <a:endParaRPr lang="en-AU" sz="1463">
+              <a:latin typeface="Oxygen" panose="02000503000000000000" pitchFamily="2" charset="0"/>
+            </a:endParaRPr>
+          </a:p>
+        </p:txBody>
+      </p:sp>
+      <p:sp>
+        <p:nvSpPr>
+          <p:cNvPr id="10" name="TextBox 9"/>
+          <p:cNvSpPr txBox="1"/>
+          <p:nvPr/>
+        </p:nvSpPr>
+        <p:spPr>
+          <a:xfrm>
+            <a:off x="3639639" y="1900048"/>
+            <a:ext cx="2555421" cy="1630126"/>
+          </a:xfrm>
+          <a:prstGeom prst="rect">
+            <a:avLst/>
+          </a:prstGeom>
+          <a:noFill/>
+        </p:spPr>
+        <p:txBody>
+          <a:bodyPr wrap="square" rtlCol="0">
+            <a:spAutoFit/>
+          </a:bodyPr>
+          <a:lstStyle/>
+          <a:p>
+            <a:pPr marL="278606" indent="-278606">
+              <a:lnSpc>
+                <a:spcPct val="200000"/>
+              </a:lnSpc>
+              <a:buFont typeface="+mj-lt"/>
+              <a:buAutoNum type="arabicPeriod"/>
+            </a:pPr>
+            <a:r>
+              <a:rPr lang="en-US" sz="1300" b="1" dirty="0">
+                <a:solidFill>
+                  <a:srgbClr val="C00000"/>
+                </a:solidFill>
+                <a:latin typeface="Oxygen" panose="02000503000000000000" pitchFamily="2" charset="0"/>
+              </a:rPr>
+              <a:t>Faculty Onboarding</a:t>
+            </a:r>
+          </a:p>
+          <a:p>
+            <a:pPr marL="278606" indent="-278606">
+              <a:lnSpc>
+                <a:spcPct val="200000"/>
+              </a:lnSpc>
+              <a:buFont typeface="+mj-lt"/>
+              <a:buAutoNum type="arabicPeriod"/>
+            </a:pPr>
+            <a:r>
+              <a:rPr lang="en-US" sz="1300" b="1" dirty="0">
+                <a:solidFill>
+                  <a:schemeClr val="accent2">
+                    <a:lumMod val="75000"/>
+                  </a:schemeClr>
+                </a:solidFill>
+                <a:latin typeface="Oxygen" panose="02000503000000000000" pitchFamily="2" charset="0"/>
+              </a:rPr>
+              <a:t>App, Website, IT Dev</a:t>
+            </a:r>
+          </a:p>
+          <a:p>
+            <a:pPr marL="278606" indent="-278606">
+              <a:lnSpc>
+                <a:spcPct val="200000"/>
+              </a:lnSpc>
+              <a:buFont typeface="+mj-lt"/>
+              <a:buAutoNum type="arabicPeriod"/>
+            </a:pPr>
+            <a:r>
+              <a:rPr lang="en-US" sz="1300" b="1" dirty="0">
+                <a:solidFill>
+                  <a:schemeClr val="accent2">
+                    <a:lumMod val="75000"/>
+                  </a:schemeClr>
+                </a:solidFill>
+                <a:latin typeface="Oxygen" panose="02000503000000000000" pitchFamily="2" charset="0"/>
+              </a:rPr>
+              <a:t>IT Study Mat (Content)</a:t>
+            </a:r>
+          </a:p>
+          <a:p>
+            <a:pPr marL="278606" indent="-278606">
+              <a:lnSpc>
+                <a:spcPct val="200000"/>
+              </a:lnSpc>
+              <a:buFont typeface="+mj-lt"/>
+              <a:buAutoNum type="arabicPeriod"/>
+            </a:pPr>
+            <a:r>
+              <a:rPr lang="en-US" sz="1300" b="1" dirty="0">
+                <a:solidFill>
+                  <a:schemeClr val="accent2">
+                    <a:lumMod val="75000"/>
+                  </a:schemeClr>
+                </a:solidFill>
+                <a:latin typeface="Oxygen" panose="02000503000000000000" pitchFamily="2" charset="0"/>
+              </a:rPr>
+              <a:t>IT Code (Content)</a:t>
+            </a:r>
+          </a:p>
+        </p:txBody>
+      </p:sp>
+      <p:sp>
+        <p:nvSpPr>
+          <p:cNvPr id="8" name="TextBox 7">
+            <a:extLst>
+              <a:ext uri="{FF2B5EF4-FFF2-40B4-BE49-F238E27FC236}">
+                <a16:creationId xmlns:a16="http://schemas.microsoft.com/office/drawing/2014/main" id="{61A37C44-C982-CB9C-EC66-4F022EE3BA62}"/>
+              </a:ext>
+            </a:extLst>
+          </p:cNvPr>
+          <p:cNvSpPr txBox="1"/>
+          <p:nvPr/>
+        </p:nvSpPr>
+        <p:spPr>
+          <a:xfrm>
+            <a:off x="6527304" y="1900048"/>
+            <a:ext cx="2555421" cy="3630674"/>
+          </a:xfrm>
+          <a:prstGeom prst="rect">
+            <a:avLst/>
+          </a:prstGeom>
+          <a:noFill/>
+        </p:spPr>
+        <p:txBody>
+          <a:bodyPr wrap="square" rtlCol="0">
+            <a:spAutoFit/>
+          </a:bodyPr>
+          <a:lstStyle/>
+          <a:p>
+            <a:pPr marL="278606" indent="-278606">
+              <a:lnSpc>
+                <a:spcPct val="200000"/>
+              </a:lnSpc>
+              <a:buFont typeface="+mj-lt"/>
+              <a:buAutoNum type="arabicPeriod"/>
+            </a:pPr>
+            <a:r>
+              <a:rPr lang="en-US" sz="1300" b="1" dirty="0">
+                <a:solidFill>
+                  <a:srgbClr val="C00000"/>
+                </a:solidFill>
+                <a:latin typeface="Oxygen" panose="02000503000000000000" pitchFamily="2" charset="0"/>
+              </a:rPr>
+              <a:t>Ad Flyers + Approval</a:t>
+            </a:r>
+          </a:p>
+          <a:p>
+            <a:pPr marL="278606" indent="-278606">
+              <a:lnSpc>
+                <a:spcPct val="200000"/>
+              </a:lnSpc>
+              <a:buFont typeface="+mj-lt"/>
+              <a:buAutoNum type="arabicPeriod"/>
+            </a:pPr>
+            <a:r>
+              <a:rPr lang="en-US" sz="1300" b="1" dirty="0">
+                <a:solidFill>
+                  <a:srgbClr val="C00000"/>
+                </a:solidFill>
+                <a:latin typeface="Oxygen" panose="02000503000000000000" pitchFamily="2" charset="0"/>
+              </a:rPr>
+              <a:t>Add + Reels Plan</a:t>
+            </a:r>
+          </a:p>
+          <a:p>
+            <a:pPr marL="278606" indent="-278606">
+              <a:lnSpc>
+                <a:spcPct val="200000"/>
+              </a:lnSpc>
+              <a:buFont typeface="+mj-lt"/>
+              <a:buAutoNum type="arabicPeriod"/>
+            </a:pPr>
+            <a:r>
+              <a:rPr lang="en-US" sz="1300" b="1" dirty="0">
+                <a:solidFill>
+                  <a:srgbClr val="C00000"/>
+                </a:solidFill>
+                <a:latin typeface="Oxygen" panose="02000503000000000000" pitchFamily="2" charset="0"/>
+              </a:rPr>
+              <a:t>Add + Reels Execute</a:t>
+            </a:r>
+          </a:p>
+          <a:p>
+            <a:pPr marL="278606" indent="-278606">
+              <a:lnSpc>
+                <a:spcPct val="200000"/>
+              </a:lnSpc>
+              <a:buFont typeface="+mj-lt"/>
+              <a:buAutoNum type="arabicPeriod"/>
+            </a:pPr>
+            <a:r>
+              <a:rPr lang="en-US" sz="1300" b="1" dirty="0">
+                <a:solidFill>
+                  <a:schemeClr val="accent2">
+                    <a:lumMod val="75000"/>
+                  </a:schemeClr>
+                </a:solidFill>
+                <a:latin typeface="Oxygen" panose="02000503000000000000" pitchFamily="2" charset="0"/>
+              </a:rPr>
+              <a:t>IoT AI Study Mat (Content)</a:t>
+            </a:r>
+          </a:p>
+          <a:p>
+            <a:pPr marL="278606" indent="-278606">
+              <a:lnSpc>
+                <a:spcPct val="200000"/>
+              </a:lnSpc>
+              <a:buFont typeface="+mj-lt"/>
+              <a:buAutoNum type="arabicPeriod"/>
+            </a:pPr>
+            <a:r>
+              <a:rPr lang="en-US" sz="1300" b="1" dirty="0">
+                <a:solidFill>
+                  <a:schemeClr val="accent2">
+                    <a:lumMod val="75000"/>
+                  </a:schemeClr>
+                </a:solidFill>
+                <a:latin typeface="Oxygen" panose="02000503000000000000" pitchFamily="2" charset="0"/>
+              </a:rPr>
+              <a:t>IoT AI Code (Content)</a:t>
+            </a:r>
+          </a:p>
+          <a:p>
+            <a:pPr marL="278606" indent="-278606">
+              <a:lnSpc>
+                <a:spcPct val="200000"/>
+              </a:lnSpc>
+              <a:buFont typeface="+mj-lt"/>
+              <a:buAutoNum type="arabicPeriod"/>
+            </a:pPr>
+            <a:r>
+              <a:rPr lang="en-US" sz="1300" b="1" dirty="0">
+                <a:solidFill>
+                  <a:schemeClr val="accent2">
+                    <a:lumMod val="75000"/>
+                  </a:schemeClr>
+                </a:solidFill>
+                <a:latin typeface="Oxygen" panose="02000503000000000000" pitchFamily="2" charset="0"/>
+              </a:rPr>
+              <a:t>IoT AI Schools</a:t>
+            </a:r>
+          </a:p>
+          <a:p>
+            <a:pPr marL="278606" indent="-278606">
+              <a:lnSpc>
+                <a:spcPct val="200000"/>
+              </a:lnSpc>
+              <a:buFont typeface="+mj-lt"/>
+              <a:buAutoNum type="arabicPeriod"/>
+            </a:pPr>
+            <a:r>
+              <a:rPr lang="en-US" sz="1300" b="1" dirty="0">
+                <a:solidFill>
+                  <a:schemeClr val="accent4">
+                    <a:lumMod val="75000"/>
+                  </a:schemeClr>
+                </a:solidFill>
+                <a:latin typeface="Oxygen" panose="02000503000000000000" pitchFamily="2" charset="0"/>
+              </a:rPr>
+              <a:t>WA, JD, FB, Messenger</a:t>
+            </a:r>
+          </a:p>
+          <a:p>
+            <a:pPr marL="278606" indent="-278606">
+              <a:lnSpc>
+                <a:spcPct val="200000"/>
+              </a:lnSpc>
+              <a:buFont typeface="+mj-lt"/>
+              <a:buAutoNum type="arabicPeriod"/>
+            </a:pPr>
+            <a:r>
+              <a:rPr lang="en-US" sz="1300" b="1" dirty="0">
+                <a:solidFill>
+                  <a:schemeClr val="accent4">
+                    <a:lumMod val="75000"/>
+                  </a:schemeClr>
+                </a:solidFill>
+                <a:latin typeface="Oxygen" panose="02000503000000000000" pitchFamily="2" charset="0"/>
+              </a:rPr>
+              <a:t>Insta, LinkedIn</a:t>
+            </a:r>
+          </a:p>
+          <a:p>
+            <a:pPr marL="278606" indent="-278606">
+              <a:lnSpc>
+                <a:spcPct val="200000"/>
+              </a:lnSpc>
+              <a:buFont typeface="+mj-lt"/>
+              <a:buAutoNum type="arabicPeriod"/>
+            </a:pPr>
+            <a:endParaRPr lang="en-US" sz="1300" b="1" dirty="0">
+              <a:solidFill>
+                <a:schemeClr val="accent2">
+                  <a:lumMod val="75000"/>
+                </a:schemeClr>
+              </a:solidFill>
+              <a:latin typeface="Oxygen" panose="02000503000000000000" pitchFamily="2" charset="0"/>
+            </a:endParaRPr>
           </a:p>
         </p:txBody>
       </p:sp>
@@ -4455,4 +5454,299 @@
     </a:ext>
   </a:extLst>
 </a:theme>
+</file>
+
+<file path=ppt/theme/theme2.xml><?xml version="1.0" encoding="utf-8"?>
+<a:theme xmlns:a="http://schemas.openxmlformats.org/drawingml/2006/main" name="Office Theme">
+  <a:themeElements>
+    <a:clrScheme name="Office">
+      <a:dk1>
+        <a:sysClr val="windowText" lastClr="000000"/>
+      </a:dk1>
+      <a:lt1>
+        <a:sysClr val="window" lastClr="FFFFFF"/>
+      </a:lt1>
+      <a:dk2>
+        <a:srgbClr val="44546A"/>
+      </a:dk2>
+      <a:lt2>
+        <a:srgbClr val="E7E6E6"/>
+      </a:lt2>
+      <a:accent1>
+        <a:srgbClr val="4472C4"/>
+      </a:accent1>
+      <a:accent2>
+        <a:srgbClr val="ED7D31"/>
+      </a:accent2>
+      <a:accent3>
+        <a:srgbClr val="A5A5A5"/>
+      </a:accent3>
+      <a:accent4>
+        <a:srgbClr val="FFC000"/>
+      </a:accent4>
+      <a:accent5>
+        <a:srgbClr val="5B9BD5"/>
+      </a:accent5>
+      <a:accent6>
+        <a:srgbClr val="70AD47"/>
+      </a:accent6>
+      <a:hlink>
+        <a:srgbClr val="0563C1"/>
+      </a:hlink>
+      <a:folHlink>
+        <a:srgbClr val="954F72"/>
+      </a:folHlink>
+    </a:clrScheme>
+    <a:fontScheme name="Office">
+      <a:majorFont>
+        <a:latin typeface="Calibri Light" panose="020F0302020204030204"/>
+        <a:ea typeface=""/>
+        <a:cs typeface=""/>
+        <a:font script="Jpan" typeface="游ゴシック Light"/>
+        <a:font script="Hang" typeface="맑은 고딕"/>
+        <a:font script="Hans" typeface="等线 Light"/>
+        <a:font script="Hant" typeface="新細明體"/>
+        <a:font script="Arab" typeface="Times New Roman"/>
+        <a:font script="Hebr" typeface="Times New Roman"/>
+        <a:font script="Thai" typeface="Angsana New"/>
+        <a:font script="Ethi" typeface="Nyala"/>
+        <a:font script="Beng" typeface="Vrinda"/>
+        <a:font script="Gujr" typeface="Shruti"/>
+        <a:font script="Khmr" typeface="MoolBoran"/>
+        <a:font script="Knda" typeface="Tunga"/>
+        <a:font script="Guru" typeface="Raavi"/>
+        <a:font script="Cans" typeface="Euphemia"/>
+        <a:font script="Cher" typeface="Plantagenet Cherokee"/>
+        <a:font script="Yiii" typeface="Microsoft Yi Baiti"/>
+        <a:font script="Tibt" typeface="Microsoft Himalaya"/>
+        <a:font script="Thaa" typeface="MV Boli"/>
+        <a:font script="Deva" typeface="Mangal"/>
+        <a:font script="Telu" typeface="Gautami"/>
+        <a:font script="Taml" typeface="Latha"/>
+        <a:font script="Syrc" typeface="Estrangelo Edessa"/>
+        <a:font script="Orya" typeface="Kalinga"/>
+        <a:font script="Mlym" typeface="Kartika"/>
+        <a:font script="Laoo" typeface="DokChampa"/>
+        <a:font script="Sinh" typeface="Iskoola Pota"/>
+        <a:font script="Mong" typeface="Mongolian Baiti"/>
+        <a:font script="Viet" typeface="Times New Roman"/>
+        <a:font script="Uigh" typeface="Microsoft Uighur"/>
+        <a:font script="Geor" typeface="Sylfaen"/>
+        <a:font script="Armn" typeface="Arial"/>
+        <a:font script="Bugi" typeface="Leelawadee UI"/>
+        <a:font script="Bopo" typeface="Microsoft JhengHei"/>
+        <a:font script="Java" typeface="Javanese Text"/>
+        <a:font script="Lisu" typeface="Segoe UI"/>
+        <a:font script="Mymr" typeface="Myanmar Text"/>
+        <a:font script="Nkoo" typeface="Ebrima"/>
+        <a:font script="Olck" typeface="Nirmala UI"/>
+        <a:font script="Osma" typeface="Ebrima"/>
+        <a:font script="Phag" typeface="Phagspa"/>
+        <a:font script="Syrn" typeface="Estrangelo Edessa"/>
+        <a:font script="Syrj" typeface="Estrangelo Edessa"/>
+        <a:font script="Syre" typeface="Estrangelo Edessa"/>
+        <a:font script="Sora" typeface="Nirmala UI"/>
+        <a:font script="Tale" typeface="Microsoft Tai Le"/>
+        <a:font script="Talu" typeface="Microsoft New Tai Lue"/>
+        <a:font script="Tfng" typeface="Ebrima"/>
+      </a:majorFont>
+      <a:minorFont>
+        <a:latin typeface="Calibri" panose="020F0502020204030204"/>
+        <a:ea typeface=""/>
+        <a:cs typeface=""/>
+        <a:font script="Jpan" typeface="游ゴシック"/>
+        <a:font script="Hang" typeface="맑은 고딕"/>
+        <a:font script="Hans" typeface="等线"/>
+        <a:font script="Hant" typeface="新細明體"/>
+        <a:font script="Arab" typeface="Arial"/>
+        <a:font script="Hebr" typeface="Arial"/>
+        <a:font script="Thai" typeface="Cordia New"/>
+        <a:font script="Ethi" typeface="Nyala"/>
+        <a:font script="Beng" typeface="Vrinda"/>
+        <a:font script="Gujr" typeface="Shruti"/>
+        <a:font script="Khmr" typeface="DaunPenh"/>
+        <a:font script="Knda" typeface="Tunga"/>
+        <a:font script="Guru" typeface="Raavi"/>
+        <a:font script="Cans" typeface="Euphemia"/>
+        <a:font script="Cher" typeface="Plantagenet Cherokee"/>
+        <a:font script="Yiii" typeface="Microsoft Yi Baiti"/>
+        <a:font script="Tibt" typeface="Microsoft Himalaya"/>
+        <a:font script="Thaa" typeface="MV Boli"/>
+        <a:font script="Deva" typeface="Mangal"/>
+        <a:font script="Telu" typeface="Gautami"/>
+        <a:font script="Taml" typeface="Latha"/>
+        <a:font script="Syrc" typeface="Estrangelo Edessa"/>
+        <a:font script="Orya" typeface="Kalinga"/>
+        <a:font script="Mlym" typeface="Kartika"/>
+        <a:font script="Laoo" typeface="DokChampa"/>
+        <a:font script="Sinh" typeface="Iskoola Pota"/>
+        <a:font script="Mong" typeface="Mongolian Baiti"/>
+        <a:font script="Viet" typeface="Arial"/>
+        <a:font script="Uigh" typeface="Microsoft Uighur"/>
+        <a:font script="Geor" typeface="Sylfaen"/>
+        <a:font script="Armn" typeface="Arial"/>
+        <a:font script="Bugi" typeface="Leelawadee UI"/>
+        <a:font script="Bopo" typeface="Microsoft JhengHei"/>
+        <a:font script="Java" typeface="Javanese Text"/>
+        <a:font script="Lisu" typeface="Segoe UI"/>
+        <a:font script="Mymr" typeface="Myanmar Text"/>
+        <a:font script="Nkoo" typeface="Ebrima"/>
+        <a:font script="Olck" typeface="Nirmala UI"/>
+        <a:font script="Osma" typeface="Ebrima"/>
+        <a:font script="Phag" typeface="Phagspa"/>
+        <a:font script="Syrn" typeface="Estrangelo Edessa"/>
+        <a:font script="Syrj" typeface="Estrangelo Edessa"/>
+        <a:font script="Syre" typeface="Estrangelo Edessa"/>
+        <a:font script="Sora" typeface="Nirmala UI"/>
+        <a:font script="Tale" typeface="Microsoft Tai Le"/>
+        <a:font script="Talu" typeface="Microsoft New Tai Lue"/>
+        <a:font script="Tfng" typeface="Ebrima"/>
+      </a:minorFont>
+    </a:fontScheme>
+    <a:fmtScheme name="Office">
+      <a:fillStyleLst>
+        <a:solidFill>
+          <a:schemeClr val="phClr"/>
+        </a:solidFill>
+        <a:gradFill rotWithShape="1">
+          <a:gsLst>
+            <a:gs pos="0">
+              <a:schemeClr val="phClr">
+                <a:lumMod val="110000"/>
+                <a:satMod val="105000"/>
+                <a:tint val="67000"/>
+              </a:schemeClr>
+            </a:gs>
+            <a:gs pos="50000">
+              <a:schemeClr val="phClr">
+                <a:lumMod val="105000"/>
+                <a:satMod val="103000"/>
+                <a:tint val="73000"/>
+              </a:schemeClr>
+            </a:gs>
+            <a:gs pos="100000">
+              <a:schemeClr val="phClr">
+                <a:lumMod val="105000"/>
+                <a:satMod val="109000"/>
+                <a:tint val="81000"/>
+              </a:schemeClr>
+            </a:gs>
+          </a:gsLst>
+          <a:lin ang="5400000" scaled="0"/>
+        </a:gradFill>
+        <a:gradFill rotWithShape="1">
+          <a:gsLst>
+            <a:gs pos="0">
+              <a:schemeClr val="phClr">
+                <a:satMod val="103000"/>
+                <a:lumMod val="102000"/>
+                <a:tint val="94000"/>
+              </a:schemeClr>
+            </a:gs>
+            <a:gs pos="50000">
+              <a:schemeClr val="phClr">
+                <a:satMod val="110000"/>
+                <a:lumMod val="100000"/>
+                <a:shade val="100000"/>
+              </a:schemeClr>
+            </a:gs>
+            <a:gs pos="100000">
+              <a:schemeClr val="phClr">
+                <a:lumMod val="99000"/>
+                <a:satMod val="120000"/>
+                <a:shade val="78000"/>
+              </a:schemeClr>
+            </a:gs>
+          </a:gsLst>
+          <a:lin ang="5400000" scaled="0"/>
+        </a:gradFill>
+      </a:fillStyleLst>
+      <a:lnStyleLst>
+        <a:ln w="6350" cap="flat" cmpd="sng" algn="ctr">
+          <a:solidFill>
+            <a:schemeClr val="phClr"/>
+          </a:solidFill>
+          <a:prstDash val="solid"/>
+          <a:miter lim="800000"/>
+        </a:ln>
+        <a:ln w="12700" cap="flat" cmpd="sng" algn="ctr">
+          <a:solidFill>
+            <a:schemeClr val="phClr"/>
+          </a:solidFill>
+          <a:prstDash val="solid"/>
+          <a:miter lim="800000"/>
+        </a:ln>
+        <a:ln w="19050" cap="flat" cmpd="sng" algn="ctr">
+          <a:solidFill>
+            <a:schemeClr val="phClr"/>
+          </a:solidFill>
+          <a:prstDash val="solid"/>
+          <a:miter lim="800000"/>
+        </a:ln>
+      </a:lnStyleLst>
+      <a:effectStyleLst>
+        <a:effectStyle>
+          <a:effectLst/>
+        </a:effectStyle>
+        <a:effectStyle>
+          <a:effectLst/>
+        </a:effectStyle>
+        <a:effectStyle>
+          <a:effectLst>
+            <a:outerShdw blurRad="57150" dist="19050" dir="5400000" algn="ctr" rotWithShape="0">
+              <a:srgbClr val="000000">
+                <a:alpha val="63000"/>
+              </a:srgbClr>
+            </a:outerShdw>
+          </a:effectLst>
+        </a:effectStyle>
+      </a:effectStyleLst>
+      <a:bgFillStyleLst>
+        <a:solidFill>
+          <a:schemeClr val="phClr"/>
+        </a:solidFill>
+        <a:solidFill>
+          <a:schemeClr val="phClr">
+            <a:tint val="95000"/>
+            <a:satMod val="170000"/>
+          </a:schemeClr>
+        </a:solidFill>
+        <a:gradFill rotWithShape="1">
+          <a:gsLst>
+            <a:gs pos="0">
+              <a:schemeClr val="phClr">
+                <a:tint val="93000"/>
+                <a:satMod val="150000"/>
+                <a:shade val="98000"/>
+                <a:lumMod val="102000"/>
+              </a:schemeClr>
+            </a:gs>
+            <a:gs pos="50000">
+              <a:schemeClr val="phClr">
+                <a:tint val="98000"/>
+                <a:satMod val="130000"/>
+                <a:shade val="90000"/>
+                <a:lumMod val="103000"/>
+              </a:schemeClr>
+            </a:gs>
+            <a:gs pos="100000">
+              <a:schemeClr val="phClr">
+                <a:shade val="63000"/>
+                <a:satMod val="120000"/>
+              </a:schemeClr>
+            </a:gs>
+          </a:gsLst>
+          <a:lin ang="5400000" scaled="0"/>
+        </a:gradFill>
+      </a:bgFillStyleLst>
+    </a:fmtScheme>
+  </a:themeElements>
+  <a:objectDefaults/>
+  <a:extraClrSchemeLst/>
+  <a:extLst>
+    <a:ext uri="{05A4C25C-085E-4340-85A3-A5531E510DB2}">
+      <thm15:themeFamily xmlns:thm15="http://schemas.microsoft.com/office/thememl/2012/main" name="Office Theme" id="{62F939B6-93AF-4DB8-9C6B-D6C7DFDC589F}" vid="{4A3C46E8-61CC-4603-A589-7422A47A8E4A}"/>
+    </a:ext>
+  </a:extLst>
+</a:theme>
 </file>
--- a/Offline/BusinessManagement/AnodiamManagmentMasterPlan.pptx
+++ b/Offline/BusinessManagement/AnodiamManagmentMasterPlan.pptx
@@ -5,13 +5,14 @@
     <p:sldMasterId id="2147483660" r:id="rId1"/>
   </p:sldMasterIdLst>
   <p:notesMasterIdLst>
-    <p:notesMasterId r:id="rId6"/>
+    <p:notesMasterId r:id="rId7"/>
   </p:notesMasterIdLst>
   <p:sldIdLst>
     <p:sldId id="256" r:id="rId2"/>
     <p:sldId id="257" r:id="rId3"/>
     <p:sldId id="259" r:id="rId4"/>
     <p:sldId id="258" r:id="rId5"/>
+    <p:sldId id="260" r:id="rId6"/>
   </p:sldIdLst>
   <p:sldSz cx="9906000" cy="6858000" type="A4"/>
   <p:notesSz cx="6858000" cy="9144000"/>
@@ -200,7 +201,7 @@
           <a:p>
             <a:fld id="{5169E326-07B3-4912-83BB-C3B54834DC03}" type="datetimeFigureOut">
               <a:rPr lang="en-US" smtClean="0"/>
-              <a:t>7/19/2023</a:t>
+              <a:t>8/3/2023</a:t>
             </a:fld>
             <a:endParaRPr lang="en-US"/>
           </a:p>
@@ -682,7 +683,7 @@
           <a:p>
             <a:fld id="{EB5091F5-313C-4A81-ACA1-94ED5D4B25D8}" type="datetimeFigureOut">
               <a:rPr lang="en-AU" smtClean="0"/>
-              <a:t>19/07/2023</a:t>
+              <a:t>3/08/2023</a:t>
             </a:fld>
             <a:endParaRPr lang="en-AU"/>
           </a:p>
@@ -852,7 +853,7 @@
           <a:p>
             <a:fld id="{EB5091F5-313C-4A81-ACA1-94ED5D4B25D8}" type="datetimeFigureOut">
               <a:rPr lang="en-AU" smtClean="0"/>
-              <a:t>19/07/2023</a:t>
+              <a:t>3/08/2023</a:t>
             </a:fld>
             <a:endParaRPr lang="en-AU"/>
           </a:p>
@@ -1032,7 +1033,7 @@
           <a:p>
             <a:fld id="{EB5091F5-313C-4A81-ACA1-94ED5D4B25D8}" type="datetimeFigureOut">
               <a:rPr lang="en-AU" smtClean="0"/>
-              <a:t>19/07/2023</a:t>
+              <a:t>3/08/2023</a:t>
             </a:fld>
             <a:endParaRPr lang="en-AU"/>
           </a:p>
@@ -1202,7 +1203,7 @@
           <a:p>
             <a:fld id="{EB5091F5-313C-4A81-ACA1-94ED5D4B25D8}" type="datetimeFigureOut">
               <a:rPr lang="en-AU" smtClean="0"/>
-              <a:t>19/07/2023</a:t>
+              <a:t>3/08/2023</a:t>
             </a:fld>
             <a:endParaRPr lang="en-AU"/>
           </a:p>
@@ -1446,7 +1447,7 @@
           <a:p>
             <a:fld id="{EB5091F5-313C-4A81-ACA1-94ED5D4B25D8}" type="datetimeFigureOut">
               <a:rPr lang="en-AU" smtClean="0"/>
-              <a:t>19/07/2023</a:t>
+              <a:t>3/08/2023</a:t>
             </a:fld>
             <a:endParaRPr lang="en-AU"/>
           </a:p>
@@ -1678,7 +1679,7 @@
           <a:p>
             <a:fld id="{EB5091F5-313C-4A81-ACA1-94ED5D4B25D8}" type="datetimeFigureOut">
               <a:rPr lang="en-AU" smtClean="0"/>
-              <a:t>19/07/2023</a:t>
+              <a:t>3/08/2023</a:t>
             </a:fld>
             <a:endParaRPr lang="en-AU"/>
           </a:p>
@@ -2045,7 +2046,7 @@
           <a:p>
             <a:fld id="{EB5091F5-313C-4A81-ACA1-94ED5D4B25D8}" type="datetimeFigureOut">
               <a:rPr lang="en-AU" smtClean="0"/>
-              <a:t>19/07/2023</a:t>
+              <a:t>3/08/2023</a:t>
             </a:fld>
             <a:endParaRPr lang="en-AU"/>
           </a:p>
@@ -2163,7 +2164,7 @@
           <a:p>
             <a:fld id="{EB5091F5-313C-4A81-ACA1-94ED5D4B25D8}" type="datetimeFigureOut">
               <a:rPr lang="en-AU" smtClean="0"/>
-              <a:t>19/07/2023</a:t>
+              <a:t>3/08/2023</a:t>
             </a:fld>
             <a:endParaRPr lang="en-AU"/>
           </a:p>
@@ -2258,7 +2259,7 @@
           <a:p>
             <a:fld id="{EB5091F5-313C-4A81-ACA1-94ED5D4B25D8}" type="datetimeFigureOut">
               <a:rPr lang="en-AU" smtClean="0"/>
-              <a:t>19/07/2023</a:t>
+              <a:t>3/08/2023</a:t>
             </a:fld>
             <a:endParaRPr lang="en-AU"/>
           </a:p>
@@ -2535,7 +2536,7 @@
           <a:p>
             <a:fld id="{EB5091F5-313C-4A81-ACA1-94ED5D4B25D8}" type="datetimeFigureOut">
               <a:rPr lang="en-AU" smtClean="0"/>
-              <a:t>19/07/2023</a:t>
+              <a:t>3/08/2023</a:t>
             </a:fld>
             <a:endParaRPr lang="en-AU"/>
           </a:p>
@@ -2792,7 +2793,7 @@
           <a:p>
             <a:fld id="{EB5091F5-313C-4A81-ACA1-94ED5D4B25D8}" type="datetimeFigureOut">
               <a:rPr lang="en-AU" smtClean="0"/>
-              <a:t>19/07/2023</a:t>
+              <a:t>3/08/2023</a:t>
             </a:fld>
             <a:endParaRPr lang="en-AU"/>
           </a:p>
@@ -3005,7 +3006,7 @@
           <a:p>
             <a:fld id="{EB5091F5-313C-4A81-ACA1-94ED5D4B25D8}" type="datetimeFigureOut">
               <a:rPr lang="en-AU" smtClean="0"/>
-              <a:t>19/07/2023</a:t>
+              <a:t>3/08/2023</a:t>
             </a:fld>
             <a:endParaRPr lang="en-AU"/>
           </a:p>
@@ -4777,7 +4778,7 @@
                 </a:solidFill>
                 <a:latin typeface="Oxygen" panose="02000503000000000000" pitchFamily="2" charset="0"/>
               </a:rPr>
-              <a:t>Current Hustle: July 2</a:t>
+              <a:t>Hustle: July 2</a:t>
             </a:r>
             <a:r>
               <a:rPr lang="en-US" sz="2600" b="1" baseline="30000" dirty="0">
@@ -5186,6 +5187,552 @@
     <p:extLst>
       <p:ext uri="{BB962C8B-B14F-4D97-AF65-F5344CB8AC3E}">
         <p14:creationId xmlns:p14="http://schemas.microsoft.com/office/powerpoint/2010/main" val="566584680"/>
+      </p:ext>
+    </p:extLst>
+  </p:cSld>
+  <p:clrMapOvr>
+    <a:masterClrMapping/>
+  </p:clrMapOvr>
+</p:sld>
+</file>
+
+<file path=ppt/slides/slide5.xml><?xml version="1.0" encoding="utf-8"?>
+<p:sld xmlns:a="http://schemas.openxmlformats.org/drawingml/2006/main" xmlns:r="http://schemas.openxmlformats.org/officeDocument/2006/relationships" xmlns:p="http://schemas.openxmlformats.org/presentationml/2006/main">
+  <p:cSld>
+    <p:spTree>
+      <p:nvGrpSpPr>
+        <p:cNvPr id="1" name=""/>
+        <p:cNvGrpSpPr/>
+        <p:nvPr/>
+      </p:nvGrpSpPr>
+      <p:grpSpPr>
+        <a:xfrm>
+          <a:off x="0" y="0"/>
+          <a:ext cx="0" cy="0"/>
+          <a:chOff x="0" y="0"/>
+          <a:chExt cx="0" cy="0"/>
+        </a:xfrm>
+      </p:grpSpPr>
+      <p:pic>
+        <p:nvPicPr>
+          <p:cNvPr id="11" name="Picture 10">
+            <a:extLst>
+              <a:ext uri="{FF2B5EF4-FFF2-40B4-BE49-F238E27FC236}">
+                <a16:creationId xmlns:a16="http://schemas.microsoft.com/office/drawing/2014/main" id="{8B6F2E2D-F92C-575C-3928-31167AF29A0E}"/>
+              </a:ext>
+            </a:extLst>
+          </p:cNvPr>
+          <p:cNvPicPr>
+            <a:picLocks noChangeAspect="1"/>
+          </p:cNvPicPr>
+          <p:nvPr/>
+        </p:nvPicPr>
+        <p:blipFill>
+          <a:blip r:embed="rId2"/>
+          <a:stretch>
+            <a:fillRect/>
+          </a:stretch>
+        </p:blipFill>
+        <p:spPr>
+          <a:xfrm>
+            <a:off x="451512" y="2481857"/>
+            <a:ext cx="2107756" cy="2096635"/>
+          </a:xfrm>
+          <a:prstGeom prst="rect">
+            <a:avLst/>
+          </a:prstGeom>
+        </p:spPr>
+      </p:pic>
+      <p:pic>
+        <p:nvPicPr>
+          <p:cNvPr id="4" name="Picture 3"/>
+          <p:cNvPicPr>
+            <a:picLocks noChangeAspect="1"/>
+          </p:cNvPicPr>
+          <p:nvPr/>
+        </p:nvPicPr>
+        <p:blipFill>
+          <a:blip r:embed="rId3" cstate="print">
+            <a:extLst>
+              <a:ext uri="{28A0092B-C50C-407E-A947-70E740481C1C}">
+                <a14:useLocalDpi xmlns:a14="http://schemas.microsoft.com/office/drawing/2010/main" val="0"/>
+              </a:ext>
+            </a:extLst>
+          </a:blip>
+          <a:stretch>
+            <a:fillRect/>
+          </a:stretch>
+        </p:blipFill>
+        <p:spPr>
+          <a:xfrm>
+            <a:off x="182877" y="5519023"/>
+            <a:ext cx="1207923" cy="571400"/>
+          </a:xfrm>
+          <a:prstGeom prst="rect">
+            <a:avLst/>
+          </a:prstGeom>
+        </p:spPr>
+      </p:pic>
+      <p:sp>
+        <p:nvSpPr>
+          <p:cNvPr id="5" name="TextBox 4"/>
+          <p:cNvSpPr txBox="1"/>
+          <p:nvPr/>
+        </p:nvSpPr>
+        <p:spPr>
+          <a:xfrm>
+            <a:off x="4316633" y="5926981"/>
+            <a:ext cx="2379321" cy="229935"/>
+          </a:xfrm>
+          <a:prstGeom prst="rect">
+            <a:avLst/>
+          </a:prstGeom>
+          <a:noFill/>
+        </p:spPr>
+        <p:txBody>
+          <a:bodyPr wrap="square" rtlCol="0">
+            <a:spAutoFit/>
+          </a:bodyPr>
+          <a:lstStyle/>
+          <a:p>
+            <a:pPr algn="ctr"/>
+            <a:r>
+              <a:rPr lang="en-US" sz="894" b="1" dirty="0">
+                <a:solidFill>
+                  <a:srgbClr val="FF8C52"/>
+                </a:solidFill>
+                <a:latin typeface="Oxygen" panose="02000503000000000000" pitchFamily="2" charset="0"/>
+              </a:rPr>
+              <a:t>Private and Confidential ® © 2023</a:t>
+            </a:r>
+            <a:endParaRPr lang="en-AU" sz="894" b="1" dirty="0">
+              <a:solidFill>
+                <a:srgbClr val="FF8C52"/>
+              </a:solidFill>
+              <a:latin typeface="Oxygen" panose="02000503000000000000" pitchFamily="2" charset="0"/>
+            </a:endParaRPr>
+          </a:p>
+        </p:txBody>
+      </p:sp>
+      <p:sp>
+        <p:nvSpPr>
+          <p:cNvPr id="6" name="TextBox 5"/>
+          <p:cNvSpPr txBox="1"/>
+          <p:nvPr/>
+        </p:nvSpPr>
+        <p:spPr>
+          <a:xfrm>
+            <a:off x="2221012" y="821943"/>
+            <a:ext cx="5659900" cy="492443"/>
+          </a:xfrm>
+          <a:prstGeom prst="rect">
+            <a:avLst/>
+          </a:prstGeom>
+          <a:noFill/>
+        </p:spPr>
+        <p:txBody>
+          <a:bodyPr wrap="square" rtlCol="0">
+            <a:spAutoFit/>
+          </a:bodyPr>
+          <a:lstStyle/>
+          <a:p>
+            <a:pPr algn="ctr"/>
+            <a:r>
+              <a:rPr lang="en-US" sz="2600" b="1" dirty="0">
+                <a:solidFill>
+                  <a:srgbClr val="FF8C52"/>
+                </a:solidFill>
+                <a:latin typeface="Oxygen" panose="02000503000000000000" pitchFamily="2" charset="0"/>
+              </a:rPr>
+              <a:t>Current Hustle: August</a:t>
+            </a:r>
+            <a:endParaRPr lang="en-AU" sz="2600" b="1" dirty="0">
+              <a:solidFill>
+                <a:srgbClr val="FF8C52"/>
+              </a:solidFill>
+              <a:latin typeface="Oxygen" panose="02000503000000000000" pitchFamily="2" charset="0"/>
+            </a:endParaRPr>
+          </a:p>
+        </p:txBody>
+      </p:sp>
+      <p:sp>
+        <p:nvSpPr>
+          <p:cNvPr id="10" name="TextBox 9"/>
+          <p:cNvSpPr txBox="1"/>
+          <p:nvPr/>
+        </p:nvSpPr>
+        <p:spPr>
+          <a:xfrm>
+            <a:off x="3025141" y="1900048"/>
+            <a:ext cx="3185160" cy="1630126"/>
+          </a:xfrm>
+          <a:prstGeom prst="rect">
+            <a:avLst/>
+          </a:prstGeom>
+          <a:noFill/>
+        </p:spPr>
+        <p:txBody>
+          <a:bodyPr wrap="square" rtlCol="0">
+            <a:spAutoFit/>
+          </a:bodyPr>
+          <a:lstStyle/>
+          <a:p>
+            <a:pPr marL="278606" indent="-278606">
+              <a:lnSpc>
+                <a:spcPct val="200000"/>
+              </a:lnSpc>
+              <a:buFont typeface="+mj-lt"/>
+              <a:buAutoNum type="arabicPeriod"/>
+            </a:pPr>
+            <a:r>
+              <a:rPr lang="en-US" sz="1300" b="1" dirty="0">
+                <a:solidFill>
+                  <a:srgbClr val="C00000"/>
+                </a:solidFill>
+                <a:latin typeface="Oxygen" panose="02000503000000000000" pitchFamily="2" charset="0"/>
+              </a:rPr>
+              <a:t>App Launch &amp; Usage Training</a:t>
+            </a:r>
+          </a:p>
+          <a:p>
+            <a:pPr marL="278606" indent="-278606">
+              <a:lnSpc>
+                <a:spcPct val="200000"/>
+              </a:lnSpc>
+              <a:buFont typeface="+mj-lt"/>
+              <a:buAutoNum type="arabicPeriod"/>
+            </a:pPr>
+            <a:r>
+              <a:rPr lang="en-US" sz="1300" b="1" dirty="0">
+                <a:solidFill>
+                  <a:srgbClr val="C00000"/>
+                </a:solidFill>
+                <a:latin typeface="Oxygen" panose="02000503000000000000" pitchFamily="2" charset="0"/>
+              </a:rPr>
+              <a:t>Faculty Onboarding</a:t>
+            </a:r>
+          </a:p>
+          <a:p>
+            <a:pPr marL="278606" indent="-278606">
+              <a:lnSpc>
+                <a:spcPct val="200000"/>
+              </a:lnSpc>
+              <a:buFont typeface="+mj-lt"/>
+              <a:buAutoNum type="arabicPeriod"/>
+            </a:pPr>
+            <a:r>
+              <a:rPr lang="en-US" sz="1300" b="1" dirty="0">
+                <a:solidFill>
+                  <a:schemeClr val="accent2">
+                    <a:lumMod val="75000"/>
+                  </a:schemeClr>
+                </a:solidFill>
+                <a:latin typeface="Oxygen" panose="02000503000000000000" pitchFamily="2" charset="0"/>
+              </a:rPr>
+              <a:t>IT Study Mat (Content)</a:t>
+            </a:r>
+          </a:p>
+          <a:p>
+            <a:pPr marL="278606" indent="-278606">
+              <a:lnSpc>
+                <a:spcPct val="200000"/>
+              </a:lnSpc>
+              <a:buFont typeface="+mj-lt"/>
+              <a:buAutoNum type="arabicPeriod"/>
+            </a:pPr>
+            <a:r>
+              <a:rPr lang="en-US" sz="1300" b="1" dirty="0">
+                <a:solidFill>
+                  <a:schemeClr val="accent2">
+                    <a:lumMod val="75000"/>
+                  </a:schemeClr>
+                </a:solidFill>
+                <a:latin typeface="Oxygen" panose="02000503000000000000" pitchFamily="2" charset="0"/>
+              </a:rPr>
+              <a:t>IT Code (Content)</a:t>
+            </a:r>
+          </a:p>
+        </p:txBody>
+      </p:sp>
+      <p:sp>
+        <p:nvSpPr>
+          <p:cNvPr id="8" name="TextBox 7">
+            <a:extLst>
+              <a:ext uri="{FF2B5EF4-FFF2-40B4-BE49-F238E27FC236}">
+                <a16:creationId xmlns:a16="http://schemas.microsoft.com/office/drawing/2014/main" id="{61A37C44-C982-CB9C-EC66-4F022EE3BA62}"/>
+              </a:ext>
+            </a:extLst>
+          </p:cNvPr>
+          <p:cNvSpPr txBox="1"/>
+          <p:nvPr/>
+        </p:nvSpPr>
+        <p:spPr>
+          <a:xfrm>
+            <a:off x="6527304" y="1900048"/>
+            <a:ext cx="2555421" cy="3630674"/>
+          </a:xfrm>
+          <a:prstGeom prst="rect">
+            <a:avLst/>
+          </a:prstGeom>
+          <a:noFill/>
+        </p:spPr>
+        <p:txBody>
+          <a:bodyPr wrap="square" rtlCol="0">
+            <a:spAutoFit/>
+          </a:bodyPr>
+          <a:lstStyle/>
+          <a:p>
+            <a:pPr marL="278606" indent="-278606">
+              <a:lnSpc>
+                <a:spcPct val="200000"/>
+              </a:lnSpc>
+              <a:buFont typeface="+mj-lt"/>
+              <a:buAutoNum type="arabicPeriod"/>
+            </a:pPr>
+            <a:r>
+              <a:rPr lang="en-US" sz="1300" b="1" dirty="0">
+                <a:solidFill>
+                  <a:srgbClr val="C00000"/>
+                </a:solidFill>
+                <a:latin typeface="Oxygen" panose="02000503000000000000" pitchFamily="2" charset="0"/>
+              </a:rPr>
+              <a:t>Ad Flyers + Approval</a:t>
+            </a:r>
+          </a:p>
+          <a:p>
+            <a:pPr marL="278606" indent="-278606">
+              <a:lnSpc>
+                <a:spcPct val="200000"/>
+              </a:lnSpc>
+              <a:buFont typeface="+mj-lt"/>
+              <a:buAutoNum type="arabicPeriod"/>
+            </a:pPr>
+            <a:r>
+              <a:rPr lang="en-US" sz="1300" b="1" dirty="0">
+                <a:solidFill>
+                  <a:srgbClr val="C00000"/>
+                </a:solidFill>
+                <a:latin typeface="Oxygen" panose="02000503000000000000" pitchFamily="2" charset="0"/>
+              </a:rPr>
+              <a:t>Add + Reels Plan</a:t>
+            </a:r>
+          </a:p>
+          <a:p>
+            <a:pPr marL="278606" indent="-278606">
+              <a:lnSpc>
+                <a:spcPct val="200000"/>
+              </a:lnSpc>
+              <a:buFont typeface="+mj-lt"/>
+              <a:buAutoNum type="arabicPeriod"/>
+            </a:pPr>
+            <a:r>
+              <a:rPr lang="en-US" sz="1300" b="1" dirty="0">
+                <a:solidFill>
+                  <a:srgbClr val="C00000"/>
+                </a:solidFill>
+                <a:latin typeface="Oxygen" panose="02000503000000000000" pitchFamily="2" charset="0"/>
+              </a:rPr>
+              <a:t>Add + Reels Execute</a:t>
+            </a:r>
+          </a:p>
+          <a:p>
+            <a:pPr marL="278606" indent="-278606">
+              <a:lnSpc>
+                <a:spcPct val="200000"/>
+              </a:lnSpc>
+              <a:buFont typeface="+mj-lt"/>
+              <a:buAutoNum type="arabicPeriod"/>
+            </a:pPr>
+            <a:r>
+              <a:rPr lang="en-US" sz="1300" b="1" dirty="0">
+                <a:solidFill>
+                  <a:schemeClr val="accent2">
+                    <a:lumMod val="75000"/>
+                  </a:schemeClr>
+                </a:solidFill>
+                <a:latin typeface="Oxygen" panose="02000503000000000000" pitchFamily="2" charset="0"/>
+              </a:rPr>
+              <a:t>IoT AI Study Mat (Content)</a:t>
+            </a:r>
+          </a:p>
+          <a:p>
+            <a:pPr marL="278606" indent="-278606">
+              <a:lnSpc>
+                <a:spcPct val="200000"/>
+              </a:lnSpc>
+              <a:buFont typeface="+mj-lt"/>
+              <a:buAutoNum type="arabicPeriod"/>
+            </a:pPr>
+            <a:r>
+              <a:rPr lang="en-US" sz="1300" b="1" dirty="0">
+                <a:solidFill>
+                  <a:schemeClr val="accent2">
+                    <a:lumMod val="75000"/>
+                  </a:schemeClr>
+                </a:solidFill>
+                <a:latin typeface="Oxygen" panose="02000503000000000000" pitchFamily="2" charset="0"/>
+              </a:rPr>
+              <a:t>IoT AI Code (Content)</a:t>
+            </a:r>
+          </a:p>
+          <a:p>
+            <a:pPr marL="278606" indent="-278606">
+              <a:lnSpc>
+                <a:spcPct val="200000"/>
+              </a:lnSpc>
+              <a:buFont typeface="+mj-lt"/>
+              <a:buAutoNum type="arabicPeriod"/>
+            </a:pPr>
+            <a:r>
+              <a:rPr lang="en-US" sz="1300" b="1" dirty="0">
+                <a:solidFill>
+                  <a:schemeClr val="accent2">
+                    <a:lumMod val="75000"/>
+                  </a:schemeClr>
+                </a:solidFill>
+                <a:latin typeface="Oxygen" panose="02000503000000000000" pitchFamily="2" charset="0"/>
+              </a:rPr>
+              <a:t>IoT AI Schools</a:t>
+            </a:r>
+          </a:p>
+          <a:p>
+            <a:pPr marL="278606" indent="-278606">
+              <a:lnSpc>
+                <a:spcPct val="200000"/>
+              </a:lnSpc>
+              <a:buFont typeface="+mj-lt"/>
+              <a:buAutoNum type="arabicPeriod"/>
+            </a:pPr>
+            <a:r>
+              <a:rPr lang="en-US" sz="1300" b="1" dirty="0">
+                <a:solidFill>
+                  <a:schemeClr val="accent4">
+                    <a:lumMod val="75000"/>
+                  </a:schemeClr>
+                </a:solidFill>
+                <a:latin typeface="Oxygen" panose="02000503000000000000" pitchFamily="2" charset="0"/>
+              </a:rPr>
+              <a:t>WA, JD, FB, Messenger</a:t>
+            </a:r>
+          </a:p>
+          <a:p>
+            <a:pPr marL="278606" indent="-278606">
+              <a:lnSpc>
+                <a:spcPct val="200000"/>
+              </a:lnSpc>
+              <a:buFont typeface="+mj-lt"/>
+              <a:buAutoNum type="arabicPeriod"/>
+            </a:pPr>
+            <a:r>
+              <a:rPr lang="en-US" sz="1300" b="1" dirty="0">
+                <a:solidFill>
+                  <a:schemeClr val="accent4">
+                    <a:lumMod val="75000"/>
+                  </a:schemeClr>
+                </a:solidFill>
+                <a:latin typeface="Oxygen" panose="02000503000000000000" pitchFamily="2" charset="0"/>
+              </a:rPr>
+              <a:t>Insta, LinkedIn</a:t>
+            </a:r>
+          </a:p>
+          <a:p>
+            <a:pPr marL="278606" indent="-278606">
+              <a:lnSpc>
+                <a:spcPct val="200000"/>
+              </a:lnSpc>
+              <a:buFont typeface="+mj-lt"/>
+              <a:buAutoNum type="arabicPeriod"/>
+            </a:pPr>
+            <a:endParaRPr lang="en-US" sz="1300" b="1" dirty="0">
+              <a:solidFill>
+                <a:schemeClr val="accent2">
+                  <a:lumMod val="75000"/>
+                </a:schemeClr>
+              </a:solidFill>
+              <a:latin typeface="Oxygen" panose="02000503000000000000" pitchFamily="2" charset="0"/>
+            </a:endParaRPr>
+          </a:p>
+        </p:txBody>
+      </p:sp>
+      <p:sp>
+        <p:nvSpPr>
+          <p:cNvPr id="3" name="Rectangle 2">
+            <a:extLst>
+              <a:ext uri="{FF2B5EF4-FFF2-40B4-BE49-F238E27FC236}">
+                <a16:creationId xmlns:a16="http://schemas.microsoft.com/office/drawing/2014/main" id="{632DE7DE-4DF1-2ED4-1953-75F4A465759E}"/>
+              </a:ext>
+            </a:extLst>
+          </p:cNvPr>
+          <p:cNvSpPr/>
+          <p:nvPr/>
+        </p:nvSpPr>
+        <p:spPr>
+          <a:xfrm>
+            <a:off x="406221" y="2421546"/>
+            <a:ext cx="2184579" cy="2217256"/>
+          </a:xfrm>
+          <a:prstGeom prst="rect">
+            <a:avLst/>
+          </a:prstGeom>
+          <a:gradFill flip="none" rotWithShape="1">
+            <a:gsLst>
+              <a:gs pos="0">
+                <a:srgbClr val="FFFFFF">
+                  <a:alpha val="0"/>
+                </a:srgbClr>
+              </a:gs>
+              <a:gs pos="59000">
+                <a:srgbClr val="FFFFFF">
+                  <a:alpha val="0"/>
+                </a:srgbClr>
+              </a:gs>
+              <a:gs pos="71000">
+                <a:schemeClr val="bg1"/>
+              </a:gs>
+              <a:gs pos="100000">
+                <a:schemeClr val="bg1"/>
+              </a:gs>
+            </a:gsLst>
+            <a:path path="circle">
+              <a:fillToRect l="50000" t="50000" r="50000" b="50000"/>
+            </a:path>
+            <a:tileRect/>
+          </a:gradFill>
+          <a:ln>
+            <a:noFill/>
+          </a:ln>
+        </p:spPr>
+        <p:style>
+          <a:lnRef idx="2">
+            <a:schemeClr val="accent1">
+              <a:shade val="50000"/>
+            </a:schemeClr>
+          </a:lnRef>
+          <a:fillRef idx="1">
+            <a:schemeClr val="accent1"/>
+          </a:fillRef>
+          <a:effectRef idx="0">
+            <a:schemeClr val="accent1"/>
+          </a:effectRef>
+          <a:fontRef idx="minor">
+            <a:schemeClr val="lt1"/>
+          </a:fontRef>
+        </p:style>
+        <p:txBody>
+          <a:bodyPr rtlCol="0" anchor="ctr"/>
+          <a:lstStyle/>
+          <a:p>
+            <a:pPr algn="ctr"/>
+            <a:endParaRPr lang="en-AU" sz="1463">
+              <a:latin typeface="Oxygen" panose="02000503000000000000" pitchFamily="2" charset="0"/>
+            </a:endParaRPr>
+          </a:p>
+        </p:txBody>
+      </p:sp>
+    </p:spTree>
+    <p:extLst>
+      <p:ext uri="{BB962C8B-B14F-4D97-AF65-F5344CB8AC3E}">
+        <p14:creationId xmlns:p14="http://schemas.microsoft.com/office/powerpoint/2010/main" val="351675736"/>
       </p:ext>
     </p:extLst>
   </p:cSld>

--- a/Offline/BusinessManagement/AnodiamManagmentMasterPlan.pptx
+++ b/Offline/BusinessManagement/AnodiamManagmentMasterPlan.pptx
@@ -201,7 +201,7 @@
           <a:p>
             <a:fld id="{5169E326-07B3-4912-83BB-C3B54834DC03}" type="datetimeFigureOut">
               <a:rPr lang="en-US" smtClean="0"/>
-              <a:t>8/3/2023</a:t>
+              <a:t>8/4/2023</a:t>
             </a:fld>
             <a:endParaRPr lang="en-US"/>
           </a:p>
@@ -683,7 +683,7 @@
           <a:p>
             <a:fld id="{EB5091F5-313C-4A81-ACA1-94ED5D4B25D8}" type="datetimeFigureOut">
               <a:rPr lang="en-AU" smtClean="0"/>
-              <a:t>3/08/2023</a:t>
+              <a:t>4/08/2023</a:t>
             </a:fld>
             <a:endParaRPr lang="en-AU"/>
           </a:p>
@@ -853,7 +853,7 @@
           <a:p>
             <a:fld id="{EB5091F5-313C-4A81-ACA1-94ED5D4B25D8}" type="datetimeFigureOut">
               <a:rPr lang="en-AU" smtClean="0"/>
-              <a:t>3/08/2023</a:t>
+              <a:t>4/08/2023</a:t>
             </a:fld>
             <a:endParaRPr lang="en-AU"/>
           </a:p>
@@ -1033,7 +1033,7 @@
           <a:p>
             <a:fld id="{EB5091F5-313C-4A81-ACA1-94ED5D4B25D8}" type="datetimeFigureOut">
               <a:rPr lang="en-AU" smtClean="0"/>
-              <a:t>3/08/2023</a:t>
+              <a:t>4/08/2023</a:t>
             </a:fld>
             <a:endParaRPr lang="en-AU"/>
           </a:p>
@@ -1203,7 +1203,7 @@
           <a:p>
             <a:fld id="{EB5091F5-313C-4A81-ACA1-94ED5D4B25D8}" type="datetimeFigureOut">
               <a:rPr lang="en-AU" smtClean="0"/>
-              <a:t>3/08/2023</a:t>
+              <a:t>4/08/2023</a:t>
             </a:fld>
             <a:endParaRPr lang="en-AU"/>
           </a:p>
@@ -1447,7 +1447,7 @@
           <a:p>
             <a:fld id="{EB5091F5-313C-4A81-ACA1-94ED5D4B25D8}" type="datetimeFigureOut">
               <a:rPr lang="en-AU" smtClean="0"/>
-              <a:t>3/08/2023</a:t>
+              <a:t>4/08/2023</a:t>
             </a:fld>
             <a:endParaRPr lang="en-AU"/>
           </a:p>
@@ -1679,7 +1679,7 @@
           <a:p>
             <a:fld id="{EB5091F5-313C-4A81-ACA1-94ED5D4B25D8}" type="datetimeFigureOut">
               <a:rPr lang="en-AU" smtClean="0"/>
-              <a:t>3/08/2023</a:t>
+              <a:t>4/08/2023</a:t>
             </a:fld>
             <a:endParaRPr lang="en-AU"/>
           </a:p>
@@ -2046,7 +2046,7 @@
           <a:p>
             <a:fld id="{EB5091F5-313C-4A81-ACA1-94ED5D4B25D8}" type="datetimeFigureOut">
               <a:rPr lang="en-AU" smtClean="0"/>
-              <a:t>3/08/2023</a:t>
+              <a:t>4/08/2023</a:t>
             </a:fld>
             <a:endParaRPr lang="en-AU"/>
           </a:p>
@@ -2164,7 +2164,7 @@
           <a:p>
             <a:fld id="{EB5091F5-313C-4A81-ACA1-94ED5D4B25D8}" type="datetimeFigureOut">
               <a:rPr lang="en-AU" smtClean="0"/>
-              <a:t>3/08/2023</a:t>
+              <a:t>4/08/2023</a:t>
             </a:fld>
             <a:endParaRPr lang="en-AU"/>
           </a:p>
@@ -2259,7 +2259,7 @@
           <a:p>
             <a:fld id="{EB5091F5-313C-4A81-ACA1-94ED5D4B25D8}" type="datetimeFigureOut">
               <a:rPr lang="en-AU" smtClean="0"/>
-              <a:t>3/08/2023</a:t>
+              <a:t>4/08/2023</a:t>
             </a:fld>
             <a:endParaRPr lang="en-AU"/>
           </a:p>
@@ -2536,7 +2536,7 @@
           <a:p>
             <a:fld id="{EB5091F5-313C-4A81-ACA1-94ED5D4B25D8}" type="datetimeFigureOut">
               <a:rPr lang="en-AU" smtClean="0"/>
-              <a:t>3/08/2023</a:t>
+              <a:t>4/08/2023</a:t>
             </a:fld>
             <a:endParaRPr lang="en-AU"/>
           </a:p>
@@ -2793,7 +2793,7 @@
           <a:p>
             <a:fld id="{EB5091F5-313C-4A81-ACA1-94ED5D4B25D8}" type="datetimeFigureOut">
               <a:rPr lang="en-AU" smtClean="0"/>
-              <a:t>3/08/2023</a:t>
+              <a:t>4/08/2023</a:t>
             </a:fld>
             <a:endParaRPr lang="en-AU"/>
           </a:p>
@@ -3006,7 +3006,7 @@
           <a:p>
             <a:fld id="{EB5091F5-313C-4A81-ACA1-94ED5D4B25D8}" type="datetimeFigureOut">
               <a:rPr lang="en-AU" smtClean="0"/>
-              <a:t>3/08/2023</a:t>
+              <a:t>4/08/2023</a:t>
             </a:fld>
             <a:endParaRPr lang="en-AU"/>
           </a:p>
@@ -5363,8 +5363,8 @@
         </p:nvSpPr>
         <p:spPr>
           <a:xfrm>
-            <a:off x="3025141" y="1900048"/>
-            <a:ext cx="3185160" cy="1630126"/>
+            <a:off x="3299461" y="1925038"/>
+            <a:ext cx="2826281" cy="2030236"/>
           </a:xfrm>
           <a:prstGeom prst="rect">
             <a:avLst/>
@@ -5391,7 +5391,7 @@
                 </a:solidFill>
                 <a:latin typeface="Oxygen" panose="02000503000000000000" pitchFamily="2" charset="0"/>
               </a:rPr>
-              <a:t>App Launch &amp; Usage Training</a:t>
+              <a:t>Content Inspiree</a:t>
             </a:r>
           </a:p>
           <a:p>
@@ -5410,6 +5410,24 @@
                 <a:latin typeface="Oxygen" panose="02000503000000000000" pitchFamily="2" charset="0"/>
               </a:rPr>
               <a:t>Faculty Onboarding</a:t>
+            </a:r>
+          </a:p>
+          <a:p>
+            <a:pPr marL="278606" indent="-278606">
+              <a:lnSpc>
+                <a:spcPct val="200000"/>
+              </a:lnSpc>
+              <a:buFont typeface="+mj-lt"/>
+              <a:buAutoNum type="arabicPeriod"/>
+            </a:pPr>
+            <a:r>
+              <a:rPr lang="en-US" sz="1300" b="1" dirty="0">
+                <a:solidFill>
+                  <a:srgbClr val="C00000"/>
+                </a:solidFill>
+                <a:latin typeface="Oxygen" panose="02000503000000000000" pitchFamily="2" charset="0"/>
+              </a:rPr>
+              <a:t>Offer Letter Rollout</a:t>
             </a:r>
           </a:p>
           <a:p>
@@ -5468,8 +5486,8 @@
         </p:nvSpPr>
         <p:spPr>
           <a:xfrm>
-            <a:off x="6527304" y="1900048"/>
-            <a:ext cx="2555421" cy="3630674"/>
+            <a:off x="6157274" y="1888349"/>
+            <a:ext cx="3447276" cy="3630674"/>
           </a:xfrm>
           <a:prstGeom prst="rect">
             <a:avLst/>
@@ -5496,7 +5514,7 @@
                 </a:solidFill>
                 <a:latin typeface="Oxygen" panose="02000503000000000000" pitchFamily="2" charset="0"/>
               </a:rPr>
-              <a:t>Ad Flyers + Approval</a:t>
+              <a:t>App Launch &amp; Usage Training</a:t>
             </a:r>
           </a:p>
           <a:p>
@@ -5514,7 +5532,43 @@
                 </a:solidFill>
                 <a:latin typeface="Oxygen" panose="02000503000000000000" pitchFamily="2" charset="0"/>
               </a:rPr>
-              <a:t>Add + Reels Plan</a:t>
+              <a:t>Growth </a:t>
+            </a:r>
+            <a:r>
+              <a:rPr lang="en-US" sz="1300" b="1" dirty="0" err="1">
+                <a:solidFill>
+                  <a:srgbClr val="C00000"/>
+                </a:solidFill>
+                <a:latin typeface="Oxygen" panose="02000503000000000000" pitchFamily="2" charset="0"/>
+              </a:rPr>
+              <a:t>Mgr</a:t>
+            </a:r>
+            <a:r>
+              <a:rPr lang="en-US" sz="1300" b="1" dirty="0">
+                <a:solidFill>
+                  <a:srgbClr val="C00000"/>
+                </a:solidFill>
+                <a:latin typeface="Oxygen" panose="02000503000000000000" pitchFamily="2" charset="0"/>
+              </a:rPr>
+              <a:t>, </a:t>
+            </a:r>
+            <a:r>
+              <a:rPr lang="en-US" sz="1300" b="1" dirty="0" err="1">
+                <a:solidFill>
+                  <a:srgbClr val="C00000"/>
+                </a:solidFill>
+                <a:latin typeface="Oxygen" panose="02000503000000000000" pitchFamily="2" charset="0"/>
+              </a:rPr>
+              <a:t>Mtk</a:t>
+            </a:r>
+            <a:r>
+              <a:rPr lang="en-US" sz="1300" b="1" dirty="0">
+                <a:solidFill>
+                  <a:srgbClr val="C00000"/>
+                </a:solidFill>
+                <a:latin typeface="Oxygen" panose="02000503000000000000" pitchFamily="2" charset="0"/>
+              </a:rPr>
+              <a:t>, Brand Amba</a:t>
             </a:r>
           </a:p>
           <a:p>
@@ -5532,7 +5586,7 @@
                 </a:solidFill>
                 <a:latin typeface="Oxygen" panose="02000503000000000000" pitchFamily="2" charset="0"/>
               </a:rPr>
-              <a:t>Add + Reels Execute</a:t>
+              <a:t>Ad Flyers</a:t>
             </a:r>
           </a:p>
           <a:p>
@@ -5546,13 +5600,11 @@
             <a:r>
               <a:rPr lang="en-US" sz="1300" b="1" dirty="0">
                 <a:solidFill>
-                  <a:schemeClr val="accent2">
-                    <a:lumMod val="75000"/>
-                  </a:schemeClr>
-                </a:solidFill>
-                <a:latin typeface="Oxygen" panose="02000503000000000000" pitchFamily="2" charset="0"/>
-              </a:rPr>
-              <a:t>IoT AI Study Mat (Content)</a:t>
+                  <a:srgbClr val="C00000"/>
+                </a:solidFill>
+                <a:latin typeface="Oxygen" panose="02000503000000000000" pitchFamily="2" charset="0"/>
+              </a:rPr>
+              <a:t>Add + Reels Plan &amp; Execute</a:t>
             </a:r>
           </a:p>
           <a:p>
@@ -5572,7 +5624,7 @@
                 </a:solidFill>
                 <a:latin typeface="Oxygen" panose="02000503000000000000" pitchFamily="2" charset="0"/>
               </a:rPr>
-              <a:t>IoT AI Code (Content)</a:t>
+              <a:t>IoT AI Study Mat (Content)</a:t>
             </a:r>
           </a:p>
           <a:p>
@@ -5592,7 +5644,7 @@
                 </a:solidFill>
                 <a:latin typeface="Oxygen" panose="02000503000000000000" pitchFamily="2" charset="0"/>
               </a:rPr>
-              <a:t>IoT AI Schools</a:t>
+              <a:t>IoT AI Code (Content)</a:t>
             </a:r>
           </a:p>
           <a:p>
@@ -5606,13 +5658,13 @@
             <a:r>
               <a:rPr lang="en-US" sz="1300" b="1" dirty="0">
                 <a:solidFill>
-                  <a:schemeClr val="accent4">
+                  <a:schemeClr val="accent2">
                     <a:lumMod val="75000"/>
                   </a:schemeClr>
                 </a:solidFill>
                 <a:latin typeface="Oxygen" panose="02000503000000000000" pitchFamily="2" charset="0"/>
               </a:rPr>
-              <a:t>WA, JD, FB, Messenger</a:t>
+              <a:t>IoT AI Schools</a:t>
             </a:r>
           </a:p>
           <a:p>
@@ -5632,7 +5684,7 @@
                 </a:solidFill>
                 <a:latin typeface="Oxygen" panose="02000503000000000000" pitchFamily="2" charset="0"/>
               </a:rPr>
-              <a:t>Insta, LinkedIn</a:t>
+              <a:t>WA, JD, FB, Messenger, Insta, LinkedIn</a:t>
             </a:r>
           </a:p>
           <a:p>

--- a/Offline/BusinessManagement/AnodiamManagmentMasterPlan.pptx
+++ b/Offline/BusinessManagement/AnodiamManagmentMasterPlan.pptx
@@ -5487,7 +5487,7 @@
         <p:spPr>
           <a:xfrm>
             <a:off x="6157274" y="1888349"/>
-            <a:ext cx="3447276" cy="3630674"/>
+            <a:ext cx="3447276" cy="4030783"/>
           </a:xfrm>
           <a:prstGeom prst="rect">
             <a:avLst/>
@@ -5532,43 +5532,25 @@
                 </a:solidFill>
                 <a:latin typeface="Oxygen" panose="02000503000000000000" pitchFamily="2" charset="0"/>
               </a:rPr>
-              <a:t>Growth </a:t>
-            </a:r>
-            <a:r>
-              <a:rPr lang="en-US" sz="1300" b="1" dirty="0" err="1">
+              <a:t>Growth Manager</a:t>
+            </a:r>
+          </a:p>
+          <a:p>
+            <a:pPr marL="278606" indent="-278606">
+              <a:lnSpc>
+                <a:spcPct val="200000"/>
+              </a:lnSpc>
+              <a:buFont typeface="+mj-lt"/>
+              <a:buAutoNum type="arabicPeriod"/>
+            </a:pPr>
+            <a:r>
+              <a:rPr lang="en-US" sz="1300" b="1" dirty="0">
                 <a:solidFill>
                   <a:srgbClr val="C00000"/>
                 </a:solidFill>
                 <a:latin typeface="Oxygen" panose="02000503000000000000" pitchFamily="2" charset="0"/>
               </a:rPr>
-              <a:t>Mgr</a:t>
-            </a:r>
-            <a:r>
-              <a:rPr lang="en-US" sz="1300" b="1" dirty="0">
-                <a:solidFill>
-                  <a:srgbClr val="C00000"/>
-                </a:solidFill>
-                <a:latin typeface="Oxygen" panose="02000503000000000000" pitchFamily="2" charset="0"/>
-              </a:rPr>
-              <a:t>, </a:t>
-            </a:r>
-            <a:r>
-              <a:rPr lang="en-US" sz="1300" b="1" dirty="0" err="1">
-                <a:solidFill>
-                  <a:srgbClr val="C00000"/>
-                </a:solidFill>
-                <a:latin typeface="Oxygen" panose="02000503000000000000" pitchFamily="2" charset="0"/>
-              </a:rPr>
-              <a:t>Mtk</a:t>
-            </a:r>
-            <a:r>
-              <a:rPr lang="en-US" sz="1300" b="1" dirty="0">
-                <a:solidFill>
-                  <a:srgbClr val="C00000"/>
-                </a:solidFill>
-                <a:latin typeface="Oxygen" panose="02000503000000000000" pitchFamily="2" charset="0"/>
-              </a:rPr>
-              <a:t>, Brand Amba</a:t>
+              <a:t>Marketing, Brand Ambassador</a:t>
             </a:r>
           </a:p>
           <a:p>

--- a/Offline/BusinessManagement/AnodiamManagmentMasterPlan.pptx
+++ b/Offline/BusinessManagement/AnodiamManagmentMasterPlan.pptx
@@ -201,7 +201,7 @@
           <a:p>
             <a:fld id="{5169E326-07B3-4912-83BB-C3B54834DC03}" type="datetimeFigureOut">
               <a:rPr lang="en-US" smtClean="0"/>
-              <a:t>8/4/2023</a:t>
+              <a:t>8/6/2023</a:t>
             </a:fld>
             <a:endParaRPr lang="en-US"/>
           </a:p>
@@ -683,7 +683,7 @@
           <a:p>
             <a:fld id="{EB5091F5-313C-4A81-ACA1-94ED5D4B25D8}" type="datetimeFigureOut">
               <a:rPr lang="en-AU" smtClean="0"/>
-              <a:t>4/08/2023</a:t>
+              <a:t>6/08/2023</a:t>
             </a:fld>
             <a:endParaRPr lang="en-AU"/>
           </a:p>
@@ -853,7 +853,7 @@
           <a:p>
             <a:fld id="{EB5091F5-313C-4A81-ACA1-94ED5D4B25D8}" type="datetimeFigureOut">
               <a:rPr lang="en-AU" smtClean="0"/>
-              <a:t>4/08/2023</a:t>
+              <a:t>6/08/2023</a:t>
             </a:fld>
             <a:endParaRPr lang="en-AU"/>
           </a:p>
@@ -1033,7 +1033,7 @@
           <a:p>
             <a:fld id="{EB5091F5-313C-4A81-ACA1-94ED5D4B25D8}" type="datetimeFigureOut">
               <a:rPr lang="en-AU" smtClean="0"/>
-              <a:t>4/08/2023</a:t>
+              <a:t>6/08/2023</a:t>
             </a:fld>
             <a:endParaRPr lang="en-AU"/>
           </a:p>
@@ -1203,7 +1203,7 @@
           <a:p>
             <a:fld id="{EB5091F5-313C-4A81-ACA1-94ED5D4B25D8}" type="datetimeFigureOut">
               <a:rPr lang="en-AU" smtClean="0"/>
-              <a:t>4/08/2023</a:t>
+              <a:t>6/08/2023</a:t>
             </a:fld>
             <a:endParaRPr lang="en-AU"/>
           </a:p>
@@ -1447,7 +1447,7 @@
           <a:p>
             <a:fld id="{EB5091F5-313C-4A81-ACA1-94ED5D4B25D8}" type="datetimeFigureOut">
               <a:rPr lang="en-AU" smtClean="0"/>
-              <a:t>4/08/2023</a:t>
+              <a:t>6/08/2023</a:t>
             </a:fld>
             <a:endParaRPr lang="en-AU"/>
           </a:p>
@@ -1679,7 +1679,7 @@
           <a:p>
             <a:fld id="{EB5091F5-313C-4A81-ACA1-94ED5D4B25D8}" type="datetimeFigureOut">
               <a:rPr lang="en-AU" smtClean="0"/>
-              <a:t>4/08/2023</a:t>
+              <a:t>6/08/2023</a:t>
             </a:fld>
             <a:endParaRPr lang="en-AU"/>
           </a:p>
@@ -2046,7 +2046,7 @@
           <a:p>
             <a:fld id="{EB5091F5-313C-4A81-ACA1-94ED5D4B25D8}" type="datetimeFigureOut">
               <a:rPr lang="en-AU" smtClean="0"/>
-              <a:t>4/08/2023</a:t>
+              <a:t>6/08/2023</a:t>
             </a:fld>
             <a:endParaRPr lang="en-AU"/>
           </a:p>
@@ -2164,7 +2164,7 @@
           <a:p>
             <a:fld id="{EB5091F5-313C-4A81-ACA1-94ED5D4B25D8}" type="datetimeFigureOut">
               <a:rPr lang="en-AU" smtClean="0"/>
-              <a:t>4/08/2023</a:t>
+              <a:t>6/08/2023</a:t>
             </a:fld>
             <a:endParaRPr lang="en-AU"/>
           </a:p>
@@ -2259,7 +2259,7 @@
           <a:p>
             <a:fld id="{EB5091F5-313C-4A81-ACA1-94ED5D4B25D8}" type="datetimeFigureOut">
               <a:rPr lang="en-AU" smtClean="0"/>
-              <a:t>4/08/2023</a:t>
+              <a:t>6/08/2023</a:t>
             </a:fld>
             <a:endParaRPr lang="en-AU"/>
           </a:p>
@@ -2536,7 +2536,7 @@
           <a:p>
             <a:fld id="{EB5091F5-313C-4A81-ACA1-94ED5D4B25D8}" type="datetimeFigureOut">
               <a:rPr lang="en-AU" smtClean="0"/>
-              <a:t>4/08/2023</a:t>
+              <a:t>6/08/2023</a:t>
             </a:fld>
             <a:endParaRPr lang="en-AU"/>
           </a:p>
@@ -2793,7 +2793,7 @@
           <a:p>
             <a:fld id="{EB5091F5-313C-4A81-ACA1-94ED5D4B25D8}" type="datetimeFigureOut">
               <a:rPr lang="en-AU" smtClean="0"/>
-              <a:t>4/08/2023</a:t>
+              <a:t>6/08/2023</a:t>
             </a:fld>
             <a:endParaRPr lang="en-AU"/>
           </a:p>
@@ -3006,7 +3006,7 @@
           <a:p>
             <a:fld id="{EB5091F5-313C-4A81-ACA1-94ED5D4B25D8}" type="datetimeFigureOut">
               <a:rPr lang="en-AU" smtClean="0"/>
-              <a:t>4/08/2023</a:t>
+              <a:t>6/08/2023</a:t>
             </a:fld>
             <a:endParaRPr lang="en-AU"/>
           </a:p>
@@ -5235,7 +5235,7 @@
         </p:blipFill>
         <p:spPr>
           <a:xfrm>
-            <a:off x="451512" y="2481857"/>
+            <a:off x="222912" y="2481857"/>
             <a:ext cx="2107756" cy="2096635"/>
           </a:xfrm>
           <a:prstGeom prst="rect">
@@ -5265,7 +5265,7 @@
         </p:blipFill>
         <p:spPr>
           <a:xfrm>
-            <a:off x="182877" y="5519023"/>
+            <a:off x="177621" y="6286600"/>
             <a:ext cx="1207923" cy="571400"/>
           </a:xfrm>
           <a:prstGeom prst="rect">
@@ -5281,7 +5281,7 @@
         </p:nvSpPr>
         <p:spPr>
           <a:xfrm>
-            <a:off x="4316633" y="5926981"/>
+            <a:off x="4168141" y="6572300"/>
             <a:ext cx="2379321" cy="229935"/>
           </a:xfrm>
           <a:prstGeom prst="rect">
@@ -5322,7 +5322,7 @@
         </p:nvSpPr>
         <p:spPr>
           <a:xfrm>
-            <a:off x="2221012" y="821943"/>
+            <a:off x="2221012" y="199182"/>
             <a:ext cx="5659900" cy="492443"/>
           </a:xfrm>
           <a:prstGeom prst="rect">
@@ -5344,7 +5344,7 @@
                 </a:solidFill>
                 <a:latin typeface="Oxygen" panose="02000503000000000000" pitchFamily="2" charset="0"/>
               </a:rPr>
-              <a:t>Current Hustle: August</a:t>
+              <a:t>August Hustle</a:t>
             </a:r>
             <a:endParaRPr lang="en-AU" sz="2600" b="1" dirty="0">
               <a:solidFill>
@@ -5363,8 +5363,8 @@
         </p:nvSpPr>
         <p:spPr>
           <a:xfrm>
-            <a:off x="3299461" y="1925038"/>
-            <a:ext cx="2826281" cy="2030236"/>
+            <a:off x="2548890" y="1386090"/>
+            <a:ext cx="3188970" cy="3630674"/>
           </a:xfrm>
           <a:prstGeom prst="rect">
             <a:avLst/>
@@ -5395,6 +5395,96 @@
             </a:r>
           </a:p>
           <a:p>
+            <a:pPr marL="742950" lvl="1" indent="-285750">
+              <a:lnSpc>
+                <a:spcPct val="150000"/>
+              </a:lnSpc>
+              <a:buFont typeface="Arial" panose="020B0604020202020204" pitchFamily="34" charset="0"/>
+              <a:buChar char="•"/>
+            </a:pPr>
+            <a:r>
+              <a:rPr lang="en-US" sz="1300" b="1" dirty="0">
+                <a:solidFill>
+                  <a:srgbClr val="C00000"/>
+                </a:solidFill>
+                <a:latin typeface="Oxygen" panose="02000503000000000000" pitchFamily="2" charset="0"/>
+              </a:rPr>
+              <a:t>Sample Link Send-out</a:t>
+            </a:r>
+          </a:p>
+          <a:p>
+            <a:pPr marL="742950" lvl="1" indent="-285750">
+              <a:lnSpc>
+                <a:spcPct val="150000"/>
+              </a:lnSpc>
+              <a:buFont typeface="Arial" panose="020B0604020202020204" pitchFamily="34" charset="0"/>
+              <a:buChar char="•"/>
+            </a:pPr>
+            <a:r>
+              <a:rPr lang="en-US" sz="1300" b="1" dirty="0">
+                <a:solidFill>
+                  <a:srgbClr val="C00000"/>
+                </a:solidFill>
+                <a:latin typeface="Oxygen" panose="02000503000000000000" pitchFamily="2" charset="0"/>
+              </a:rPr>
+              <a:t>Approval on Samples</a:t>
+            </a:r>
+          </a:p>
+          <a:p>
+            <a:pPr marL="742950" lvl="1" indent="-285750">
+              <a:lnSpc>
+                <a:spcPct val="150000"/>
+              </a:lnSpc>
+              <a:buFont typeface="Arial" panose="020B0604020202020204" pitchFamily="34" charset="0"/>
+              <a:buChar char="•"/>
+            </a:pPr>
+            <a:r>
+              <a:rPr lang="en-US" sz="1300" b="1" dirty="0">
+                <a:solidFill>
+                  <a:srgbClr val="C00000"/>
+                </a:solidFill>
+                <a:latin typeface="Oxygen" panose="02000503000000000000" pitchFamily="2" charset="0"/>
+              </a:rPr>
+              <a:t>Usage Rights of Content</a:t>
+            </a:r>
+          </a:p>
+          <a:p>
+            <a:pPr marL="742950" lvl="1" indent="-285750">
+              <a:lnSpc>
+                <a:spcPct val="150000"/>
+              </a:lnSpc>
+              <a:buFont typeface="Arial" panose="020B0604020202020204" pitchFamily="34" charset="0"/>
+              <a:buChar char="•"/>
+            </a:pPr>
+            <a:r>
+              <a:rPr lang="en-US" sz="1300" b="1" dirty="0">
+                <a:solidFill>
+                  <a:srgbClr val="C00000"/>
+                </a:solidFill>
+                <a:latin typeface="Oxygen" panose="02000503000000000000" pitchFamily="2" charset="0"/>
+              </a:rPr>
+              <a:t>Reformat for Anodiam</a:t>
+            </a:r>
+          </a:p>
+          <a:p>
+            <a:pPr marL="742950" lvl="1" indent="-285750">
+              <a:lnSpc>
+                <a:spcPct val="150000"/>
+              </a:lnSpc>
+              <a:buFont typeface="Arial" panose="020B0604020202020204" pitchFamily="34" charset="0"/>
+              <a:buChar char="•"/>
+            </a:pPr>
+            <a:r>
+              <a:rPr lang="en-US" sz="1300" b="1" dirty="0">
+                <a:solidFill>
+                  <a:srgbClr val="C00000"/>
+                </a:solidFill>
+                <a:latin typeface="Oxygen" panose="02000503000000000000" pitchFamily="2" charset="0"/>
+              </a:rPr>
+              <a:t>Publish Baseline Content</a:t>
+            </a:r>
+          </a:p>
+          <a:p>
             <a:pPr marL="278606" indent="-278606">
               <a:lnSpc>
                 <a:spcPct val="200000"/>
@@ -5413,6 +5503,60 @@
             </a:r>
           </a:p>
           <a:p>
+            <a:pPr marL="742950" lvl="1" indent="-285750">
+              <a:lnSpc>
+                <a:spcPct val="150000"/>
+              </a:lnSpc>
+              <a:buFont typeface="Arial" panose="020B0604020202020204" pitchFamily="34" charset="0"/>
+              <a:buChar char="•"/>
+            </a:pPr>
+            <a:r>
+              <a:rPr lang="en-US" sz="1300" b="1" dirty="0">
+                <a:solidFill>
+                  <a:srgbClr val="C00000"/>
+                </a:solidFill>
+                <a:latin typeface="Oxygen" panose="02000503000000000000" pitchFamily="2" charset="0"/>
+              </a:rPr>
+              <a:t>Vacancy Fill-up</a:t>
+            </a:r>
+          </a:p>
+          <a:p>
+            <a:pPr marL="742950" lvl="1" indent="-285750">
+              <a:lnSpc>
+                <a:spcPct val="150000"/>
+              </a:lnSpc>
+              <a:buFont typeface="Arial" panose="020B0604020202020204" pitchFamily="34" charset="0"/>
+              <a:buChar char="•"/>
+            </a:pPr>
+            <a:r>
+              <a:rPr lang="en-US" sz="1300" b="1" dirty="0">
+                <a:solidFill>
+                  <a:srgbClr val="C00000"/>
+                </a:solidFill>
+                <a:latin typeface="Oxygen" panose="02000503000000000000" pitchFamily="2" charset="0"/>
+              </a:rPr>
+              <a:t>Offer Letters Roll-out</a:t>
+            </a:r>
+          </a:p>
+          <a:p>
+            <a:pPr marL="742950" lvl="1" indent="-285750">
+              <a:lnSpc>
+                <a:spcPct val="150000"/>
+              </a:lnSpc>
+              <a:buFont typeface="Arial" panose="020B0604020202020204" pitchFamily="34" charset="0"/>
+              <a:buChar char="•"/>
+            </a:pPr>
+            <a:r>
+              <a:rPr lang="en-US" sz="1300" b="1" dirty="0">
+                <a:solidFill>
+                  <a:srgbClr val="C00000"/>
+                </a:solidFill>
+                <a:latin typeface="Oxygen" panose="02000503000000000000" pitchFamily="2" charset="0"/>
+              </a:rPr>
+              <a:t>Acceptance &amp; Bank A/c</a:t>
+            </a:r>
+          </a:p>
+          <a:p>
             <a:pPr marL="278606" indent="-278606">
               <a:lnSpc>
                 <a:spcPct val="200000"/>
@@ -5423,51 +5567,13 @@
             <a:r>
               <a:rPr lang="en-US" sz="1300" b="1" dirty="0">
                 <a:solidFill>
-                  <a:srgbClr val="C00000"/>
-                </a:solidFill>
-                <a:latin typeface="Oxygen" panose="02000503000000000000" pitchFamily="2" charset="0"/>
-              </a:rPr>
-              <a:t>Offer Letter Rollout</a:t>
-            </a:r>
-          </a:p>
-          <a:p>
-            <a:pPr marL="278606" indent="-278606">
-              <a:lnSpc>
-                <a:spcPct val="200000"/>
-              </a:lnSpc>
-              <a:buFont typeface="+mj-lt"/>
-              <a:buAutoNum type="arabicPeriod"/>
-            </a:pPr>
-            <a:r>
-              <a:rPr lang="en-US" sz="1300" b="1" dirty="0">
-                <a:solidFill>
                   <a:schemeClr val="accent2">
                     <a:lumMod val="75000"/>
                   </a:schemeClr>
                 </a:solidFill>
                 <a:latin typeface="Oxygen" panose="02000503000000000000" pitchFamily="2" charset="0"/>
               </a:rPr>
-              <a:t>IT Study Mat (Content)</a:t>
-            </a:r>
-          </a:p>
-          <a:p>
-            <a:pPr marL="278606" indent="-278606">
-              <a:lnSpc>
-                <a:spcPct val="200000"/>
-              </a:lnSpc>
-              <a:buFont typeface="+mj-lt"/>
-              <a:buAutoNum type="arabicPeriod"/>
-            </a:pPr>
-            <a:r>
-              <a:rPr lang="en-US" sz="1300" b="1" dirty="0">
-                <a:solidFill>
-                  <a:schemeClr val="accent2">
-                    <a:lumMod val="75000"/>
-                  </a:schemeClr>
-                </a:solidFill>
-                <a:latin typeface="Oxygen" panose="02000503000000000000" pitchFamily="2" charset="0"/>
-              </a:rPr>
-              <a:t>IT Code (Content)</a:t>
+              <a:t>IT Study Mat + Code (Content)</a:t>
             </a:r>
           </a:p>
         </p:txBody>
@@ -5486,8 +5592,8 @@
         </p:nvSpPr>
         <p:spPr>
           <a:xfrm>
-            <a:off x="6157274" y="1888349"/>
-            <a:ext cx="3447276" cy="4030783"/>
+            <a:off x="5737860" y="814590"/>
+            <a:ext cx="4114800" cy="5931304"/>
           </a:xfrm>
           <a:prstGeom prst="rect">
             <a:avLst/>
@@ -5514,7 +5620,151 @@
                 </a:solidFill>
                 <a:latin typeface="Oxygen" panose="02000503000000000000" pitchFamily="2" charset="0"/>
               </a:rPr>
-              <a:t>App Launch &amp; Usage Training</a:t>
+              <a:t>App Launch</a:t>
+            </a:r>
+          </a:p>
+          <a:p>
+            <a:pPr marL="742950" lvl="1" indent="-285750">
+              <a:lnSpc>
+                <a:spcPct val="150000"/>
+              </a:lnSpc>
+              <a:buFont typeface="Arial" panose="020B0604020202020204" pitchFamily="34" charset="0"/>
+              <a:buChar char="•"/>
+            </a:pPr>
+            <a:r>
+              <a:rPr lang="en-US" sz="1300" b="1" dirty="0">
+                <a:solidFill>
+                  <a:srgbClr val="C00000"/>
+                </a:solidFill>
+                <a:latin typeface="Oxygen" panose="02000503000000000000" pitchFamily="2" charset="0"/>
+              </a:rPr>
+              <a:t>Usage Training</a:t>
+            </a:r>
+          </a:p>
+          <a:p>
+            <a:pPr marL="742950" lvl="1" indent="-285750">
+              <a:lnSpc>
+                <a:spcPct val="150000"/>
+              </a:lnSpc>
+              <a:buFont typeface="Arial" panose="020B0604020202020204" pitchFamily="34" charset="0"/>
+              <a:buChar char="•"/>
+            </a:pPr>
+            <a:r>
+              <a:rPr lang="en-US" sz="1300" b="1" dirty="0">
+                <a:solidFill>
+                  <a:srgbClr val="C00000"/>
+                </a:solidFill>
+                <a:latin typeface="Oxygen" panose="02000503000000000000" pitchFamily="2" charset="0"/>
+              </a:rPr>
+              <a:t>Resolve App Doubts</a:t>
+            </a:r>
+          </a:p>
+          <a:p>
+            <a:pPr marL="742950" lvl="1" indent="-285750">
+              <a:lnSpc>
+                <a:spcPct val="150000"/>
+              </a:lnSpc>
+              <a:buFont typeface="Arial" panose="020B0604020202020204" pitchFamily="34" charset="0"/>
+              <a:buChar char="•"/>
+            </a:pPr>
+            <a:r>
+              <a:rPr lang="en-US" sz="1300" b="1" dirty="0">
+                <a:solidFill>
+                  <a:srgbClr val="C00000"/>
+                </a:solidFill>
+                <a:latin typeface="Oxygen" panose="02000503000000000000" pitchFamily="2" charset="0"/>
+              </a:rPr>
+              <a:t>Train Teachers</a:t>
+            </a:r>
+          </a:p>
+          <a:p>
+            <a:pPr marL="1200150" lvl="2" indent="-285750">
+              <a:lnSpc>
+                <a:spcPct val="150000"/>
+              </a:lnSpc>
+              <a:buFont typeface="Arial" panose="020B0604020202020204" pitchFamily="34" charset="0"/>
+              <a:buChar char="•"/>
+            </a:pPr>
+            <a:r>
+              <a:rPr lang="en-US" sz="1300" b="1" dirty="0">
+                <a:solidFill>
+                  <a:srgbClr val="C00000"/>
+                </a:solidFill>
+                <a:latin typeface="Oxygen" panose="02000503000000000000" pitchFamily="2" charset="0"/>
+              </a:rPr>
+              <a:t>How to Approve Content</a:t>
+            </a:r>
+          </a:p>
+          <a:p>
+            <a:pPr marL="1200150" lvl="2" indent="-285750">
+              <a:lnSpc>
+                <a:spcPct val="150000"/>
+              </a:lnSpc>
+              <a:buFont typeface="Arial" panose="020B0604020202020204" pitchFamily="34" charset="0"/>
+              <a:buChar char="•"/>
+            </a:pPr>
+            <a:r>
+              <a:rPr lang="en-US" sz="1300" b="1" dirty="0">
+                <a:solidFill>
+                  <a:srgbClr val="C00000"/>
+                </a:solidFill>
+                <a:latin typeface="Oxygen" panose="02000503000000000000" pitchFamily="2" charset="0"/>
+              </a:rPr>
+              <a:t>How Teachers Do QC of Content</a:t>
+            </a:r>
+          </a:p>
+          <a:p>
+            <a:pPr marL="1657350" lvl="3" indent="-285750">
+              <a:lnSpc>
+                <a:spcPct val="150000"/>
+              </a:lnSpc>
+              <a:buFont typeface="Arial" panose="020B0604020202020204" pitchFamily="34" charset="0"/>
+              <a:buChar char="•"/>
+            </a:pPr>
+            <a:r>
+              <a:rPr lang="en-US" sz="1300" b="1" dirty="0">
+                <a:solidFill>
+                  <a:srgbClr val="C00000"/>
+                </a:solidFill>
+                <a:latin typeface="Oxygen" panose="02000503000000000000" pitchFamily="2" charset="0"/>
+              </a:rPr>
+              <a:t>Raise Defect</a:t>
+            </a:r>
+          </a:p>
+          <a:p>
+            <a:pPr marL="1657350" lvl="3" indent="-285750">
+              <a:lnSpc>
+                <a:spcPct val="150000"/>
+              </a:lnSpc>
+              <a:buFont typeface="Arial" panose="020B0604020202020204" pitchFamily="34" charset="0"/>
+              <a:buChar char="•"/>
+            </a:pPr>
+            <a:r>
+              <a:rPr lang="en-US" sz="1300" b="1" dirty="0">
+                <a:solidFill>
+                  <a:srgbClr val="C00000"/>
+                </a:solidFill>
+                <a:latin typeface="Oxygen" panose="02000503000000000000" pitchFamily="2" charset="0"/>
+              </a:rPr>
+              <a:t>Triage Defect</a:t>
+            </a:r>
+          </a:p>
+          <a:p>
+            <a:pPr marL="1657350" lvl="3" indent="-285750">
+              <a:lnSpc>
+                <a:spcPct val="150000"/>
+              </a:lnSpc>
+              <a:buFont typeface="Arial" panose="020B0604020202020204" pitchFamily="34" charset="0"/>
+              <a:buChar char="•"/>
+            </a:pPr>
+            <a:r>
+              <a:rPr lang="en-US" sz="1300" b="1" dirty="0">
+                <a:solidFill>
+                  <a:srgbClr val="C00000"/>
+                </a:solidFill>
+                <a:latin typeface="Oxygen" panose="02000503000000000000" pitchFamily="2" charset="0"/>
+              </a:rPr>
+              <a:t>Close Defect</a:t>
             </a:r>
           </a:p>
           <a:p>
@@ -5532,7 +5782,97 @@
                 </a:solidFill>
                 <a:latin typeface="Oxygen" panose="02000503000000000000" pitchFamily="2" charset="0"/>
               </a:rPr>
+              <a:t>Marketing Plan &amp; Execute</a:t>
+            </a:r>
+          </a:p>
+          <a:p>
+            <a:pPr marL="742950" lvl="1" indent="-285750">
+              <a:lnSpc>
+                <a:spcPct val="150000"/>
+              </a:lnSpc>
+              <a:buFont typeface="Arial" panose="020B0604020202020204" pitchFamily="34" charset="0"/>
+              <a:buChar char="•"/>
+            </a:pPr>
+            <a:r>
+              <a:rPr lang="en-US" sz="1300" b="1" dirty="0">
+                <a:solidFill>
+                  <a:srgbClr val="C00000"/>
+                </a:solidFill>
+                <a:latin typeface="Oxygen" panose="02000503000000000000" pitchFamily="2" charset="0"/>
+              </a:rPr>
               <a:t>Growth Manager</a:t>
+            </a:r>
+          </a:p>
+          <a:p>
+            <a:pPr marL="742950" lvl="1" indent="-285750">
+              <a:lnSpc>
+                <a:spcPct val="150000"/>
+              </a:lnSpc>
+              <a:buFont typeface="Arial" panose="020B0604020202020204" pitchFamily="34" charset="0"/>
+              <a:buChar char="•"/>
+            </a:pPr>
+            <a:r>
+              <a:rPr lang="en-US" sz="1300" b="1" dirty="0">
+                <a:solidFill>
+                  <a:srgbClr val="C00000"/>
+                </a:solidFill>
+                <a:latin typeface="Oxygen" panose="02000503000000000000" pitchFamily="2" charset="0"/>
+              </a:rPr>
+              <a:t>Brand Ambassador</a:t>
+            </a:r>
+          </a:p>
+          <a:p>
+            <a:pPr marL="742950" lvl="1" indent="-285750">
+              <a:lnSpc>
+                <a:spcPct val="150000"/>
+              </a:lnSpc>
+              <a:buFont typeface="Arial" panose="020B0604020202020204" pitchFamily="34" charset="0"/>
+              <a:buChar char="•"/>
+            </a:pPr>
+            <a:r>
+              <a:rPr lang="en-US" sz="1300" b="1" dirty="0">
+                <a:solidFill>
+                  <a:srgbClr val="C00000"/>
+                </a:solidFill>
+                <a:latin typeface="Oxygen" panose="02000503000000000000" pitchFamily="2" charset="0"/>
+              </a:rPr>
+              <a:t>Artwork Flyers, Posters, Banners</a:t>
+            </a:r>
+          </a:p>
+          <a:p>
+            <a:pPr marL="742950" lvl="1" indent="-285750">
+              <a:lnSpc>
+                <a:spcPct val="150000"/>
+              </a:lnSpc>
+              <a:buFont typeface="Arial" panose="020B0604020202020204" pitchFamily="34" charset="0"/>
+              <a:buChar char="•"/>
+            </a:pPr>
+            <a:r>
+              <a:rPr lang="en-US" sz="1300" b="1" dirty="0">
+                <a:solidFill>
+                  <a:srgbClr val="C00000"/>
+                </a:solidFill>
+                <a:latin typeface="Oxygen" panose="02000503000000000000" pitchFamily="2" charset="0"/>
+              </a:rPr>
+              <a:t>Reels</a:t>
+            </a:r>
+          </a:p>
+          <a:p>
+            <a:pPr marL="742950" lvl="1" indent="-285750">
+              <a:lnSpc>
+                <a:spcPct val="150000"/>
+              </a:lnSpc>
+              <a:buFont typeface="Arial" panose="020B0604020202020204" pitchFamily="34" charset="0"/>
+              <a:buChar char="•"/>
+            </a:pPr>
+            <a:r>
+              <a:rPr lang="en-US" sz="1300" b="1" dirty="0">
+                <a:solidFill>
+                  <a:srgbClr val="C00000"/>
+                </a:solidFill>
+                <a:latin typeface="Oxygen" panose="02000503000000000000" pitchFamily="2" charset="0"/>
+              </a:rPr>
+              <a:t>WA, JD, FB, Messenger, Insta, LinkedIn</a:t>
             </a:r>
           </a:p>
           <a:p>
@@ -5546,11 +5886,13 @@
             <a:r>
               <a:rPr lang="en-US" sz="1300" b="1" dirty="0">
                 <a:solidFill>
-                  <a:srgbClr val="C00000"/>
-                </a:solidFill>
-                <a:latin typeface="Oxygen" panose="02000503000000000000" pitchFamily="2" charset="0"/>
-              </a:rPr>
-              <a:t>Marketing, Brand Ambassador</a:t>
+                  <a:schemeClr val="accent2">
+                    <a:lumMod val="75000"/>
+                  </a:schemeClr>
+                </a:solidFill>
+                <a:latin typeface="Oxygen" panose="02000503000000000000" pitchFamily="2" charset="0"/>
+              </a:rPr>
+              <a:t>IoT AI Study Mat + Code (Content)</a:t>
             </a:r>
           </a:p>
           <a:p>
@@ -5564,109 +5906,13 @@
             <a:r>
               <a:rPr lang="en-US" sz="1300" b="1" dirty="0">
                 <a:solidFill>
-                  <a:srgbClr val="C00000"/>
-                </a:solidFill>
-                <a:latin typeface="Oxygen" panose="02000503000000000000" pitchFamily="2" charset="0"/>
-              </a:rPr>
-              <a:t>Ad Flyers</a:t>
-            </a:r>
-          </a:p>
-          <a:p>
-            <a:pPr marL="278606" indent="-278606">
-              <a:lnSpc>
-                <a:spcPct val="200000"/>
-              </a:lnSpc>
-              <a:buFont typeface="+mj-lt"/>
-              <a:buAutoNum type="arabicPeriod"/>
-            </a:pPr>
-            <a:r>
-              <a:rPr lang="en-US" sz="1300" b="1" dirty="0">
-                <a:solidFill>
-                  <a:srgbClr val="C00000"/>
-                </a:solidFill>
-                <a:latin typeface="Oxygen" panose="02000503000000000000" pitchFamily="2" charset="0"/>
-              </a:rPr>
-              <a:t>Add + Reels Plan &amp; Execute</a:t>
-            </a:r>
-          </a:p>
-          <a:p>
-            <a:pPr marL="278606" indent="-278606">
-              <a:lnSpc>
-                <a:spcPct val="200000"/>
-              </a:lnSpc>
-              <a:buFont typeface="+mj-lt"/>
-              <a:buAutoNum type="arabicPeriod"/>
-            </a:pPr>
-            <a:r>
-              <a:rPr lang="en-US" sz="1300" b="1" dirty="0">
-                <a:solidFill>
                   <a:schemeClr val="accent2">
                     <a:lumMod val="75000"/>
                   </a:schemeClr>
                 </a:solidFill>
                 <a:latin typeface="Oxygen" panose="02000503000000000000" pitchFamily="2" charset="0"/>
               </a:rPr>
-              <a:t>IoT AI Study Mat (Content)</a:t>
-            </a:r>
-          </a:p>
-          <a:p>
-            <a:pPr marL="278606" indent="-278606">
-              <a:lnSpc>
-                <a:spcPct val="200000"/>
-              </a:lnSpc>
-              <a:buFont typeface="+mj-lt"/>
-              <a:buAutoNum type="arabicPeriod"/>
-            </a:pPr>
-            <a:r>
-              <a:rPr lang="en-US" sz="1300" b="1" dirty="0">
-                <a:solidFill>
-                  <a:schemeClr val="accent2">
-                    <a:lumMod val="75000"/>
-                  </a:schemeClr>
-                </a:solidFill>
-                <a:latin typeface="Oxygen" panose="02000503000000000000" pitchFamily="2" charset="0"/>
-              </a:rPr>
-              <a:t>IoT AI Code (Content)</a:t>
-            </a:r>
-          </a:p>
-          <a:p>
-            <a:pPr marL="278606" indent="-278606">
-              <a:lnSpc>
-                <a:spcPct val="200000"/>
-              </a:lnSpc>
-              <a:buFont typeface="+mj-lt"/>
-              <a:buAutoNum type="arabicPeriod"/>
-            </a:pPr>
-            <a:r>
-              <a:rPr lang="en-US" sz="1300" b="1" dirty="0">
-                <a:solidFill>
-                  <a:schemeClr val="accent2">
-                    <a:lumMod val="75000"/>
-                  </a:schemeClr>
-                </a:solidFill>
-                <a:latin typeface="Oxygen" panose="02000503000000000000" pitchFamily="2" charset="0"/>
-              </a:rPr>
               <a:t>IoT AI Schools</a:t>
-            </a:r>
-          </a:p>
-          <a:p>
-            <a:pPr marL="278606" indent="-278606">
-              <a:lnSpc>
-                <a:spcPct val="200000"/>
-              </a:lnSpc>
-              <a:buFont typeface="+mj-lt"/>
-              <a:buAutoNum type="arabicPeriod"/>
-            </a:pPr>
-            <a:r>
-              <a:rPr lang="en-US" sz="1300" b="1" dirty="0">
-                <a:solidFill>
-                  <a:schemeClr val="accent4">
-                    <a:lumMod val="75000"/>
-                  </a:schemeClr>
-                </a:solidFill>
-                <a:latin typeface="Oxygen" panose="02000503000000000000" pitchFamily="2" charset="0"/>
-              </a:rPr>
-              <a:t>WA, JD, FB, Messenger, Insta, LinkedIn</a:t>
             </a:r>
           </a:p>
           <a:p>
@@ -5702,7 +5948,7 @@
         </p:nvSpPr>
         <p:spPr>
           <a:xfrm>
-            <a:off x="406221" y="2421546"/>
+            <a:off x="177621" y="2421546"/>
             <a:ext cx="2184579" cy="2217256"/>
           </a:xfrm>
           <a:prstGeom prst="rect">
